--- a/report/29.Sentence_Classification_For_News.pptx
+++ b/report/29.Sentence_Classification_For_News.pptx
@@ -2,16 +2,19 @@
 <file path=ppt/presentation.xml><?xml version="1.0" encoding="utf-8"?>
 <p:presentation xmlns:a="http://schemas.openxmlformats.org/drawingml/2006/main" xmlns:r="http://schemas.openxmlformats.org/officeDocument/2006/relationships" xmlns:p="http://schemas.openxmlformats.org/presentationml/2006/main" strictFirstAndLastChars="0" saveSubsetFonts="1" autoCompressPictures="0">
   <p:sldMasterIdLst>
-    <p:sldMasterId id="2147483782" r:id="rId1"/>
+    <p:sldMasterId id="2147483795" r:id="rId1"/>
   </p:sldMasterIdLst>
   <p:notesMasterIdLst>
-    <p:notesMasterId r:id="rId6"/>
+    <p:notesMasterId r:id="rId9"/>
   </p:notesMasterIdLst>
   <p:sldIdLst>
     <p:sldId id="256" r:id="rId2"/>
     <p:sldId id="257" r:id="rId3"/>
     <p:sldId id="258" r:id="rId4"/>
-    <p:sldId id="259" r:id="rId5"/>
+    <p:sldId id="260" r:id="rId5"/>
+    <p:sldId id="264" r:id="rId6"/>
+    <p:sldId id="265" r:id="rId7"/>
+    <p:sldId id="259" r:id="rId8"/>
   </p:sldIdLst>
   <p:sldSz cx="9144000" cy="5143500" type="screen16x9"/>
   <p:notesSz cx="6858000" cy="9144000"/>
@@ -19,7 +22,7 @@
     <a:defPPr>
       <a:defRPr lang="en-US"/>
     </a:defPPr>
-    <a:lvl1pPr marL="0" algn="l" defTabSz="457200" rtl="0" eaLnBrk="1" latinLnBrk="0" hangingPunct="1">
+    <a:lvl1pPr marL="0" algn="l" defTabSz="914400" rtl="0" eaLnBrk="1" latinLnBrk="0" hangingPunct="1">
       <a:defRPr sz="1800" kern="1200">
         <a:solidFill>
           <a:schemeClr val="tx1"/>
@@ -29,7 +32,7 @@
         <a:cs typeface="+mn-cs"/>
       </a:defRPr>
     </a:lvl1pPr>
-    <a:lvl2pPr marL="457200" algn="l" defTabSz="457200" rtl="0" eaLnBrk="1" latinLnBrk="0" hangingPunct="1">
+    <a:lvl2pPr marL="457200" algn="l" defTabSz="914400" rtl="0" eaLnBrk="1" latinLnBrk="0" hangingPunct="1">
       <a:defRPr sz="1800" kern="1200">
         <a:solidFill>
           <a:schemeClr val="tx1"/>
@@ -39,7 +42,7 @@
         <a:cs typeface="+mn-cs"/>
       </a:defRPr>
     </a:lvl2pPr>
-    <a:lvl3pPr marL="914400" algn="l" defTabSz="457200" rtl="0" eaLnBrk="1" latinLnBrk="0" hangingPunct="1">
+    <a:lvl3pPr marL="914400" algn="l" defTabSz="914400" rtl="0" eaLnBrk="1" latinLnBrk="0" hangingPunct="1">
       <a:defRPr sz="1800" kern="1200">
         <a:solidFill>
           <a:schemeClr val="tx1"/>
@@ -49,7 +52,7 @@
         <a:cs typeface="+mn-cs"/>
       </a:defRPr>
     </a:lvl3pPr>
-    <a:lvl4pPr marL="1371600" algn="l" defTabSz="457200" rtl="0" eaLnBrk="1" latinLnBrk="0" hangingPunct="1">
+    <a:lvl4pPr marL="1371600" algn="l" defTabSz="914400" rtl="0" eaLnBrk="1" latinLnBrk="0" hangingPunct="1">
       <a:defRPr sz="1800" kern="1200">
         <a:solidFill>
           <a:schemeClr val="tx1"/>
@@ -59,7 +62,7 @@
         <a:cs typeface="+mn-cs"/>
       </a:defRPr>
     </a:lvl4pPr>
-    <a:lvl5pPr marL="1828800" algn="l" defTabSz="457200" rtl="0" eaLnBrk="1" latinLnBrk="0" hangingPunct="1">
+    <a:lvl5pPr marL="1828800" algn="l" defTabSz="914400" rtl="0" eaLnBrk="1" latinLnBrk="0" hangingPunct="1">
       <a:defRPr sz="1800" kern="1200">
         <a:solidFill>
           <a:schemeClr val="tx1"/>
@@ -69,7 +72,7 @@
         <a:cs typeface="+mn-cs"/>
       </a:defRPr>
     </a:lvl5pPr>
-    <a:lvl6pPr marL="2286000" algn="l" defTabSz="457200" rtl="0" eaLnBrk="1" latinLnBrk="0" hangingPunct="1">
+    <a:lvl6pPr marL="2286000" algn="l" defTabSz="914400" rtl="0" eaLnBrk="1" latinLnBrk="0" hangingPunct="1">
       <a:defRPr sz="1800" kern="1200">
         <a:solidFill>
           <a:schemeClr val="tx1"/>
@@ -79,7 +82,7 @@
         <a:cs typeface="+mn-cs"/>
       </a:defRPr>
     </a:lvl6pPr>
-    <a:lvl7pPr marL="2743200" algn="l" defTabSz="457200" rtl="0" eaLnBrk="1" latinLnBrk="0" hangingPunct="1">
+    <a:lvl7pPr marL="2743200" algn="l" defTabSz="914400" rtl="0" eaLnBrk="1" latinLnBrk="0" hangingPunct="1">
       <a:defRPr sz="1800" kern="1200">
         <a:solidFill>
           <a:schemeClr val="tx1"/>
@@ -89,7 +92,7 @@
         <a:cs typeface="+mn-cs"/>
       </a:defRPr>
     </a:lvl7pPr>
-    <a:lvl8pPr marL="3200400" algn="l" defTabSz="457200" rtl="0" eaLnBrk="1" latinLnBrk="0" hangingPunct="1">
+    <a:lvl8pPr marL="3200400" algn="l" defTabSz="914400" rtl="0" eaLnBrk="1" latinLnBrk="0" hangingPunct="1">
       <a:defRPr sz="1800" kern="1200">
         <a:solidFill>
           <a:schemeClr val="tx1"/>
@@ -99,7 +102,7 @@
         <a:cs typeface="+mn-cs"/>
       </a:defRPr>
     </a:lvl8pPr>
-    <a:lvl9pPr marL="3657600" algn="l" defTabSz="457200" rtl="0" eaLnBrk="1" latinLnBrk="0" hangingPunct="1">
+    <a:lvl9pPr marL="3657600" algn="l" defTabSz="914400" rtl="0" eaLnBrk="1" latinLnBrk="0" hangingPunct="1">
       <a:defRPr sz="1800" kern="1200">
         <a:solidFill>
           <a:schemeClr val="tx1"/>
@@ -120,6 +123,1557 @@
 
 <file path=ppt/revisionInfo.xml><?xml version="1.0" encoding="utf-8"?>
 <p1510:revInfo xmlns:a="http://schemas.openxmlformats.org/drawingml/2006/main" xmlns:r="http://schemas.openxmlformats.org/officeDocument/2006/relationships" xmlns:p1510="http://schemas.microsoft.com/office/powerpoint/2015/10/main"/>
+</file>
+
+<file path=ppt/charts/chart1.xml><?xml version="1.0" encoding="utf-8"?>
+<c:chartSpace xmlns:c="http://schemas.openxmlformats.org/drawingml/2006/chart" xmlns:a="http://schemas.openxmlformats.org/drawingml/2006/main" xmlns:r="http://schemas.openxmlformats.org/officeDocument/2006/relationships" xmlns:c16r2="http://schemas.microsoft.com/office/drawing/2015/06/chart">
+  <c:date1904 val="0"/>
+  <c:lang val="en-US"/>
+  <c:roundedCorners val="0"/>
+  <mc:AlternateContent xmlns:mc="http://schemas.openxmlformats.org/markup-compatibility/2006">
+    <mc:Choice xmlns:c14="http://schemas.microsoft.com/office/drawing/2007/8/2/chart" Requires="c14">
+      <c14:style val="102"/>
+    </mc:Choice>
+    <mc:Fallback>
+      <c:style val="2"/>
+    </mc:Fallback>
+  </mc:AlternateContent>
+  <c:chart>
+    <c:autoTitleDeleted val="1"/>
+    <c:plotArea>
+      <c:layout/>
+      <c:barChart>
+        <c:barDir val="col"/>
+        <c:grouping val="clustered"/>
+        <c:varyColors val="0"/>
+        <c:ser>
+          <c:idx val="0"/>
+          <c:order val="0"/>
+          <c:tx>
+            <c:strRef>
+              <c:f>Sheet1!$B$1</c:f>
+              <c:strCache>
+                <c:ptCount val="1"/>
+                <c:pt idx="0">
+                  <c:v>CNN (w2v)</c:v>
+                </c:pt>
+              </c:strCache>
+            </c:strRef>
+          </c:tx>
+          <c:spPr>
+            <a:solidFill>
+              <a:schemeClr val="accent1"/>
+            </a:solidFill>
+            <a:ln>
+              <a:noFill/>
+            </a:ln>
+            <a:effectLst/>
+          </c:spPr>
+          <c:invertIfNegative val="0"/>
+          <c:dLbls>
+            <c:spPr>
+              <a:noFill/>
+              <a:ln>
+                <a:noFill/>
+              </a:ln>
+              <a:effectLst/>
+            </c:spPr>
+            <c:txPr>
+              <a:bodyPr rot="0" spcFirstLastPara="1" vertOverflow="ellipsis" vert="horz" wrap="square" lIns="38100" tIns="19050" rIns="38100" bIns="19050" anchor="ctr" anchorCtr="1">
+                <a:spAutoFit/>
+              </a:bodyPr>
+              <a:lstStyle/>
+              <a:p>
+                <a:pPr>
+                  <a:defRPr sz="1197" b="0" i="0" u="none" strike="noStrike" kern="1200" baseline="0">
+                    <a:solidFill>
+                      <a:schemeClr val="tx1">
+                        <a:lumMod val="75000"/>
+                        <a:lumOff val="25000"/>
+                      </a:schemeClr>
+                    </a:solidFill>
+                    <a:latin typeface="+mn-lt"/>
+                    <a:ea typeface="+mn-ea"/>
+                    <a:cs typeface="+mn-cs"/>
+                  </a:defRPr>
+                </a:pPr>
+                <a:endParaRPr lang="en-US"/>
+              </a:p>
+            </c:txPr>
+            <c:dLblPos val="outEnd"/>
+            <c:showLegendKey val="0"/>
+            <c:showVal val="1"/>
+            <c:showCatName val="0"/>
+            <c:showSerName val="0"/>
+            <c:showPercent val="0"/>
+            <c:showBubbleSize val="0"/>
+            <c:showLeaderLines val="0"/>
+            <c:extLst>
+              <c:ext xmlns:c15="http://schemas.microsoft.com/office/drawing/2012/chart" uri="{CE6537A1-D6FC-4f65-9D91-7224C49458BB}">
+                <c15:showLeaderLines val="1"/>
+                <c15:leaderLines>
+                  <c:spPr>
+                    <a:ln w="9525" cap="flat" cmpd="sng" algn="ctr">
+                      <a:solidFill>
+                        <a:schemeClr val="tx1">
+                          <a:lumMod val="35000"/>
+                          <a:lumOff val="65000"/>
+                        </a:schemeClr>
+                      </a:solidFill>
+                      <a:round/>
+                    </a:ln>
+                    <a:effectLst/>
+                  </c:spPr>
+                </c15:leaderLines>
+              </c:ext>
+            </c:extLst>
+          </c:dLbls>
+          <c:cat>
+            <c:strRef>
+              <c:f>Sheet1!$A$2:$A$4</c:f>
+              <c:strCache>
+                <c:ptCount val="3"/>
+                <c:pt idx="0">
+                  <c:v>UCI</c:v>
+                </c:pt>
+                <c:pt idx="1">
+                  <c:v>Tag My News</c:v>
+                </c:pt>
+                <c:pt idx="2">
+                  <c:v>Event Registry</c:v>
+                </c:pt>
+              </c:strCache>
+            </c:strRef>
+          </c:cat>
+          <c:val>
+            <c:numRef>
+              <c:f>Sheet1!$B$2:$B$4</c:f>
+              <c:numCache>
+                <c:formatCode>General</c:formatCode>
+                <c:ptCount val="3"/>
+                <c:pt idx="0">
+                  <c:v>0.87870000000000004</c:v>
+                </c:pt>
+                <c:pt idx="1">
+                  <c:v>0.80259999999999998</c:v>
+                </c:pt>
+                <c:pt idx="2">
+                  <c:v>0.58679999999999999</c:v>
+                </c:pt>
+              </c:numCache>
+            </c:numRef>
+          </c:val>
+          <c:extLst>
+            <c:ext xmlns:c16="http://schemas.microsoft.com/office/drawing/2014/chart" uri="{C3380CC4-5D6E-409C-BE32-E72D297353CC}">
+              <c16:uniqueId val="{00000000-F000-49B4-AFCB-94DAE50FD4FA}"/>
+            </c:ext>
+          </c:extLst>
+        </c:ser>
+        <c:ser>
+          <c:idx val="1"/>
+          <c:order val="1"/>
+          <c:tx>
+            <c:strRef>
+              <c:f>Sheet1!$C$1</c:f>
+              <c:strCache>
+                <c:ptCount val="1"/>
+                <c:pt idx="0">
+                  <c:v>CNN (BoW)</c:v>
+                </c:pt>
+              </c:strCache>
+            </c:strRef>
+          </c:tx>
+          <c:spPr>
+            <a:solidFill>
+              <a:schemeClr val="accent2"/>
+            </a:solidFill>
+            <a:ln>
+              <a:noFill/>
+            </a:ln>
+            <a:effectLst/>
+          </c:spPr>
+          <c:invertIfNegative val="0"/>
+          <c:dLbls>
+            <c:spPr>
+              <a:noFill/>
+              <a:ln>
+                <a:noFill/>
+              </a:ln>
+              <a:effectLst/>
+            </c:spPr>
+            <c:txPr>
+              <a:bodyPr rot="0" spcFirstLastPara="1" vertOverflow="ellipsis" vert="horz" wrap="square" lIns="38100" tIns="19050" rIns="38100" bIns="19050" anchor="ctr" anchorCtr="1">
+                <a:spAutoFit/>
+              </a:bodyPr>
+              <a:lstStyle/>
+              <a:p>
+                <a:pPr>
+                  <a:defRPr sz="1197" b="0" i="0" u="none" strike="noStrike" kern="1200" baseline="0">
+                    <a:solidFill>
+                      <a:schemeClr val="tx1">
+                        <a:lumMod val="75000"/>
+                        <a:lumOff val="25000"/>
+                      </a:schemeClr>
+                    </a:solidFill>
+                    <a:latin typeface="+mn-lt"/>
+                    <a:ea typeface="+mn-ea"/>
+                    <a:cs typeface="+mn-cs"/>
+                  </a:defRPr>
+                </a:pPr>
+                <a:endParaRPr lang="en-US"/>
+              </a:p>
+            </c:txPr>
+            <c:dLblPos val="outEnd"/>
+            <c:showLegendKey val="0"/>
+            <c:showVal val="1"/>
+            <c:showCatName val="0"/>
+            <c:showSerName val="0"/>
+            <c:showPercent val="0"/>
+            <c:showBubbleSize val="0"/>
+            <c:showLeaderLines val="0"/>
+            <c:extLst>
+              <c:ext xmlns:c15="http://schemas.microsoft.com/office/drawing/2012/chart" uri="{CE6537A1-D6FC-4f65-9D91-7224C49458BB}">
+                <c15:showLeaderLines val="1"/>
+                <c15:leaderLines>
+                  <c:spPr>
+                    <a:ln w="9525" cap="flat" cmpd="sng" algn="ctr">
+                      <a:solidFill>
+                        <a:schemeClr val="tx1">
+                          <a:lumMod val="35000"/>
+                          <a:lumOff val="65000"/>
+                        </a:schemeClr>
+                      </a:solidFill>
+                      <a:round/>
+                    </a:ln>
+                    <a:effectLst/>
+                  </c:spPr>
+                </c15:leaderLines>
+              </c:ext>
+            </c:extLst>
+          </c:dLbls>
+          <c:cat>
+            <c:strRef>
+              <c:f>Sheet1!$A$2:$A$4</c:f>
+              <c:strCache>
+                <c:ptCount val="3"/>
+                <c:pt idx="0">
+                  <c:v>UCI</c:v>
+                </c:pt>
+                <c:pt idx="1">
+                  <c:v>Tag My News</c:v>
+                </c:pt>
+                <c:pt idx="2">
+                  <c:v>Event Registry</c:v>
+                </c:pt>
+              </c:strCache>
+            </c:strRef>
+          </c:cat>
+          <c:val>
+            <c:numRef>
+              <c:f>Sheet1!$C$2:$C$4</c:f>
+              <c:numCache>
+                <c:formatCode>General</c:formatCode>
+                <c:ptCount val="3"/>
+                <c:pt idx="0">
+                  <c:v>0.37069999999999997</c:v>
+                </c:pt>
+                <c:pt idx="1">
+                  <c:v>0.38519999999999999</c:v>
+                </c:pt>
+                <c:pt idx="2">
+                  <c:v>0.2949</c:v>
+                </c:pt>
+              </c:numCache>
+            </c:numRef>
+          </c:val>
+          <c:extLst>
+            <c:ext xmlns:c16="http://schemas.microsoft.com/office/drawing/2014/chart" uri="{C3380CC4-5D6E-409C-BE32-E72D297353CC}">
+              <c16:uniqueId val="{00000001-F000-49B4-AFCB-94DAE50FD4FA}"/>
+            </c:ext>
+          </c:extLst>
+        </c:ser>
+        <c:ser>
+          <c:idx val="2"/>
+          <c:order val="2"/>
+          <c:tx>
+            <c:strRef>
+              <c:f>Sheet1!$D$1</c:f>
+              <c:strCache>
+                <c:ptCount val="1"/>
+                <c:pt idx="0">
+                  <c:v>Logistic (w2v)</c:v>
+                </c:pt>
+              </c:strCache>
+            </c:strRef>
+          </c:tx>
+          <c:spPr>
+            <a:solidFill>
+              <a:schemeClr val="accent3"/>
+            </a:solidFill>
+            <a:ln>
+              <a:noFill/>
+            </a:ln>
+            <a:effectLst/>
+          </c:spPr>
+          <c:invertIfNegative val="0"/>
+          <c:dLbls>
+            <c:spPr>
+              <a:noFill/>
+              <a:ln>
+                <a:noFill/>
+              </a:ln>
+              <a:effectLst/>
+            </c:spPr>
+            <c:txPr>
+              <a:bodyPr rot="0" spcFirstLastPara="1" vertOverflow="ellipsis" vert="horz" wrap="square" lIns="38100" tIns="19050" rIns="38100" bIns="19050" anchor="ctr" anchorCtr="1">
+                <a:spAutoFit/>
+              </a:bodyPr>
+              <a:lstStyle/>
+              <a:p>
+                <a:pPr>
+                  <a:defRPr sz="1197" b="0" i="0" u="none" strike="noStrike" kern="1200" baseline="0">
+                    <a:solidFill>
+                      <a:schemeClr val="tx1">
+                        <a:lumMod val="75000"/>
+                        <a:lumOff val="25000"/>
+                      </a:schemeClr>
+                    </a:solidFill>
+                    <a:latin typeface="+mn-lt"/>
+                    <a:ea typeface="+mn-ea"/>
+                    <a:cs typeface="+mn-cs"/>
+                  </a:defRPr>
+                </a:pPr>
+                <a:endParaRPr lang="en-US"/>
+              </a:p>
+            </c:txPr>
+            <c:dLblPos val="outEnd"/>
+            <c:showLegendKey val="0"/>
+            <c:showVal val="1"/>
+            <c:showCatName val="0"/>
+            <c:showSerName val="0"/>
+            <c:showPercent val="0"/>
+            <c:showBubbleSize val="0"/>
+            <c:showLeaderLines val="0"/>
+            <c:extLst>
+              <c:ext xmlns:c15="http://schemas.microsoft.com/office/drawing/2012/chart" uri="{CE6537A1-D6FC-4f65-9D91-7224C49458BB}">
+                <c15:showLeaderLines val="1"/>
+                <c15:leaderLines>
+                  <c:spPr>
+                    <a:ln w="9525" cap="flat" cmpd="sng" algn="ctr">
+                      <a:solidFill>
+                        <a:schemeClr val="tx1">
+                          <a:lumMod val="35000"/>
+                          <a:lumOff val="65000"/>
+                        </a:schemeClr>
+                      </a:solidFill>
+                      <a:round/>
+                    </a:ln>
+                    <a:effectLst/>
+                  </c:spPr>
+                </c15:leaderLines>
+              </c:ext>
+            </c:extLst>
+          </c:dLbls>
+          <c:cat>
+            <c:strRef>
+              <c:f>Sheet1!$A$2:$A$4</c:f>
+              <c:strCache>
+                <c:ptCount val="3"/>
+                <c:pt idx="0">
+                  <c:v>UCI</c:v>
+                </c:pt>
+                <c:pt idx="1">
+                  <c:v>Tag My News</c:v>
+                </c:pt>
+                <c:pt idx="2">
+                  <c:v>Event Registry</c:v>
+                </c:pt>
+              </c:strCache>
+            </c:strRef>
+          </c:cat>
+          <c:val>
+            <c:numRef>
+              <c:f>Sheet1!$D$2:$D$4</c:f>
+              <c:numCache>
+                <c:formatCode>General</c:formatCode>
+                <c:ptCount val="3"/>
+                <c:pt idx="0">
+                  <c:v>0.85270000000000001</c:v>
+                </c:pt>
+                <c:pt idx="1">
+                  <c:v>0.78700000000000003</c:v>
+                </c:pt>
+                <c:pt idx="2">
+                  <c:v>0.55789999999999995</c:v>
+                </c:pt>
+              </c:numCache>
+            </c:numRef>
+          </c:val>
+          <c:extLst>
+            <c:ext xmlns:c16="http://schemas.microsoft.com/office/drawing/2014/chart" uri="{C3380CC4-5D6E-409C-BE32-E72D297353CC}">
+              <c16:uniqueId val="{00000002-F000-49B4-AFCB-94DAE50FD4FA}"/>
+            </c:ext>
+          </c:extLst>
+        </c:ser>
+        <c:ser>
+          <c:idx val="3"/>
+          <c:order val="3"/>
+          <c:tx>
+            <c:strRef>
+              <c:f>Sheet1!$E$1</c:f>
+              <c:strCache>
+                <c:ptCount val="1"/>
+                <c:pt idx="0">
+                  <c:v>Logistic (BoW)</c:v>
+                </c:pt>
+              </c:strCache>
+            </c:strRef>
+          </c:tx>
+          <c:spPr>
+            <a:solidFill>
+              <a:schemeClr val="accent4"/>
+            </a:solidFill>
+            <a:ln>
+              <a:noFill/>
+            </a:ln>
+            <a:effectLst/>
+          </c:spPr>
+          <c:invertIfNegative val="0"/>
+          <c:dLbls>
+            <c:spPr>
+              <a:noFill/>
+              <a:ln>
+                <a:noFill/>
+              </a:ln>
+              <a:effectLst/>
+            </c:spPr>
+            <c:txPr>
+              <a:bodyPr rot="0" spcFirstLastPara="1" vertOverflow="ellipsis" vert="horz" wrap="square" lIns="38100" tIns="19050" rIns="38100" bIns="19050" anchor="ctr" anchorCtr="1">
+                <a:spAutoFit/>
+              </a:bodyPr>
+              <a:lstStyle/>
+              <a:p>
+                <a:pPr>
+                  <a:defRPr sz="1197" b="0" i="0" u="none" strike="noStrike" kern="1200" baseline="0">
+                    <a:solidFill>
+                      <a:schemeClr val="tx1">
+                        <a:lumMod val="75000"/>
+                        <a:lumOff val="25000"/>
+                      </a:schemeClr>
+                    </a:solidFill>
+                    <a:latin typeface="+mn-lt"/>
+                    <a:ea typeface="+mn-ea"/>
+                    <a:cs typeface="+mn-cs"/>
+                  </a:defRPr>
+                </a:pPr>
+                <a:endParaRPr lang="en-US"/>
+              </a:p>
+            </c:txPr>
+            <c:dLblPos val="outEnd"/>
+            <c:showLegendKey val="0"/>
+            <c:showVal val="1"/>
+            <c:showCatName val="0"/>
+            <c:showSerName val="0"/>
+            <c:showPercent val="0"/>
+            <c:showBubbleSize val="0"/>
+            <c:showLeaderLines val="0"/>
+            <c:extLst>
+              <c:ext xmlns:c15="http://schemas.microsoft.com/office/drawing/2012/chart" uri="{CE6537A1-D6FC-4f65-9D91-7224C49458BB}">
+                <c15:showLeaderLines val="1"/>
+                <c15:leaderLines>
+                  <c:spPr>
+                    <a:ln w="9525" cap="flat" cmpd="sng" algn="ctr">
+                      <a:solidFill>
+                        <a:schemeClr val="tx1">
+                          <a:lumMod val="35000"/>
+                          <a:lumOff val="65000"/>
+                        </a:schemeClr>
+                      </a:solidFill>
+                      <a:round/>
+                    </a:ln>
+                    <a:effectLst/>
+                  </c:spPr>
+                </c15:leaderLines>
+              </c:ext>
+            </c:extLst>
+          </c:dLbls>
+          <c:cat>
+            <c:strRef>
+              <c:f>Sheet1!$A$2:$A$4</c:f>
+              <c:strCache>
+                <c:ptCount val="3"/>
+                <c:pt idx="0">
+                  <c:v>UCI</c:v>
+                </c:pt>
+                <c:pt idx="1">
+                  <c:v>Tag My News</c:v>
+                </c:pt>
+                <c:pt idx="2">
+                  <c:v>Event Registry</c:v>
+                </c:pt>
+              </c:strCache>
+            </c:strRef>
+          </c:cat>
+          <c:val>
+            <c:numRef>
+              <c:f>Sheet1!$E$2:$E$4</c:f>
+              <c:numCache>
+                <c:formatCode>General</c:formatCode>
+                <c:ptCount val="3"/>
+                <c:pt idx="0">
+                  <c:v>0.7611</c:v>
+                </c:pt>
+                <c:pt idx="1">
+                  <c:v>0.6643</c:v>
+                </c:pt>
+                <c:pt idx="2">
+                  <c:v>0.6643</c:v>
+                </c:pt>
+              </c:numCache>
+            </c:numRef>
+          </c:val>
+          <c:extLst>
+            <c:ext xmlns:c16="http://schemas.microsoft.com/office/drawing/2014/chart" uri="{C3380CC4-5D6E-409C-BE32-E72D297353CC}">
+              <c16:uniqueId val="{00000003-F000-49B4-AFCB-94DAE50FD4FA}"/>
+            </c:ext>
+          </c:extLst>
+        </c:ser>
+        <c:ser>
+          <c:idx val="4"/>
+          <c:order val="4"/>
+          <c:tx>
+            <c:strRef>
+              <c:f>Sheet1!$F$1</c:f>
+              <c:strCache>
+                <c:ptCount val="1"/>
+                <c:pt idx="0">
+                  <c:v>SVM (w2v)</c:v>
+                </c:pt>
+              </c:strCache>
+            </c:strRef>
+          </c:tx>
+          <c:spPr>
+            <a:solidFill>
+              <a:schemeClr val="accent5"/>
+            </a:solidFill>
+            <a:ln>
+              <a:noFill/>
+            </a:ln>
+            <a:effectLst/>
+          </c:spPr>
+          <c:invertIfNegative val="0"/>
+          <c:dLbls>
+            <c:spPr>
+              <a:noFill/>
+              <a:ln>
+                <a:noFill/>
+              </a:ln>
+              <a:effectLst/>
+            </c:spPr>
+            <c:txPr>
+              <a:bodyPr rot="0" spcFirstLastPara="1" vertOverflow="ellipsis" vert="horz" wrap="square" lIns="38100" tIns="19050" rIns="38100" bIns="19050" anchor="ctr" anchorCtr="1">
+                <a:spAutoFit/>
+              </a:bodyPr>
+              <a:lstStyle/>
+              <a:p>
+                <a:pPr>
+                  <a:defRPr sz="1197" b="0" i="0" u="none" strike="noStrike" kern="1200" baseline="0">
+                    <a:solidFill>
+                      <a:schemeClr val="tx1">
+                        <a:lumMod val="75000"/>
+                        <a:lumOff val="25000"/>
+                      </a:schemeClr>
+                    </a:solidFill>
+                    <a:latin typeface="+mn-lt"/>
+                    <a:ea typeface="+mn-ea"/>
+                    <a:cs typeface="+mn-cs"/>
+                  </a:defRPr>
+                </a:pPr>
+                <a:endParaRPr lang="en-US"/>
+              </a:p>
+            </c:txPr>
+            <c:dLblPos val="outEnd"/>
+            <c:showLegendKey val="0"/>
+            <c:showVal val="1"/>
+            <c:showCatName val="0"/>
+            <c:showSerName val="0"/>
+            <c:showPercent val="0"/>
+            <c:showBubbleSize val="0"/>
+            <c:showLeaderLines val="0"/>
+            <c:extLst>
+              <c:ext xmlns:c15="http://schemas.microsoft.com/office/drawing/2012/chart" uri="{CE6537A1-D6FC-4f65-9D91-7224C49458BB}">
+                <c15:showLeaderLines val="1"/>
+                <c15:leaderLines>
+                  <c:spPr>
+                    <a:ln w="9525" cap="flat" cmpd="sng" algn="ctr">
+                      <a:solidFill>
+                        <a:schemeClr val="tx1">
+                          <a:lumMod val="35000"/>
+                          <a:lumOff val="65000"/>
+                        </a:schemeClr>
+                      </a:solidFill>
+                      <a:round/>
+                    </a:ln>
+                    <a:effectLst/>
+                  </c:spPr>
+                </c15:leaderLines>
+              </c:ext>
+            </c:extLst>
+          </c:dLbls>
+          <c:cat>
+            <c:strRef>
+              <c:f>Sheet1!$A$2:$A$4</c:f>
+              <c:strCache>
+                <c:ptCount val="3"/>
+                <c:pt idx="0">
+                  <c:v>UCI</c:v>
+                </c:pt>
+                <c:pt idx="1">
+                  <c:v>Tag My News</c:v>
+                </c:pt>
+                <c:pt idx="2">
+                  <c:v>Event Registry</c:v>
+                </c:pt>
+              </c:strCache>
+            </c:strRef>
+          </c:cat>
+          <c:val>
+            <c:numRef>
+              <c:f>Sheet1!$F$2:$F$4</c:f>
+              <c:numCache>
+                <c:formatCode>General</c:formatCode>
+                <c:ptCount val="3"/>
+                <c:pt idx="0">
+                  <c:v>0.84950000000000003</c:v>
+                </c:pt>
+                <c:pt idx="1">
+                  <c:v>0.78420000000000001</c:v>
+                </c:pt>
+                <c:pt idx="2">
+                  <c:v>0.55759999999999998</c:v>
+                </c:pt>
+              </c:numCache>
+            </c:numRef>
+          </c:val>
+          <c:extLst>
+            <c:ext xmlns:c16="http://schemas.microsoft.com/office/drawing/2014/chart" uri="{C3380CC4-5D6E-409C-BE32-E72D297353CC}">
+              <c16:uniqueId val="{00000004-F000-49B4-AFCB-94DAE50FD4FA}"/>
+            </c:ext>
+          </c:extLst>
+        </c:ser>
+        <c:ser>
+          <c:idx val="5"/>
+          <c:order val="5"/>
+          <c:tx>
+            <c:strRef>
+              <c:f>Sheet1!$G$1</c:f>
+              <c:strCache>
+                <c:ptCount val="1"/>
+                <c:pt idx="0">
+                  <c:v>SVM (Bow)</c:v>
+                </c:pt>
+              </c:strCache>
+            </c:strRef>
+          </c:tx>
+          <c:spPr>
+            <a:solidFill>
+              <a:schemeClr val="accent6"/>
+            </a:solidFill>
+            <a:ln>
+              <a:noFill/>
+            </a:ln>
+            <a:effectLst/>
+          </c:spPr>
+          <c:invertIfNegative val="0"/>
+          <c:dLbls>
+            <c:spPr>
+              <a:noFill/>
+              <a:ln>
+                <a:noFill/>
+              </a:ln>
+              <a:effectLst/>
+            </c:spPr>
+            <c:txPr>
+              <a:bodyPr rot="0" spcFirstLastPara="1" vertOverflow="ellipsis" vert="horz" wrap="square" lIns="38100" tIns="19050" rIns="38100" bIns="19050" anchor="ctr" anchorCtr="1">
+                <a:spAutoFit/>
+              </a:bodyPr>
+              <a:lstStyle/>
+              <a:p>
+                <a:pPr>
+                  <a:defRPr sz="1197" b="0" i="0" u="none" strike="noStrike" kern="1200" baseline="0">
+                    <a:solidFill>
+                      <a:schemeClr val="tx1">
+                        <a:lumMod val="75000"/>
+                        <a:lumOff val="25000"/>
+                      </a:schemeClr>
+                    </a:solidFill>
+                    <a:latin typeface="+mn-lt"/>
+                    <a:ea typeface="+mn-ea"/>
+                    <a:cs typeface="+mn-cs"/>
+                  </a:defRPr>
+                </a:pPr>
+                <a:endParaRPr lang="en-US"/>
+              </a:p>
+            </c:txPr>
+            <c:dLblPos val="outEnd"/>
+            <c:showLegendKey val="0"/>
+            <c:showVal val="1"/>
+            <c:showCatName val="0"/>
+            <c:showSerName val="0"/>
+            <c:showPercent val="0"/>
+            <c:showBubbleSize val="0"/>
+            <c:showLeaderLines val="0"/>
+            <c:extLst>
+              <c:ext xmlns:c15="http://schemas.microsoft.com/office/drawing/2012/chart" uri="{CE6537A1-D6FC-4f65-9D91-7224C49458BB}">
+                <c15:showLeaderLines val="1"/>
+                <c15:leaderLines>
+                  <c:spPr>
+                    <a:ln w="9525" cap="flat" cmpd="sng" algn="ctr">
+                      <a:solidFill>
+                        <a:schemeClr val="tx1">
+                          <a:lumMod val="35000"/>
+                          <a:lumOff val="65000"/>
+                        </a:schemeClr>
+                      </a:solidFill>
+                      <a:round/>
+                    </a:ln>
+                    <a:effectLst/>
+                  </c:spPr>
+                </c15:leaderLines>
+              </c:ext>
+            </c:extLst>
+          </c:dLbls>
+          <c:cat>
+            <c:strRef>
+              <c:f>Sheet1!$A$2:$A$4</c:f>
+              <c:strCache>
+                <c:ptCount val="3"/>
+                <c:pt idx="0">
+                  <c:v>UCI</c:v>
+                </c:pt>
+                <c:pt idx="1">
+                  <c:v>Tag My News</c:v>
+                </c:pt>
+                <c:pt idx="2">
+                  <c:v>Event Registry</c:v>
+                </c:pt>
+              </c:strCache>
+            </c:strRef>
+          </c:cat>
+          <c:val>
+            <c:numRef>
+              <c:f>Sheet1!$G$2:$G$4</c:f>
+              <c:numCache>
+                <c:formatCode>General</c:formatCode>
+                <c:ptCount val="3"/>
+                <c:pt idx="0">
+                  <c:v>0.76039999999999996</c:v>
+                </c:pt>
+                <c:pt idx="1">
+                  <c:v>0.66410000000000002</c:v>
+                </c:pt>
+                <c:pt idx="2">
+                  <c:v>0.49280000000000002</c:v>
+                </c:pt>
+              </c:numCache>
+            </c:numRef>
+          </c:val>
+          <c:extLst>
+            <c:ext xmlns:c16="http://schemas.microsoft.com/office/drawing/2014/chart" uri="{C3380CC4-5D6E-409C-BE32-E72D297353CC}">
+              <c16:uniqueId val="{00000005-F000-49B4-AFCB-94DAE50FD4FA}"/>
+            </c:ext>
+          </c:extLst>
+        </c:ser>
+        <c:dLbls>
+          <c:dLblPos val="outEnd"/>
+          <c:showLegendKey val="0"/>
+          <c:showVal val="1"/>
+          <c:showCatName val="0"/>
+          <c:showSerName val="0"/>
+          <c:showPercent val="0"/>
+          <c:showBubbleSize val="0"/>
+        </c:dLbls>
+        <c:gapWidth val="219"/>
+        <c:overlap val="-27"/>
+        <c:axId val="449675336"/>
+        <c:axId val="449677632"/>
+      </c:barChart>
+      <c:catAx>
+        <c:axId val="449675336"/>
+        <c:scaling>
+          <c:orientation val="minMax"/>
+        </c:scaling>
+        <c:delete val="0"/>
+        <c:axPos val="b"/>
+        <c:numFmt formatCode="General" sourceLinked="1"/>
+        <c:majorTickMark val="none"/>
+        <c:minorTickMark val="none"/>
+        <c:tickLblPos val="nextTo"/>
+        <c:spPr>
+          <a:noFill/>
+          <a:ln w="9525" cap="flat" cmpd="sng" algn="ctr">
+            <a:solidFill>
+              <a:schemeClr val="tx1">
+                <a:lumMod val="15000"/>
+                <a:lumOff val="85000"/>
+              </a:schemeClr>
+            </a:solidFill>
+            <a:round/>
+          </a:ln>
+          <a:effectLst/>
+        </c:spPr>
+        <c:txPr>
+          <a:bodyPr rot="-60000000" spcFirstLastPara="1" vertOverflow="ellipsis" vert="horz" wrap="square" anchor="ctr" anchorCtr="1"/>
+          <a:lstStyle/>
+          <a:p>
+            <a:pPr>
+              <a:defRPr sz="1197" b="0" i="0" u="none" strike="noStrike" kern="1200" baseline="0">
+                <a:solidFill>
+                  <a:schemeClr val="tx1">
+                    <a:lumMod val="65000"/>
+                    <a:lumOff val="35000"/>
+                  </a:schemeClr>
+                </a:solidFill>
+                <a:latin typeface="+mn-lt"/>
+                <a:ea typeface="+mn-ea"/>
+                <a:cs typeface="+mn-cs"/>
+              </a:defRPr>
+            </a:pPr>
+            <a:endParaRPr lang="en-US"/>
+          </a:p>
+        </c:txPr>
+        <c:crossAx val="449677632"/>
+        <c:crosses val="autoZero"/>
+        <c:auto val="1"/>
+        <c:lblAlgn val="ctr"/>
+        <c:lblOffset val="100"/>
+        <c:noMultiLvlLbl val="0"/>
+      </c:catAx>
+      <c:valAx>
+        <c:axId val="449677632"/>
+        <c:scaling>
+          <c:orientation val="minMax"/>
+        </c:scaling>
+        <c:delete val="0"/>
+        <c:axPos val="l"/>
+        <c:majorGridlines>
+          <c:spPr>
+            <a:ln w="9525" cap="flat" cmpd="sng" algn="ctr">
+              <a:solidFill>
+                <a:schemeClr val="tx1">
+                  <a:lumMod val="15000"/>
+                  <a:lumOff val="85000"/>
+                </a:schemeClr>
+              </a:solidFill>
+              <a:round/>
+            </a:ln>
+            <a:effectLst/>
+          </c:spPr>
+        </c:majorGridlines>
+        <c:title>
+          <c:tx>
+            <c:rich>
+              <a:bodyPr rot="-5400000" spcFirstLastPara="1" vertOverflow="ellipsis" vert="horz" wrap="square" anchor="ctr" anchorCtr="1"/>
+              <a:lstStyle/>
+              <a:p>
+                <a:pPr>
+                  <a:defRPr sz="1330" b="0" i="0" u="none" strike="noStrike" kern="1200" baseline="0">
+                    <a:solidFill>
+                      <a:schemeClr val="tx1">
+                        <a:lumMod val="65000"/>
+                        <a:lumOff val="35000"/>
+                      </a:schemeClr>
+                    </a:solidFill>
+                    <a:latin typeface="+mn-lt"/>
+                    <a:ea typeface="+mn-ea"/>
+                    <a:cs typeface="+mn-cs"/>
+                  </a:defRPr>
+                </a:pPr>
+                <a:r>
+                  <a:rPr lang="en-US" dirty="0"/>
+                  <a:t>Accuracy</a:t>
+                </a:r>
+              </a:p>
+            </c:rich>
+          </c:tx>
+          <c:overlay val="0"/>
+          <c:spPr>
+            <a:noFill/>
+            <a:ln>
+              <a:noFill/>
+            </a:ln>
+            <a:effectLst/>
+          </c:spPr>
+          <c:txPr>
+            <a:bodyPr rot="-5400000" spcFirstLastPara="1" vertOverflow="ellipsis" vert="horz" wrap="square" anchor="ctr" anchorCtr="1"/>
+            <a:lstStyle/>
+            <a:p>
+              <a:pPr>
+                <a:defRPr sz="1330" b="0" i="0" u="none" strike="noStrike" kern="1200" baseline="0">
+                  <a:solidFill>
+                    <a:schemeClr val="tx1">
+                      <a:lumMod val="65000"/>
+                      <a:lumOff val="35000"/>
+                    </a:schemeClr>
+                  </a:solidFill>
+                  <a:latin typeface="+mn-lt"/>
+                  <a:ea typeface="+mn-ea"/>
+                  <a:cs typeface="+mn-cs"/>
+                </a:defRPr>
+              </a:pPr>
+              <a:endParaRPr lang="en-US"/>
+            </a:p>
+          </c:txPr>
+        </c:title>
+        <c:numFmt formatCode="General" sourceLinked="1"/>
+        <c:majorTickMark val="none"/>
+        <c:minorTickMark val="none"/>
+        <c:tickLblPos val="nextTo"/>
+        <c:spPr>
+          <a:noFill/>
+          <a:ln>
+            <a:noFill/>
+          </a:ln>
+          <a:effectLst/>
+        </c:spPr>
+        <c:txPr>
+          <a:bodyPr rot="-60000000" spcFirstLastPara="1" vertOverflow="ellipsis" vert="horz" wrap="square" anchor="ctr" anchorCtr="1"/>
+          <a:lstStyle/>
+          <a:p>
+            <a:pPr>
+              <a:defRPr sz="1197" b="0" i="0" u="none" strike="noStrike" kern="1200" baseline="0">
+                <a:solidFill>
+                  <a:schemeClr val="tx1">
+                    <a:lumMod val="65000"/>
+                    <a:lumOff val="35000"/>
+                  </a:schemeClr>
+                </a:solidFill>
+                <a:latin typeface="+mn-lt"/>
+                <a:ea typeface="+mn-ea"/>
+                <a:cs typeface="+mn-cs"/>
+              </a:defRPr>
+            </a:pPr>
+            <a:endParaRPr lang="en-US"/>
+          </a:p>
+        </c:txPr>
+        <c:crossAx val="449675336"/>
+        <c:crosses val="autoZero"/>
+        <c:crossBetween val="between"/>
+      </c:valAx>
+      <c:spPr>
+        <a:noFill/>
+        <a:ln>
+          <a:noFill/>
+        </a:ln>
+        <a:effectLst/>
+      </c:spPr>
+    </c:plotArea>
+    <c:legend>
+      <c:legendPos val="b"/>
+      <c:overlay val="0"/>
+      <c:spPr>
+        <a:noFill/>
+        <a:ln>
+          <a:noFill/>
+        </a:ln>
+        <a:effectLst/>
+      </c:spPr>
+      <c:txPr>
+        <a:bodyPr rot="0" spcFirstLastPara="1" vertOverflow="ellipsis" vert="horz" wrap="square" anchor="ctr" anchorCtr="1"/>
+        <a:lstStyle/>
+        <a:p>
+          <a:pPr>
+            <a:defRPr sz="1197" b="0" i="0" u="none" strike="noStrike" kern="1200" baseline="0">
+              <a:solidFill>
+                <a:schemeClr val="tx1">
+                  <a:lumMod val="65000"/>
+                  <a:lumOff val="35000"/>
+                </a:schemeClr>
+              </a:solidFill>
+              <a:latin typeface="+mn-lt"/>
+              <a:ea typeface="+mn-ea"/>
+              <a:cs typeface="+mn-cs"/>
+            </a:defRPr>
+          </a:pPr>
+          <a:endParaRPr lang="en-US"/>
+        </a:p>
+      </c:txPr>
+    </c:legend>
+    <c:plotVisOnly val="1"/>
+    <c:dispBlanksAs val="gap"/>
+    <c:extLst>
+      <c:ext xmlns:c16r3="http://schemas.microsoft.com/office/drawing/2017/03/chart" uri="{56B9EC1D-385E-4148-901F-78D8002777C0}">
+        <c16r3:dataDisplayOptions16>
+          <c16r3:dispNaAsBlank val="1"/>
+        </c16r3:dataDisplayOptions16>
+      </c:ext>
+    </c:extLst>
+    <c:showDLblsOverMax val="0"/>
+  </c:chart>
+  <c:spPr>
+    <a:noFill/>
+    <a:ln>
+      <a:noFill/>
+    </a:ln>
+    <a:effectLst/>
+  </c:spPr>
+  <c:txPr>
+    <a:bodyPr/>
+    <a:lstStyle/>
+    <a:p>
+      <a:pPr>
+        <a:defRPr/>
+      </a:pPr>
+      <a:endParaRPr lang="en-US"/>
+    </a:p>
+  </c:txPr>
+  <c:externalData r:id="rId3">
+    <c:autoUpdate val="0"/>
+  </c:externalData>
+</c:chartSpace>
+</file>
+
+<file path=ppt/charts/colors1.xml><?xml version="1.0" encoding="utf-8"?>
+<cs:colorStyle xmlns:cs="http://schemas.microsoft.com/office/drawing/2012/chartStyle" xmlns:a="http://schemas.openxmlformats.org/drawingml/2006/main" meth="cycle" id="10">
+  <a:schemeClr val="accent1"/>
+  <a:schemeClr val="accent2"/>
+  <a:schemeClr val="accent3"/>
+  <a:schemeClr val="accent4"/>
+  <a:schemeClr val="accent5"/>
+  <a:schemeClr val="accent6"/>
+  <cs:variation/>
+  <cs:variation>
+    <a:lumMod val="60000"/>
+  </cs:variation>
+  <cs:variation>
+    <a:lumMod val="80000"/>
+    <a:lumOff val="20000"/>
+  </cs:variation>
+  <cs:variation>
+    <a:lumMod val="80000"/>
+  </cs:variation>
+  <cs:variation>
+    <a:lumMod val="60000"/>
+    <a:lumOff val="40000"/>
+  </cs:variation>
+  <cs:variation>
+    <a:lumMod val="50000"/>
+  </cs:variation>
+  <cs:variation>
+    <a:lumMod val="70000"/>
+    <a:lumOff val="30000"/>
+  </cs:variation>
+  <cs:variation>
+    <a:lumMod val="70000"/>
+  </cs:variation>
+  <cs:variation>
+    <a:lumMod val="50000"/>
+    <a:lumOff val="50000"/>
+  </cs:variation>
+</cs:colorStyle>
+</file>
+
+<file path=ppt/charts/style1.xml><?xml version="1.0" encoding="utf-8"?>
+<cs:chartStyle xmlns:cs="http://schemas.microsoft.com/office/drawing/2012/chartStyle" xmlns:a="http://schemas.openxmlformats.org/drawingml/2006/main" id="201">
+  <cs:axisTitle>
+    <cs:lnRef idx="0"/>
+    <cs:fillRef idx="0"/>
+    <cs:effectRef idx="0"/>
+    <cs:fontRef idx="minor">
+      <a:schemeClr val="tx1">
+        <a:lumMod val="65000"/>
+        <a:lumOff val="35000"/>
+      </a:schemeClr>
+    </cs:fontRef>
+    <cs:defRPr sz="1330" kern="1200"/>
+  </cs:axisTitle>
+  <cs:categoryAxis>
+    <cs:lnRef idx="0"/>
+    <cs:fillRef idx="0"/>
+    <cs:effectRef idx="0"/>
+    <cs:fontRef idx="minor">
+      <a:schemeClr val="tx1">
+        <a:lumMod val="65000"/>
+        <a:lumOff val="35000"/>
+      </a:schemeClr>
+    </cs:fontRef>
+    <cs:spPr>
+      <a:ln w="9525" cap="flat" cmpd="sng" algn="ctr">
+        <a:solidFill>
+          <a:schemeClr val="tx1">
+            <a:lumMod val="15000"/>
+            <a:lumOff val="85000"/>
+          </a:schemeClr>
+        </a:solidFill>
+        <a:round/>
+      </a:ln>
+    </cs:spPr>
+    <cs:defRPr sz="1197" kern="1200"/>
+  </cs:categoryAxis>
+  <cs:chartArea mods="allowNoFillOverride allowNoLineOverride">
+    <cs:lnRef idx="0"/>
+    <cs:fillRef idx="0"/>
+    <cs:effectRef idx="0"/>
+    <cs:fontRef idx="minor">
+      <a:schemeClr val="tx1"/>
+    </cs:fontRef>
+    <cs:spPr>
+      <a:solidFill>
+        <a:schemeClr val="bg1"/>
+      </a:solidFill>
+      <a:ln w="9525" cap="flat" cmpd="sng" algn="ctr">
+        <a:solidFill>
+          <a:schemeClr val="tx1">
+            <a:lumMod val="15000"/>
+            <a:lumOff val="85000"/>
+          </a:schemeClr>
+        </a:solidFill>
+        <a:round/>
+      </a:ln>
+    </cs:spPr>
+    <cs:defRPr sz="1330" kern="1200"/>
+  </cs:chartArea>
+  <cs:dataLabel>
+    <cs:lnRef idx="0"/>
+    <cs:fillRef idx="0"/>
+    <cs:effectRef idx="0"/>
+    <cs:fontRef idx="minor">
+      <a:schemeClr val="tx1">
+        <a:lumMod val="75000"/>
+        <a:lumOff val="25000"/>
+      </a:schemeClr>
+    </cs:fontRef>
+    <cs:defRPr sz="1197" kern="1200"/>
+  </cs:dataLabel>
+  <cs:dataLabelCallout>
+    <cs:lnRef idx="0"/>
+    <cs:fillRef idx="0"/>
+    <cs:effectRef idx="0"/>
+    <cs:fontRef idx="minor">
+      <a:schemeClr val="dk1">
+        <a:lumMod val="65000"/>
+        <a:lumOff val="35000"/>
+      </a:schemeClr>
+    </cs:fontRef>
+    <cs:spPr>
+      <a:solidFill>
+        <a:schemeClr val="lt1"/>
+      </a:solidFill>
+      <a:ln>
+        <a:solidFill>
+          <a:schemeClr val="dk1">
+            <a:lumMod val="25000"/>
+            <a:lumOff val="75000"/>
+          </a:schemeClr>
+        </a:solidFill>
+      </a:ln>
+    </cs:spPr>
+    <cs:defRPr sz="1197" kern="1200"/>
+    <cs:bodyPr rot="0" spcFirstLastPara="1" vertOverflow="clip" horzOverflow="clip" vert="horz" wrap="square" lIns="36576" tIns="18288" rIns="36576" bIns="18288" anchor="ctr" anchorCtr="1">
+      <a:spAutoFit/>
+    </cs:bodyPr>
+  </cs:dataLabelCallout>
+  <cs:dataPoint>
+    <cs:lnRef idx="0"/>
+    <cs:fillRef idx="1">
+      <cs:styleClr val="auto"/>
+    </cs:fillRef>
+    <cs:effectRef idx="0"/>
+    <cs:fontRef idx="minor">
+      <a:schemeClr val="tx1"/>
+    </cs:fontRef>
+  </cs:dataPoint>
+  <cs:dataPoint3D>
+    <cs:lnRef idx="0"/>
+    <cs:fillRef idx="1">
+      <cs:styleClr val="auto"/>
+    </cs:fillRef>
+    <cs:effectRef idx="0"/>
+    <cs:fontRef idx="minor">
+      <a:schemeClr val="tx1"/>
+    </cs:fontRef>
+  </cs:dataPoint3D>
+  <cs:dataPointLine>
+    <cs:lnRef idx="0">
+      <cs:styleClr val="auto"/>
+    </cs:lnRef>
+    <cs:fillRef idx="1"/>
+    <cs:effectRef idx="0"/>
+    <cs:fontRef idx="minor">
+      <a:schemeClr val="tx1"/>
+    </cs:fontRef>
+    <cs:spPr>
+      <a:ln w="28575" cap="rnd">
+        <a:solidFill>
+          <a:schemeClr val="phClr"/>
+        </a:solidFill>
+        <a:round/>
+      </a:ln>
+    </cs:spPr>
+  </cs:dataPointLine>
+  <cs:dataPointMarker>
+    <cs:lnRef idx="0">
+      <cs:styleClr val="auto"/>
+    </cs:lnRef>
+    <cs:fillRef idx="1">
+      <cs:styleClr val="auto"/>
+    </cs:fillRef>
+    <cs:effectRef idx="0"/>
+    <cs:fontRef idx="minor">
+      <a:schemeClr val="tx1"/>
+    </cs:fontRef>
+    <cs:spPr>
+      <a:ln w="9525">
+        <a:solidFill>
+          <a:schemeClr val="phClr"/>
+        </a:solidFill>
+      </a:ln>
+    </cs:spPr>
+  </cs:dataPointMarker>
+  <cs:dataPointMarkerLayout symbol="circle" size="5"/>
+  <cs:dataPointWireframe>
+    <cs:lnRef idx="0">
+      <cs:styleClr val="auto"/>
+    </cs:lnRef>
+    <cs:fillRef idx="1"/>
+    <cs:effectRef idx="0"/>
+    <cs:fontRef idx="minor">
+      <a:schemeClr val="tx1"/>
+    </cs:fontRef>
+    <cs:spPr>
+      <a:ln w="9525" cap="rnd">
+        <a:solidFill>
+          <a:schemeClr val="phClr"/>
+        </a:solidFill>
+        <a:round/>
+      </a:ln>
+    </cs:spPr>
+  </cs:dataPointWireframe>
+  <cs:dataTable>
+    <cs:lnRef idx="0"/>
+    <cs:fillRef idx="0"/>
+    <cs:effectRef idx="0"/>
+    <cs:fontRef idx="minor">
+      <a:schemeClr val="tx1">
+        <a:lumMod val="65000"/>
+        <a:lumOff val="35000"/>
+      </a:schemeClr>
+    </cs:fontRef>
+    <cs:spPr>
+      <a:noFill/>
+      <a:ln w="9525" cap="flat" cmpd="sng" algn="ctr">
+        <a:solidFill>
+          <a:schemeClr val="tx1">
+            <a:lumMod val="15000"/>
+            <a:lumOff val="85000"/>
+          </a:schemeClr>
+        </a:solidFill>
+        <a:round/>
+      </a:ln>
+    </cs:spPr>
+    <cs:defRPr sz="1197" kern="1200"/>
+  </cs:dataTable>
+  <cs:downBar>
+    <cs:lnRef idx="0"/>
+    <cs:fillRef idx="0"/>
+    <cs:effectRef idx="0"/>
+    <cs:fontRef idx="minor">
+      <a:schemeClr val="dk1"/>
+    </cs:fontRef>
+    <cs:spPr>
+      <a:solidFill>
+        <a:schemeClr val="dk1">
+          <a:lumMod val="65000"/>
+          <a:lumOff val="35000"/>
+        </a:schemeClr>
+      </a:solidFill>
+      <a:ln w="9525">
+        <a:solidFill>
+          <a:schemeClr val="tx1">
+            <a:lumMod val="65000"/>
+            <a:lumOff val="35000"/>
+          </a:schemeClr>
+        </a:solidFill>
+      </a:ln>
+    </cs:spPr>
+  </cs:downBar>
+  <cs:dropLine>
+    <cs:lnRef idx="0"/>
+    <cs:fillRef idx="0"/>
+    <cs:effectRef idx="0"/>
+    <cs:fontRef idx="minor">
+      <a:schemeClr val="tx1"/>
+    </cs:fontRef>
+    <cs:spPr>
+      <a:ln w="9525" cap="flat" cmpd="sng" algn="ctr">
+        <a:solidFill>
+          <a:schemeClr val="tx1">
+            <a:lumMod val="35000"/>
+            <a:lumOff val="65000"/>
+          </a:schemeClr>
+        </a:solidFill>
+        <a:round/>
+      </a:ln>
+    </cs:spPr>
+  </cs:dropLine>
+  <cs:errorBar>
+    <cs:lnRef idx="0"/>
+    <cs:fillRef idx="0"/>
+    <cs:effectRef idx="0"/>
+    <cs:fontRef idx="minor">
+      <a:schemeClr val="tx1"/>
+    </cs:fontRef>
+    <cs:spPr>
+      <a:ln w="9525" cap="flat" cmpd="sng" algn="ctr">
+        <a:solidFill>
+          <a:schemeClr val="tx1">
+            <a:lumMod val="65000"/>
+            <a:lumOff val="35000"/>
+          </a:schemeClr>
+        </a:solidFill>
+        <a:round/>
+      </a:ln>
+    </cs:spPr>
+  </cs:errorBar>
+  <cs:floor>
+    <cs:lnRef idx="0"/>
+    <cs:fillRef idx="0"/>
+    <cs:effectRef idx="0"/>
+    <cs:fontRef idx="minor">
+      <a:schemeClr val="tx1"/>
+    </cs:fontRef>
+    <cs:spPr>
+      <a:noFill/>
+      <a:ln>
+        <a:noFill/>
+      </a:ln>
+    </cs:spPr>
+  </cs:floor>
+  <cs:gridlineMajor>
+    <cs:lnRef idx="0"/>
+    <cs:fillRef idx="0"/>
+    <cs:effectRef idx="0"/>
+    <cs:fontRef idx="minor">
+      <a:schemeClr val="tx1"/>
+    </cs:fontRef>
+    <cs:spPr>
+      <a:ln w="9525" cap="flat" cmpd="sng" algn="ctr">
+        <a:solidFill>
+          <a:schemeClr val="tx1">
+            <a:lumMod val="15000"/>
+            <a:lumOff val="85000"/>
+          </a:schemeClr>
+        </a:solidFill>
+        <a:round/>
+      </a:ln>
+    </cs:spPr>
+  </cs:gridlineMajor>
+  <cs:gridlineMinor>
+    <cs:lnRef idx="0"/>
+    <cs:fillRef idx="0"/>
+    <cs:effectRef idx="0"/>
+    <cs:fontRef idx="minor">
+      <a:schemeClr val="tx1"/>
+    </cs:fontRef>
+    <cs:spPr>
+      <a:ln w="9525" cap="flat" cmpd="sng" algn="ctr">
+        <a:solidFill>
+          <a:schemeClr val="tx1">
+            <a:lumMod val="5000"/>
+            <a:lumOff val="95000"/>
+          </a:schemeClr>
+        </a:solidFill>
+        <a:round/>
+      </a:ln>
+    </cs:spPr>
+  </cs:gridlineMinor>
+  <cs:hiLoLine>
+    <cs:lnRef idx="0"/>
+    <cs:fillRef idx="0"/>
+    <cs:effectRef idx="0"/>
+    <cs:fontRef idx="minor">
+      <a:schemeClr val="tx1"/>
+    </cs:fontRef>
+    <cs:spPr>
+      <a:ln w="9525" cap="flat" cmpd="sng" algn="ctr">
+        <a:solidFill>
+          <a:schemeClr val="tx1">
+            <a:lumMod val="75000"/>
+            <a:lumOff val="25000"/>
+          </a:schemeClr>
+        </a:solidFill>
+        <a:round/>
+      </a:ln>
+    </cs:spPr>
+  </cs:hiLoLine>
+  <cs:leaderLine>
+    <cs:lnRef idx="0"/>
+    <cs:fillRef idx="0"/>
+    <cs:effectRef idx="0"/>
+    <cs:fontRef idx="minor">
+      <a:schemeClr val="tx1"/>
+    </cs:fontRef>
+    <cs:spPr>
+      <a:ln w="9525" cap="flat" cmpd="sng" algn="ctr">
+        <a:solidFill>
+          <a:schemeClr val="tx1">
+            <a:lumMod val="35000"/>
+            <a:lumOff val="65000"/>
+          </a:schemeClr>
+        </a:solidFill>
+        <a:round/>
+      </a:ln>
+    </cs:spPr>
+  </cs:leaderLine>
+  <cs:legend>
+    <cs:lnRef idx="0"/>
+    <cs:fillRef idx="0"/>
+    <cs:effectRef idx="0"/>
+    <cs:fontRef idx="minor">
+      <a:schemeClr val="tx1">
+        <a:lumMod val="65000"/>
+        <a:lumOff val="35000"/>
+      </a:schemeClr>
+    </cs:fontRef>
+    <cs:defRPr sz="1197" kern="1200"/>
+  </cs:legend>
+  <cs:plotArea mods="allowNoFillOverride allowNoLineOverride">
+    <cs:lnRef idx="0"/>
+    <cs:fillRef idx="0"/>
+    <cs:effectRef idx="0"/>
+    <cs:fontRef idx="minor">
+      <a:schemeClr val="tx1"/>
+    </cs:fontRef>
+  </cs:plotArea>
+  <cs:plotArea3D mods="allowNoFillOverride allowNoLineOverride">
+    <cs:lnRef idx="0"/>
+    <cs:fillRef idx="0"/>
+    <cs:effectRef idx="0"/>
+    <cs:fontRef idx="minor">
+      <a:schemeClr val="tx1"/>
+    </cs:fontRef>
+  </cs:plotArea3D>
+  <cs:seriesAxis>
+    <cs:lnRef idx="0"/>
+    <cs:fillRef idx="0"/>
+    <cs:effectRef idx="0"/>
+    <cs:fontRef idx="minor">
+      <a:schemeClr val="tx1">
+        <a:lumMod val="65000"/>
+        <a:lumOff val="35000"/>
+      </a:schemeClr>
+    </cs:fontRef>
+    <cs:defRPr sz="1197" kern="1200"/>
+  </cs:seriesAxis>
+  <cs:seriesLine>
+    <cs:lnRef idx="0"/>
+    <cs:fillRef idx="0"/>
+    <cs:effectRef idx="0"/>
+    <cs:fontRef idx="minor">
+      <a:schemeClr val="tx1"/>
+    </cs:fontRef>
+    <cs:spPr>
+      <a:ln w="9525" cap="flat" cmpd="sng" algn="ctr">
+        <a:solidFill>
+          <a:schemeClr val="tx1">
+            <a:lumMod val="35000"/>
+            <a:lumOff val="65000"/>
+          </a:schemeClr>
+        </a:solidFill>
+        <a:round/>
+      </a:ln>
+    </cs:spPr>
+  </cs:seriesLine>
+  <cs:title>
+    <cs:lnRef idx="0"/>
+    <cs:fillRef idx="0"/>
+    <cs:effectRef idx="0"/>
+    <cs:fontRef idx="minor">
+      <a:schemeClr val="tx1">
+        <a:lumMod val="65000"/>
+        <a:lumOff val="35000"/>
+      </a:schemeClr>
+    </cs:fontRef>
+    <cs:defRPr sz="1862" b="0" kern="1200" spc="0" baseline="0"/>
+  </cs:title>
+  <cs:trendline>
+    <cs:lnRef idx="0">
+      <cs:styleClr val="auto"/>
+    </cs:lnRef>
+    <cs:fillRef idx="0"/>
+    <cs:effectRef idx="0"/>
+    <cs:fontRef idx="minor">
+      <a:schemeClr val="tx1"/>
+    </cs:fontRef>
+    <cs:spPr>
+      <a:ln w="19050" cap="rnd">
+        <a:solidFill>
+          <a:schemeClr val="phClr"/>
+        </a:solidFill>
+        <a:prstDash val="sysDot"/>
+      </a:ln>
+    </cs:spPr>
+  </cs:trendline>
+  <cs:trendlineLabel>
+    <cs:lnRef idx="0"/>
+    <cs:fillRef idx="0"/>
+    <cs:effectRef idx="0"/>
+    <cs:fontRef idx="minor">
+      <a:schemeClr val="tx1">
+        <a:lumMod val="65000"/>
+        <a:lumOff val="35000"/>
+      </a:schemeClr>
+    </cs:fontRef>
+    <cs:defRPr sz="1197" kern="1200"/>
+  </cs:trendlineLabel>
+  <cs:upBar>
+    <cs:lnRef idx="0"/>
+    <cs:fillRef idx="0"/>
+    <cs:effectRef idx="0"/>
+    <cs:fontRef idx="minor">
+      <a:schemeClr val="dk1"/>
+    </cs:fontRef>
+    <cs:spPr>
+      <a:solidFill>
+        <a:schemeClr val="lt1"/>
+      </a:solidFill>
+      <a:ln w="9525">
+        <a:solidFill>
+          <a:schemeClr val="tx1">
+            <a:lumMod val="15000"/>
+            <a:lumOff val="85000"/>
+          </a:schemeClr>
+        </a:solidFill>
+      </a:ln>
+    </cs:spPr>
+  </cs:upBar>
+  <cs:valueAxis>
+    <cs:lnRef idx="0"/>
+    <cs:fillRef idx="0"/>
+    <cs:effectRef idx="0"/>
+    <cs:fontRef idx="minor">
+      <a:schemeClr val="tx1">
+        <a:lumMod val="65000"/>
+        <a:lumOff val="35000"/>
+      </a:schemeClr>
+    </cs:fontRef>
+    <cs:defRPr sz="1197" kern="1200"/>
+  </cs:valueAxis>
+  <cs:wall>
+    <cs:lnRef idx="0"/>
+    <cs:fillRef idx="0"/>
+    <cs:effectRef idx="0"/>
+    <cs:fontRef idx="minor">
+      <a:schemeClr val="tx1"/>
+    </cs:fontRef>
+    <cs:spPr>
+      <a:noFill/>
+      <a:ln>
+        <a:noFill/>
+      </a:ln>
+    </cs:spPr>
+  </cs:wall>
+</cs:chartStyle>
 </file>
 
 <file path=ppt/notesMasters/notesMaster1.xml><?xml version="1.0" encoding="utf-8"?>
@@ -894,13 +2448,8 @@
 </file>
 
 <file path=ppt/slideLayouts/slideLayout1.xml><?xml version="1.0" encoding="utf-8"?>
-<p:sldLayout xmlns:a="http://schemas.openxmlformats.org/drawingml/2006/main" xmlns:r="http://schemas.openxmlformats.org/officeDocument/2006/relationships" xmlns:p="http://schemas.openxmlformats.org/presentationml/2006/main" showMasterSp="0" type="title" preserve="1">
+<p:sldLayout xmlns:a="http://schemas.openxmlformats.org/drawingml/2006/main" xmlns:r="http://schemas.openxmlformats.org/officeDocument/2006/relationships" xmlns:p="http://schemas.openxmlformats.org/presentationml/2006/main" type="title" preserve="1">
   <p:cSld name="Title Slide">
-    <p:bg>
-      <p:bgRef idx="1001">
-        <a:schemeClr val="bg2"/>
-      </p:bgRef>
-    </p:bg>
     <p:spTree>
       <p:nvGrpSpPr>
         <p:cNvPr id="1" name=""/>
@@ -917,204 +2466,13 @@
       </p:grpSpPr>
       <p:sp>
         <p:nvSpPr>
-          <p:cNvPr id="12" name="Freeform 6" title="Page Number Shape"/>
-          <p:cNvSpPr/>
-          <p:nvPr/>
-        </p:nvSpPr>
-        <p:spPr bwMode="auto">
-          <a:xfrm>
-            <a:off x="8838008" y="891903"/>
-            <a:ext cx="305991" cy="614363"/>
-          </a:xfrm>
-          <a:custGeom>
-            <a:avLst/>
-            <a:gdLst/>
-            <a:ahLst/>
-            <a:cxnLst/>
-            <a:rect l="0" t="0" r="r" b="b"/>
-            <a:pathLst>
-              <a:path w="1799" h="3612">
-                <a:moveTo>
-                  <a:pt x="1799" y="0"/>
-                </a:moveTo>
-                <a:lnTo>
-                  <a:pt x="1799" y="3612"/>
-                </a:lnTo>
-                <a:lnTo>
-                  <a:pt x="1686" y="3609"/>
-                </a:lnTo>
-                <a:lnTo>
-                  <a:pt x="1574" y="3598"/>
-                </a:lnTo>
-                <a:lnTo>
-                  <a:pt x="1464" y="3581"/>
-                </a:lnTo>
-                <a:lnTo>
-                  <a:pt x="1357" y="3557"/>
-                </a:lnTo>
-                <a:lnTo>
-                  <a:pt x="1251" y="3527"/>
-                </a:lnTo>
-                <a:lnTo>
-                  <a:pt x="1150" y="3490"/>
-                </a:lnTo>
-                <a:lnTo>
-                  <a:pt x="1050" y="3448"/>
-                </a:lnTo>
-                <a:lnTo>
-                  <a:pt x="953" y="3401"/>
-                </a:lnTo>
-                <a:lnTo>
-                  <a:pt x="860" y="3347"/>
-                </a:lnTo>
-                <a:lnTo>
-                  <a:pt x="771" y="3289"/>
-                </a:lnTo>
-                <a:lnTo>
-                  <a:pt x="686" y="3224"/>
-                </a:lnTo>
-                <a:lnTo>
-                  <a:pt x="604" y="3156"/>
-                </a:lnTo>
-                <a:lnTo>
-                  <a:pt x="527" y="3083"/>
-                </a:lnTo>
-                <a:lnTo>
-                  <a:pt x="454" y="3005"/>
-                </a:lnTo>
-                <a:lnTo>
-                  <a:pt x="386" y="2923"/>
-                </a:lnTo>
-                <a:lnTo>
-                  <a:pt x="323" y="2838"/>
-                </a:lnTo>
-                <a:lnTo>
-                  <a:pt x="265" y="2748"/>
-                </a:lnTo>
-                <a:lnTo>
-                  <a:pt x="211" y="2655"/>
-                </a:lnTo>
-                <a:lnTo>
-                  <a:pt x="163" y="2559"/>
-                </a:lnTo>
-                <a:lnTo>
-                  <a:pt x="121" y="2459"/>
-                </a:lnTo>
-                <a:lnTo>
-                  <a:pt x="85" y="2356"/>
-                </a:lnTo>
-                <a:lnTo>
-                  <a:pt x="55" y="2251"/>
-                </a:lnTo>
-                <a:lnTo>
-                  <a:pt x="32" y="2143"/>
-                </a:lnTo>
-                <a:lnTo>
-                  <a:pt x="14" y="2033"/>
-                </a:lnTo>
-                <a:lnTo>
-                  <a:pt x="4" y="1920"/>
-                </a:lnTo>
-                <a:lnTo>
-                  <a:pt x="0" y="1806"/>
-                </a:lnTo>
-                <a:lnTo>
-                  <a:pt x="4" y="1692"/>
-                </a:lnTo>
-                <a:lnTo>
-                  <a:pt x="14" y="1580"/>
-                </a:lnTo>
-                <a:lnTo>
-                  <a:pt x="32" y="1469"/>
-                </a:lnTo>
-                <a:lnTo>
-                  <a:pt x="55" y="1362"/>
-                </a:lnTo>
-                <a:lnTo>
-                  <a:pt x="85" y="1256"/>
-                </a:lnTo>
-                <a:lnTo>
-                  <a:pt x="121" y="1154"/>
-                </a:lnTo>
-                <a:lnTo>
-                  <a:pt x="163" y="1054"/>
-                </a:lnTo>
-                <a:lnTo>
-                  <a:pt x="211" y="958"/>
-                </a:lnTo>
-                <a:lnTo>
-                  <a:pt x="265" y="864"/>
-                </a:lnTo>
-                <a:lnTo>
-                  <a:pt x="323" y="774"/>
-                </a:lnTo>
-                <a:lnTo>
-                  <a:pt x="386" y="689"/>
-                </a:lnTo>
-                <a:lnTo>
-                  <a:pt x="454" y="607"/>
-                </a:lnTo>
-                <a:lnTo>
-                  <a:pt x="527" y="529"/>
-                </a:lnTo>
-                <a:lnTo>
-                  <a:pt x="604" y="456"/>
-                </a:lnTo>
-                <a:lnTo>
-                  <a:pt x="686" y="388"/>
-                </a:lnTo>
-                <a:lnTo>
-                  <a:pt x="771" y="325"/>
-                </a:lnTo>
-                <a:lnTo>
-                  <a:pt x="860" y="266"/>
-                </a:lnTo>
-                <a:lnTo>
-                  <a:pt x="953" y="212"/>
-                </a:lnTo>
-                <a:lnTo>
-                  <a:pt x="1050" y="164"/>
-                </a:lnTo>
-                <a:lnTo>
-                  <a:pt x="1150" y="122"/>
-                </a:lnTo>
-                <a:lnTo>
-                  <a:pt x="1251" y="85"/>
-                </a:lnTo>
-                <a:lnTo>
-                  <a:pt x="1357" y="55"/>
-                </a:lnTo>
-                <a:lnTo>
-                  <a:pt x="1464" y="32"/>
-                </a:lnTo>
-                <a:lnTo>
-                  <a:pt x="1574" y="14"/>
-                </a:lnTo>
-                <a:lnTo>
-                  <a:pt x="1686" y="5"/>
-                </a:lnTo>
-                <a:lnTo>
-                  <a:pt x="1799" y="0"/>
-                </a:lnTo>
-                <a:close/>
-              </a:path>
-            </a:pathLst>
-          </a:custGeom>
-          <a:solidFill>
-            <a:schemeClr val="tx2"/>
-          </a:solidFill>
-          <a:ln w="0">
-            <a:noFill/>
-            <a:prstDash val="solid"/>
-            <a:round/>
-            <a:headEnd/>
-            <a:tailEnd/>
-          </a:ln>
-        </p:spPr>
-      </p:sp>
-      <p:sp>
-        <p:nvSpPr>
-          <p:cNvPr id="2" name="Title 1"/>
+          <p:cNvPr id="2" name="Title 1">
+            <a:extLst>
+              <a:ext uri="{FF2B5EF4-FFF2-40B4-BE49-F238E27FC236}">
+                <a16:creationId xmlns:a16="http://schemas.microsoft.com/office/drawing/2014/main" id="{53DB972E-4F72-445E-9421-8875A6DB17B4}"/>
+              </a:ext>
+            </a:extLst>
+          </p:cNvPr>
           <p:cNvSpPr>
             <a:spLocks noGrp="1"/>
           </p:cNvSpPr>
@@ -1124,24 +2482,15 @@
         </p:nvSpPr>
         <p:spPr>
           <a:xfrm>
-            <a:off x="816685" y="857470"/>
-            <a:ext cx="5275772" cy="3201724"/>
+            <a:off x="1143000" y="841772"/>
+            <a:ext cx="6858000" cy="1790700"/>
           </a:xfrm>
         </p:spPr>
         <p:txBody>
-          <a:bodyPr anchor="t">
-            <a:normAutofit/>
-          </a:bodyPr>
+          <a:bodyPr anchor="b"/>
           <a:lstStyle>
-            <a:lvl1pPr algn="l">
-              <a:lnSpc>
-                <a:spcPct val="85000"/>
-              </a:lnSpc>
-              <a:defRPr sz="5775" cap="all" baseline="0">
-                <a:solidFill>
-                  <a:schemeClr val="tx2"/>
-                </a:solidFill>
-              </a:defRPr>
+            <a:lvl1pPr algn="ctr">
+              <a:defRPr sz="4500"/>
             </a:lvl1pPr>
           </a:lstStyle>
           <a:p>
@@ -1149,13 +2498,18 @@
               <a:rPr lang="en-US"/>
               <a:t>Click to edit Master title style</a:t>
             </a:r>
-            <a:endParaRPr lang="en-US" dirty="0"/>
           </a:p>
         </p:txBody>
       </p:sp>
       <p:sp>
         <p:nvSpPr>
-          <p:cNvPr id="3" name="Subtitle 2"/>
+          <p:cNvPr id="3" name="Subtitle 2">
+            <a:extLst>
+              <a:ext uri="{FF2B5EF4-FFF2-40B4-BE49-F238E27FC236}">
+                <a16:creationId xmlns:a16="http://schemas.microsoft.com/office/drawing/2014/main" id="{1A97EC49-0E51-4327-8B5D-24D9FE951B08}"/>
+              </a:ext>
+            </a:extLst>
+          </p:cNvPr>
           <p:cNvSpPr>
             <a:spLocks noGrp="1"/>
           </p:cNvSpPr>
@@ -1165,28 +2519,16 @@
         </p:nvSpPr>
         <p:spPr>
           <a:xfrm>
-            <a:off x="816685" y="4153444"/>
-            <a:ext cx="5275772" cy="529766"/>
+            <a:off x="1143000" y="2701528"/>
+            <a:ext cx="6858000" cy="1241822"/>
           </a:xfrm>
         </p:spPr>
         <p:txBody>
-          <a:bodyPr>
-            <a:normAutofit/>
-          </a:bodyPr>
+          <a:bodyPr/>
           <a:lstStyle>
-            <a:lvl1pPr marL="0" indent="0" algn="l">
-              <a:lnSpc>
-                <a:spcPct val="114000"/>
-              </a:lnSpc>
-              <a:spcBef>
-                <a:spcPts val="0"/>
-              </a:spcBef>
-              <a:buNone/>
-              <a:defRPr sz="1500" b="0" i="1" baseline="0">
-                <a:solidFill>
-                  <a:schemeClr val="tx2"/>
-                </a:solidFill>
-              </a:defRPr>
+            <a:lvl1pPr marL="0" indent="0" algn="ctr">
+              <a:buNone/>
+              <a:defRPr sz="1800"/>
             </a:lvl1pPr>
             <a:lvl2pPr marL="342900" indent="0" algn="ctr">
               <a:buNone/>
@@ -1226,13 +2568,18 @@
               <a:rPr lang="en-US"/>
               <a:t>Click to edit Master subtitle style</a:t>
             </a:r>
-            <a:endParaRPr lang="en-US" dirty="0"/>
           </a:p>
         </p:txBody>
       </p:sp>
       <p:sp>
         <p:nvSpPr>
-          <p:cNvPr id="4" name="Date Placeholder 3"/>
+          <p:cNvPr id="4" name="Date Placeholder 3">
+            <a:extLst>
+              <a:ext uri="{FF2B5EF4-FFF2-40B4-BE49-F238E27FC236}">
+                <a16:creationId xmlns:a16="http://schemas.microsoft.com/office/drawing/2014/main" id="{7904B5B5-FA5B-4CD1-A020-866173488461}"/>
+              </a:ext>
+            </a:extLst>
+          </p:cNvPr>
           <p:cNvSpPr>
             <a:spLocks noGrp="1"/>
           </p:cNvSpPr>
@@ -1240,27 +2587,14 @@
             <p:ph type="dt" sz="half" idx="10"/>
           </p:nvPr>
         </p:nvSpPr>
-        <p:spPr>
-          <a:xfrm>
-            <a:off x="816685" y="4735830"/>
-            <a:ext cx="1197467" cy="273844"/>
-          </a:xfrm>
-        </p:spPr>
+        <p:spPr/>
         <p:txBody>
           <a:bodyPr/>
-          <a:lstStyle>
-            <a:lvl1pPr algn="l">
-              <a:defRPr sz="900">
-                <a:solidFill>
-                  <a:schemeClr val="tx2"/>
-                </a:solidFill>
-              </a:defRPr>
-            </a:lvl1pPr>
-          </a:lstStyle>
+          <a:lstStyle/>
           <a:p>
             <a:fld id="{4AAD347D-5ACD-4C99-B74B-A9C85AD731AF}" type="datetimeFigureOut">
               <a:rPr lang="en-US" smtClean="0"/>
-              <a:t>12/06/17</a:t>
+              <a:t>12/08/17</a:t>
             </a:fld>
             <a:endParaRPr lang="en-US" dirty="0"/>
           </a:p>
@@ -1268,7 +2602,13 @@
       </p:sp>
       <p:sp>
         <p:nvSpPr>
-          <p:cNvPr id="5" name="Footer Placeholder 4"/>
+          <p:cNvPr id="5" name="Footer Placeholder 4">
+            <a:extLst>
+              <a:ext uri="{FF2B5EF4-FFF2-40B4-BE49-F238E27FC236}">
+                <a16:creationId xmlns:a16="http://schemas.microsoft.com/office/drawing/2014/main" id="{61F36F03-F67C-453F-85FB-6677524CAAE4}"/>
+              </a:ext>
+            </a:extLst>
+          </p:cNvPr>
           <p:cNvSpPr>
             <a:spLocks noGrp="1"/>
           </p:cNvSpPr>
@@ -1276,23 +2616,10 @@
             <p:ph type="ftr" sz="quarter" idx="11"/>
           </p:nvPr>
         </p:nvSpPr>
-        <p:spPr>
-          <a:xfrm>
-            <a:off x="2250444" y="4735830"/>
-            <a:ext cx="3842012" cy="273844"/>
-          </a:xfrm>
-        </p:spPr>
+        <p:spPr/>
         <p:txBody>
           <a:bodyPr/>
-          <a:lstStyle>
-            <a:lvl1pPr algn="l">
-              <a:defRPr b="0">
-                <a:solidFill>
-                  <a:schemeClr val="tx2"/>
-                </a:solidFill>
-              </a:defRPr>
-            </a:lvl1pPr>
-          </a:lstStyle>
+          <a:lstStyle/>
           <a:p>
             <a:endParaRPr lang="en-US" dirty="0"/>
           </a:p>
@@ -1300,7 +2627,13 @@
       </p:sp>
       <p:sp>
         <p:nvSpPr>
-          <p:cNvPr id="6" name="Slide Number Placeholder 5"/>
+          <p:cNvPr id="6" name="Slide Number Placeholder 5">
+            <a:extLst>
+              <a:ext uri="{FF2B5EF4-FFF2-40B4-BE49-F238E27FC236}">
+                <a16:creationId xmlns:a16="http://schemas.microsoft.com/office/drawing/2014/main" id="{CAB5CC9B-DF50-4BFB-B25D-12CE3D637807}"/>
+              </a:ext>
+            </a:extLst>
+          </p:cNvPr>
           <p:cNvSpPr>
             <a:spLocks noGrp="1"/>
           </p:cNvSpPr>
@@ -1308,23 +2641,10 @@
             <p:ph type="sldNum" sz="quarter" idx="12"/>
           </p:nvPr>
         </p:nvSpPr>
-        <p:spPr>
-          <a:xfrm>
-            <a:off x="8838008" y="1062162"/>
-            <a:ext cx="305991" cy="273844"/>
-          </a:xfrm>
-        </p:spPr>
+        <p:spPr/>
         <p:txBody>
           <a:bodyPr/>
-          <a:lstStyle>
-            <a:lvl1pPr algn="r">
-              <a:defRPr>
-                <a:solidFill>
-                  <a:schemeClr val="bg2"/>
-                </a:solidFill>
-              </a:defRPr>
-            </a:lvl1pPr>
-          </a:lstStyle>
+          <a:lstStyle/>
           <a:p>
             <a:pPr marL="0" lvl="0" indent="0" algn="r">
               <a:spcBef>
@@ -1348,61 +2668,20 @@
           </a:p>
         </p:txBody>
       </p:sp>
-      <p:cxnSp>
-        <p:nvCxnSpPr>
-          <p:cNvPr id="9" name="Straight Connector 8" title="Verticle Rule Line"/>
-          <p:cNvCxnSpPr/>
-          <p:nvPr/>
-        </p:nvCxnSpPr>
-        <p:spPr>
-          <a:xfrm>
-            <a:off x="580391" y="942975"/>
-            <a:ext cx="0" cy="4200525"/>
-          </a:xfrm>
-          <a:prstGeom prst="line">
-            <a:avLst/>
-          </a:prstGeom>
-          <a:ln w="25400">
-            <a:solidFill>
-              <a:schemeClr val="tx2"/>
-            </a:solidFill>
-          </a:ln>
-        </p:spPr>
-        <p:style>
-          <a:lnRef idx="1">
-            <a:schemeClr val="accent1"/>
-          </a:lnRef>
-          <a:fillRef idx="0">
-            <a:schemeClr val="accent1"/>
-          </a:fillRef>
-          <a:effectRef idx="0">
-            <a:schemeClr val="accent1"/>
-          </a:effectRef>
-          <a:fontRef idx="minor">
-            <a:schemeClr val="tx1"/>
-          </a:fontRef>
-        </p:style>
-      </p:cxnSp>
     </p:spTree>
     <p:extLst>
       <p:ext uri="{BB962C8B-B14F-4D97-AF65-F5344CB8AC3E}">
-        <p14:creationId xmlns:p14="http://schemas.microsoft.com/office/powerpoint/2010/main" val="2714058244"/>
+        <p14:creationId xmlns:p14="http://schemas.microsoft.com/office/powerpoint/2010/main" val="778995384"/>
       </p:ext>
     </p:extLst>
   </p:cSld>
   <p:clrMapOvr>
-    <a:overrideClrMapping bg1="dk1" tx1="lt1" bg2="dk2" tx2="lt2" accent1="accent1" accent2="accent2" accent3="accent3" accent4="accent4" accent5="accent5" accent6="accent6" hlink="hlink" folHlink="folHlink"/>
+    <a:masterClrMapping/>
   </p:clrMapOvr>
   <p:hf sldNum="0" hdr="0" ftr="0" dt="0"/>
-  <p:extLst mod="1">
+  <p:extLst>
     <p:ext uri="{DCECCB84-F9BA-43D5-87BE-67443E8EF086}">
-      <p15:sldGuideLst xmlns:p15="http://schemas.microsoft.com/office/powerpoint/2012/main">
-        <p15:guide id="1" orient="horz" pos="792">
-          <p15:clr>
-            <a:srgbClr val="FBAE40"/>
-          </p15:clr>
-        </p15:guide>
-      </p15:sldGuideLst>
+      <p15:sldGuideLst xmlns:p15="http://schemas.microsoft.com/office/powerpoint/2012/main"/>
     </p:ext>
   </p:extLst>
 </p:sldLayout>
@@ -1427,7 +2706,13 @@
       </p:grpSpPr>
       <p:sp>
         <p:nvSpPr>
-          <p:cNvPr id="2" name="Title 1"/>
+          <p:cNvPr id="2" name="Title 1">
+            <a:extLst>
+              <a:ext uri="{FF2B5EF4-FFF2-40B4-BE49-F238E27FC236}">
+                <a16:creationId xmlns:a16="http://schemas.microsoft.com/office/drawing/2014/main" id="{353A53E4-E7F3-492B-B260-3CCAA2B38C33}"/>
+              </a:ext>
+            </a:extLst>
+          </p:cNvPr>
           <p:cNvSpPr>
             <a:spLocks noGrp="1"/>
           </p:cNvSpPr>
@@ -1444,13 +2729,18 @@
               <a:rPr lang="en-US"/>
               <a:t>Click to edit Master title style</a:t>
             </a:r>
-            <a:endParaRPr lang="en-US" dirty="0"/>
           </a:p>
         </p:txBody>
       </p:sp>
       <p:sp>
         <p:nvSpPr>
-          <p:cNvPr id="3" name="Vertical Text Placeholder 2"/>
+          <p:cNvPr id="3" name="Vertical Text Placeholder 2">
+            <a:extLst>
+              <a:ext uri="{FF2B5EF4-FFF2-40B4-BE49-F238E27FC236}">
+                <a16:creationId xmlns:a16="http://schemas.microsoft.com/office/drawing/2014/main" id="{4EF72F27-4FE9-452F-9AD8-28DF5B49368B}"/>
+              </a:ext>
+            </a:extLst>
+          </p:cNvPr>
           <p:cNvSpPr>
             <a:spLocks noGrp="1"/>
           </p:cNvSpPr>
@@ -1458,12 +2748,7 @@
             <p:ph type="body" orient="vert" idx="1"/>
           </p:nvPr>
         </p:nvSpPr>
-        <p:spPr>
-          <a:xfrm>
-            <a:off x="3886200" y="480060"/>
-            <a:ext cx="4686299" cy="4188107"/>
-          </a:xfrm>
-        </p:spPr>
+        <p:spPr/>
         <p:txBody>
           <a:bodyPr vert="eaVert"/>
           <a:lstStyle/>
@@ -1501,13 +2786,18 @@
               <a:rPr lang="en-US"/>
               <a:t>Fifth level</a:t>
             </a:r>
-            <a:endParaRPr lang="en-US" dirty="0"/>
           </a:p>
         </p:txBody>
       </p:sp>
       <p:sp>
         <p:nvSpPr>
-          <p:cNvPr id="4" name="Date Placeholder 3"/>
+          <p:cNvPr id="4" name="Date Placeholder 3">
+            <a:extLst>
+              <a:ext uri="{FF2B5EF4-FFF2-40B4-BE49-F238E27FC236}">
+                <a16:creationId xmlns:a16="http://schemas.microsoft.com/office/drawing/2014/main" id="{BEE37977-8171-49D8-9F50-A32421BA1938}"/>
+              </a:ext>
+            </a:extLst>
+          </p:cNvPr>
           <p:cNvSpPr>
             <a:spLocks noGrp="1"/>
           </p:cNvSpPr>
@@ -1522,7 +2812,7 @@
           <a:p>
             <a:fld id="{4509A250-FF31-4206-8172-F9D3106AACB1}" type="datetimeFigureOut">
               <a:rPr lang="en-US" smtClean="0"/>
-              <a:t>12/06/17</a:t>
+              <a:t>12/08/17</a:t>
             </a:fld>
             <a:endParaRPr lang="en-US" dirty="0"/>
           </a:p>
@@ -1530,7 +2820,13 @@
       </p:sp>
       <p:sp>
         <p:nvSpPr>
-          <p:cNvPr id="5" name="Footer Placeholder 4"/>
+          <p:cNvPr id="5" name="Footer Placeholder 4">
+            <a:extLst>
+              <a:ext uri="{FF2B5EF4-FFF2-40B4-BE49-F238E27FC236}">
+                <a16:creationId xmlns:a16="http://schemas.microsoft.com/office/drawing/2014/main" id="{982C75BC-C520-47DF-8724-4333D22DD070}"/>
+              </a:ext>
+            </a:extLst>
+          </p:cNvPr>
           <p:cNvSpPr>
             <a:spLocks noGrp="1"/>
           </p:cNvSpPr>
@@ -1549,7 +2845,13 @@
       </p:sp>
       <p:sp>
         <p:nvSpPr>
-          <p:cNvPr id="6" name="Slide Number Placeholder 5"/>
+          <p:cNvPr id="6" name="Slide Number Placeholder 5">
+            <a:extLst>
+              <a:ext uri="{FF2B5EF4-FFF2-40B4-BE49-F238E27FC236}">
+                <a16:creationId xmlns:a16="http://schemas.microsoft.com/office/drawing/2014/main" id="{9F6EC5A0-FB96-434C-A473-E3361AAF1D49}"/>
+              </a:ext>
+            </a:extLst>
+          </p:cNvPr>
           <p:cNvSpPr>
             <a:spLocks noGrp="1"/>
           </p:cNvSpPr>
@@ -1587,7 +2889,7 @@
     </p:spTree>
     <p:extLst>
       <p:ext uri="{BB962C8B-B14F-4D97-AF65-F5344CB8AC3E}">
-        <p14:creationId xmlns:p14="http://schemas.microsoft.com/office/powerpoint/2010/main" val="1659707266"/>
+        <p14:creationId xmlns:p14="http://schemas.microsoft.com/office/powerpoint/2010/main" val="3668513607"/>
       </p:ext>
     </p:extLst>
   </p:cSld>
@@ -1599,7 +2901,7 @@
 </file>
 
 <file path=ppt/slideLayouts/slideLayout11.xml><?xml version="1.0" encoding="utf-8"?>
-<p:sldLayout xmlns:a="http://schemas.openxmlformats.org/drawingml/2006/main" xmlns:r="http://schemas.openxmlformats.org/officeDocument/2006/relationships" xmlns:p="http://schemas.openxmlformats.org/presentationml/2006/main" showMasterSp="0" type="vertTitleAndTx" preserve="1">
+<p:sldLayout xmlns:a="http://schemas.openxmlformats.org/drawingml/2006/main" xmlns:r="http://schemas.openxmlformats.org/officeDocument/2006/relationships" xmlns:p="http://schemas.openxmlformats.org/presentationml/2006/main" type="vertTitleAndTx" preserve="1">
   <p:cSld name="Vertical Title and Text">
     <p:spTree>
       <p:nvGrpSpPr>
@@ -1617,204 +2919,13 @@
       </p:grpSpPr>
       <p:sp>
         <p:nvSpPr>
-          <p:cNvPr id="12" name="Freeform 6" title="Page Number Shape"/>
-          <p:cNvSpPr/>
-          <p:nvPr/>
-        </p:nvSpPr>
-        <p:spPr bwMode="auto">
-          <a:xfrm>
-            <a:off x="8838008" y="4035435"/>
-            <a:ext cx="305991" cy="614363"/>
-          </a:xfrm>
-          <a:custGeom>
-            <a:avLst/>
-            <a:gdLst/>
-            <a:ahLst/>
-            <a:cxnLst/>
-            <a:rect l="0" t="0" r="r" b="b"/>
-            <a:pathLst>
-              <a:path w="1799" h="3612">
-                <a:moveTo>
-                  <a:pt x="1799" y="0"/>
-                </a:moveTo>
-                <a:lnTo>
-                  <a:pt x="1799" y="3612"/>
-                </a:lnTo>
-                <a:lnTo>
-                  <a:pt x="1686" y="3609"/>
-                </a:lnTo>
-                <a:lnTo>
-                  <a:pt x="1574" y="3598"/>
-                </a:lnTo>
-                <a:lnTo>
-                  <a:pt x="1464" y="3581"/>
-                </a:lnTo>
-                <a:lnTo>
-                  <a:pt x="1357" y="3557"/>
-                </a:lnTo>
-                <a:lnTo>
-                  <a:pt x="1251" y="3527"/>
-                </a:lnTo>
-                <a:lnTo>
-                  <a:pt x="1150" y="3490"/>
-                </a:lnTo>
-                <a:lnTo>
-                  <a:pt x="1050" y="3448"/>
-                </a:lnTo>
-                <a:lnTo>
-                  <a:pt x="953" y="3401"/>
-                </a:lnTo>
-                <a:lnTo>
-                  <a:pt x="860" y="3347"/>
-                </a:lnTo>
-                <a:lnTo>
-                  <a:pt x="771" y="3289"/>
-                </a:lnTo>
-                <a:lnTo>
-                  <a:pt x="686" y="3224"/>
-                </a:lnTo>
-                <a:lnTo>
-                  <a:pt x="604" y="3156"/>
-                </a:lnTo>
-                <a:lnTo>
-                  <a:pt x="527" y="3083"/>
-                </a:lnTo>
-                <a:lnTo>
-                  <a:pt x="454" y="3005"/>
-                </a:lnTo>
-                <a:lnTo>
-                  <a:pt x="386" y="2923"/>
-                </a:lnTo>
-                <a:lnTo>
-                  <a:pt x="323" y="2838"/>
-                </a:lnTo>
-                <a:lnTo>
-                  <a:pt x="265" y="2748"/>
-                </a:lnTo>
-                <a:lnTo>
-                  <a:pt x="211" y="2655"/>
-                </a:lnTo>
-                <a:lnTo>
-                  <a:pt x="163" y="2559"/>
-                </a:lnTo>
-                <a:lnTo>
-                  <a:pt x="121" y="2459"/>
-                </a:lnTo>
-                <a:lnTo>
-                  <a:pt x="85" y="2356"/>
-                </a:lnTo>
-                <a:lnTo>
-                  <a:pt x="55" y="2251"/>
-                </a:lnTo>
-                <a:lnTo>
-                  <a:pt x="32" y="2143"/>
-                </a:lnTo>
-                <a:lnTo>
-                  <a:pt x="14" y="2033"/>
-                </a:lnTo>
-                <a:lnTo>
-                  <a:pt x="4" y="1920"/>
-                </a:lnTo>
-                <a:lnTo>
-                  <a:pt x="0" y="1806"/>
-                </a:lnTo>
-                <a:lnTo>
-                  <a:pt x="4" y="1692"/>
-                </a:lnTo>
-                <a:lnTo>
-                  <a:pt x="14" y="1580"/>
-                </a:lnTo>
-                <a:lnTo>
-                  <a:pt x="32" y="1469"/>
-                </a:lnTo>
-                <a:lnTo>
-                  <a:pt x="55" y="1362"/>
-                </a:lnTo>
-                <a:lnTo>
-                  <a:pt x="85" y="1256"/>
-                </a:lnTo>
-                <a:lnTo>
-                  <a:pt x="121" y="1154"/>
-                </a:lnTo>
-                <a:lnTo>
-                  <a:pt x="163" y="1054"/>
-                </a:lnTo>
-                <a:lnTo>
-                  <a:pt x="211" y="958"/>
-                </a:lnTo>
-                <a:lnTo>
-                  <a:pt x="265" y="864"/>
-                </a:lnTo>
-                <a:lnTo>
-                  <a:pt x="323" y="774"/>
-                </a:lnTo>
-                <a:lnTo>
-                  <a:pt x="386" y="689"/>
-                </a:lnTo>
-                <a:lnTo>
-                  <a:pt x="454" y="607"/>
-                </a:lnTo>
-                <a:lnTo>
-                  <a:pt x="527" y="529"/>
-                </a:lnTo>
-                <a:lnTo>
-                  <a:pt x="604" y="456"/>
-                </a:lnTo>
-                <a:lnTo>
-                  <a:pt x="686" y="388"/>
-                </a:lnTo>
-                <a:lnTo>
-                  <a:pt x="771" y="325"/>
-                </a:lnTo>
-                <a:lnTo>
-                  <a:pt x="860" y="266"/>
-                </a:lnTo>
-                <a:lnTo>
-                  <a:pt x="953" y="212"/>
-                </a:lnTo>
-                <a:lnTo>
-                  <a:pt x="1050" y="164"/>
-                </a:lnTo>
-                <a:lnTo>
-                  <a:pt x="1150" y="122"/>
-                </a:lnTo>
-                <a:lnTo>
-                  <a:pt x="1251" y="85"/>
-                </a:lnTo>
-                <a:lnTo>
-                  <a:pt x="1357" y="55"/>
-                </a:lnTo>
-                <a:lnTo>
-                  <a:pt x="1464" y="32"/>
-                </a:lnTo>
-                <a:lnTo>
-                  <a:pt x="1574" y="14"/>
-                </a:lnTo>
-                <a:lnTo>
-                  <a:pt x="1686" y="5"/>
-                </a:lnTo>
-                <a:lnTo>
-                  <a:pt x="1799" y="0"/>
-                </a:lnTo>
-                <a:close/>
-              </a:path>
-            </a:pathLst>
-          </a:custGeom>
-          <a:solidFill>
-            <a:srgbClr val="262626"/>
-          </a:solidFill>
-          <a:ln w="0">
-            <a:noFill/>
-            <a:prstDash val="solid"/>
-            <a:round/>
-            <a:headEnd/>
-            <a:tailEnd/>
-          </a:ln>
-        </p:spPr>
-      </p:sp>
-      <p:sp>
-        <p:nvSpPr>
-          <p:cNvPr id="2" name="Vertical Title 1"/>
+          <p:cNvPr id="2" name="Vertical Title 1">
+            <a:extLst>
+              <a:ext uri="{FF2B5EF4-FFF2-40B4-BE49-F238E27FC236}">
+                <a16:creationId xmlns:a16="http://schemas.microsoft.com/office/drawing/2014/main" id="{364A442C-E3FB-4896-9A70-E00706834D4D}"/>
+              </a:ext>
+            </a:extLst>
+          </p:cNvPr>
           <p:cNvSpPr>
             <a:spLocks noGrp="1"/>
           </p:cNvSpPr>
@@ -1824,29 +2935,30 @@
         </p:nvSpPr>
         <p:spPr>
           <a:xfrm>
-            <a:off x="5993074" y="482198"/>
-            <a:ext cx="1835003" cy="3508580"/>
+            <a:off x="6543675" y="273844"/>
+            <a:ext cx="1971675" cy="4358879"/>
           </a:xfrm>
         </p:spPr>
         <p:txBody>
           <a:bodyPr vert="eaVert"/>
-          <a:lstStyle>
-            <a:lvl1pPr algn="l">
-              <a:defRPr/>
-            </a:lvl1pPr>
-          </a:lstStyle>
+          <a:lstStyle/>
           <a:p>
             <a:r>
               <a:rPr lang="en-US"/>
               <a:t>Click to edit Master title style</a:t>
             </a:r>
-            <a:endParaRPr lang="en-US" dirty="0"/>
           </a:p>
         </p:txBody>
       </p:sp>
       <p:sp>
         <p:nvSpPr>
-          <p:cNvPr id="3" name="Vertical Text Placeholder 2"/>
+          <p:cNvPr id="3" name="Vertical Text Placeholder 2">
+            <a:extLst>
+              <a:ext uri="{FF2B5EF4-FFF2-40B4-BE49-F238E27FC236}">
+                <a16:creationId xmlns:a16="http://schemas.microsoft.com/office/drawing/2014/main" id="{7426368A-1284-4EAA-A99D-685E5C839F5E}"/>
+              </a:ext>
+            </a:extLst>
+          </p:cNvPr>
           <p:cNvSpPr>
             <a:spLocks noGrp="1"/>
           </p:cNvSpPr>
@@ -1856,8 +2968,8 @@
         </p:nvSpPr>
         <p:spPr>
           <a:xfrm>
-            <a:off x="628650" y="482199"/>
-            <a:ext cx="5303009" cy="3508579"/>
+            <a:off x="628650" y="273844"/>
+            <a:ext cx="5800725" cy="4358879"/>
           </a:xfrm>
         </p:spPr>
         <p:txBody>
@@ -1897,13 +3009,18 @@
               <a:rPr lang="en-US"/>
               <a:t>Fifth level</a:t>
             </a:r>
-            <a:endParaRPr lang="en-US" dirty="0"/>
           </a:p>
         </p:txBody>
       </p:sp>
       <p:sp>
         <p:nvSpPr>
-          <p:cNvPr id="4" name="Date Placeholder 3"/>
+          <p:cNvPr id="4" name="Date Placeholder 3">
+            <a:extLst>
+              <a:ext uri="{FF2B5EF4-FFF2-40B4-BE49-F238E27FC236}">
+                <a16:creationId xmlns:a16="http://schemas.microsoft.com/office/drawing/2014/main" id="{CCF2AE2F-D00E-4965-90D1-F556A981E4E1}"/>
+              </a:ext>
+            </a:extLst>
+          </p:cNvPr>
           <p:cNvSpPr>
             <a:spLocks noGrp="1"/>
           </p:cNvSpPr>
@@ -1911,19 +3028,14 @@
             <p:ph type="dt" sz="half" idx="10"/>
           </p:nvPr>
         </p:nvSpPr>
-        <p:spPr>
-          <a:xfrm>
-            <a:off x="4902140" y="4445349"/>
-            <a:ext cx="2861142" cy="273844"/>
-          </a:xfrm>
-        </p:spPr>
+        <p:spPr/>
         <p:txBody>
           <a:bodyPr/>
           <a:lstStyle/>
           <a:p>
             <a:fld id="{4509A250-FF31-4206-8172-F9D3106AACB1}" type="datetimeFigureOut">
               <a:rPr lang="en-US" smtClean="0"/>
-              <a:t>12/06/17</a:t>
+              <a:t>12/08/17</a:t>
             </a:fld>
             <a:endParaRPr lang="en-US" dirty="0"/>
           </a:p>
@@ -1931,7 +3043,13 @@
       </p:sp>
       <p:sp>
         <p:nvSpPr>
-          <p:cNvPr id="5" name="Footer Placeholder 4"/>
+          <p:cNvPr id="5" name="Footer Placeholder 4">
+            <a:extLst>
+              <a:ext uri="{FF2B5EF4-FFF2-40B4-BE49-F238E27FC236}">
+                <a16:creationId xmlns:a16="http://schemas.microsoft.com/office/drawing/2014/main" id="{0EABF380-4747-4C2E-B0C4-9B41FE1F7AD8}"/>
+              </a:ext>
+            </a:extLst>
+          </p:cNvPr>
           <p:cNvSpPr>
             <a:spLocks noGrp="1"/>
           </p:cNvSpPr>
@@ -1939,12 +3057,7 @@
             <p:ph type="ftr" sz="quarter" idx="11"/>
           </p:nvPr>
         </p:nvSpPr>
-        <p:spPr>
-          <a:xfrm>
-            <a:off x="4902140" y="4736962"/>
-            <a:ext cx="2861142" cy="273844"/>
-          </a:xfrm>
-        </p:spPr>
+        <p:spPr/>
         <p:txBody>
           <a:bodyPr/>
           <a:lstStyle/>
@@ -1955,7 +3068,13 @@
       </p:sp>
       <p:sp>
         <p:nvSpPr>
-          <p:cNvPr id="6" name="Slide Number Placeholder 5"/>
+          <p:cNvPr id="6" name="Slide Number Placeholder 5">
+            <a:extLst>
+              <a:ext uri="{FF2B5EF4-FFF2-40B4-BE49-F238E27FC236}">
+                <a16:creationId xmlns:a16="http://schemas.microsoft.com/office/drawing/2014/main" id="{98874A9D-73BB-479A-95F7-F6FEB5692059}"/>
+              </a:ext>
+            </a:extLst>
+          </p:cNvPr>
           <p:cNvSpPr>
             <a:spLocks noGrp="1"/>
           </p:cNvSpPr>
@@ -1963,12 +3082,7 @@
             <p:ph type="sldNum" sz="quarter" idx="12"/>
           </p:nvPr>
         </p:nvSpPr>
-        <p:spPr>
-          <a:xfrm>
-            <a:off x="8838008" y="4205694"/>
-            <a:ext cx="305991" cy="273844"/>
-          </a:xfrm>
-        </p:spPr>
+        <p:spPr/>
         <p:txBody>
           <a:bodyPr/>
           <a:lstStyle/>
@@ -1995,48 +3109,10 @@
           </a:p>
         </p:txBody>
       </p:sp>
-      <p:cxnSp>
-        <p:nvCxnSpPr>
-          <p:cNvPr id="13" name="Straight Connector 12" title="Horizontal Rule Line"/>
-          <p:cNvCxnSpPr/>
-          <p:nvPr/>
-        </p:nvCxnSpPr>
-        <p:spPr>
-          <a:xfrm>
-            <a:off x="1" y="4649798"/>
-            <a:ext cx="7695008" cy="0"/>
-          </a:xfrm>
-          <a:prstGeom prst="line">
-            <a:avLst/>
-          </a:prstGeom>
-          <a:ln w="25400">
-            <a:solidFill>
-              <a:schemeClr val="tx1">
-                <a:lumMod val="85000"/>
-                <a:lumOff val="15000"/>
-              </a:schemeClr>
-            </a:solidFill>
-          </a:ln>
-        </p:spPr>
-        <p:style>
-          <a:lnRef idx="1">
-            <a:schemeClr val="accent1"/>
-          </a:lnRef>
-          <a:fillRef idx="0">
-            <a:schemeClr val="accent1"/>
-          </a:fillRef>
-          <a:effectRef idx="0">
-            <a:schemeClr val="accent1"/>
-          </a:effectRef>
-          <a:fontRef idx="minor">
-            <a:schemeClr val="tx1"/>
-          </a:fontRef>
-        </p:style>
-      </p:cxnSp>
     </p:spTree>
     <p:extLst>
       <p:ext uri="{BB962C8B-B14F-4D97-AF65-F5344CB8AC3E}">
-        <p14:creationId xmlns:p14="http://schemas.microsoft.com/office/powerpoint/2010/main" val="861367494"/>
+        <p14:creationId xmlns:p14="http://schemas.microsoft.com/office/powerpoint/2010/main" val="1337023572"/>
       </p:ext>
     </p:extLst>
   </p:cSld>
@@ -2044,15 +3120,9 @@
     <a:masterClrMapping/>
   </p:clrMapOvr>
   <p:hf sldNum="0" hdr="0" ftr="0" dt="0"/>
-  <p:extLst mod="1">
+  <p:extLst>
     <p:ext uri="{DCECCB84-F9BA-43D5-87BE-67443E8EF086}">
-      <p15:sldGuideLst xmlns:p15="http://schemas.microsoft.com/office/powerpoint/2012/main">
-        <p15:guide id="1" pos="6456">
-          <p15:clr>
-            <a:srgbClr val="FBAE40"/>
-          </p15:clr>
-        </p15:guide>
-      </p15:sldGuideLst>
+      <p15:sldGuideLst xmlns:p15="http://schemas.microsoft.com/office/powerpoint/2012/main"/>
     </p:ext>
   </p:extLst>
 </p:sldLayout>
@@ -2317,7 +3387,7 @@
     </p:spTree>
     <p:extLst>
       <p:ext uri="{BB962C8B-B14F-4D97-AF65-F5344CB8AC3E}">
-        <p14:creationId xmlns:p14="http://schemas.microsoft.com/office/powerpoint/2010/main" val="1142805122"/>
+        <p14:creationId xmlns:p14="http://schemas.microsoft.com/office/powerpoint/2010/main" val="4070879881"/>
       </p:ext>
     </p:extLst>
   </p:cSld>
@@ -2346,7 +3416,13 @@
       </p:grpSpPr>
       <p:sp>
         <p:nvSpPr>
-          <p:cNvPr id="2" name="Title 1"/>
+          <p:cNvPr id="2" name="Title 1">
+            <a:extLst>
+              <a:ext uri="{FF2B5EF4-FFF2-40B4-BE49-F238E27FC236}">
+                <a16:creationId xmlns:a16="http://schemas.microsoft.com/office/drawing/2014/main" id="{8768595B-39E0-4B49-9326-2B7307ECE32E}"/>
+              </a:ext>
+            </a:extLst>
+          </p:cNvPr>
           <p:cNvSpPr>
             <a:spLocks noGrp="1"/>
           </p:cNvSpPr>
@@ -2363,13 +3439,18 @@
               <a:rPr lang="en-US"/>
               <a:t>Click to edit Master title style</a:t>
             </a:r>
-            <a:endParaRPr lang="en-US" dirty="0"/>
           </a:p>
         </p:txBody>
       </p:sp>
       <p:sp>
         <p:nvSpPr>
-          <p:cNvPr id="3" name="Content Placeholder 2"/>
+          <p:cNvPr id="3" name="Content Placeholder 2">
+            <a:extLst>
+              <a:ext uri="{FF2B5EF4-FFF2-40B4-BE49-F238E27FC236}">
+                <a16:creationId xmlns:a16="http://schemas.microsoft.com/office/drawing/2014/main" id="{FC5461C7-478B-45C9-A2BB-320CFD5CFCB0}"/>
+              </a:ext>
+            </a:extLst>
+          </p:cNvPr>
           <p:cNvSpPr>
             <a:spLocks noGrp="1"/>
           </p:cNvSpPr>
@@ -2415,13 +3496,18 @@
               <a:rPr lang="en-US"/>
               <a:t>Fifth level</a:t>
             </a:r>
-            <a:endParaRPr lang="en-US" dirty="0"/>
           </a:p>
         </p:txBody>
       </p:sp>
       <p:sp>
         <p:nvSpPr>
-          <p:cNvPr id="4" name="Date Placeholder 3"/>
+          <p:cNvPr id="4" name="Date Placeholder 3">
+            <a:extLst>
+              <a:ext uri="{FF2B5EF4-FFF2-40B4-BE49-F238E27FC236}">
+                <a16:creationId xmlns:a16="http://schemas.microsoft.com/office/drawing/2014/main" id="{80F4855F-B858-43CC-A05E-2E65D9480D3F}"/>
+              </a:ext>
+            </a:extLst>
+          </p:cNvPr>
           <p:cNvSpPr>
             <a:spLocks noGrp="1"/>
           </p:cNvSpPr>
@@ -2436,7 +3522,7 @@
           <a:p>
             <a:fld id="{4509A250-FF31-4206-8172-F9D3106AACB1}" type="datetimeFigureOut">
               <a:rPr lang="en-US" smtClean="0"/>
-              <a:t>12/06/17</a:t>
+              <a:t>12/08/17</a:t>
             </a:fld>
             <a:endParaRPr lang="en-US" dirty="0"/>
           </a:p>
@@ -2444,7 +3530,13 @@
       </p:sp>
       <p:sp>
         <p:nvSpPr>
-          <p:cNvPr id="5" name="Footer Placeholder 4"/>
+          <p:cNvPr id="5" name="Footer Placeholder 4">
+            <a:extLst>
+              <a:ext uri="{FF2B5EF4-FFF2-40B4-BE49-F238E27FC236}">
+                <a16:creationId xmlns:a16="http://schemas.microsoft.com/office/drawing/2014/main" id="{9B73D5CE-DB0B-4E56-BC3D-83685EAF5151}"/>
+              </a:ext>
+            </a:extLst>
+          </p:cNvPr>
           <p:cNvSpPr>
             <a:spLocks noGrp="1"/>
           </p:cNvSpPr>
@@ -2463,7 +3555,13 @@
       </p:sp>
       <p:sp>
         <p:nvSpPr>
-          <p:cNvPr id="6" name="Slide Number Placeholder 5"/>
+          <p:cNvPr id="6" name="Slide Number Placeholder 5">
+            <a:extLst>
+              <a:ext uri="{FF2B5EF4-FFF2-40B4-BE49-F238E27FC236}">
+                <a16:creationId xmlns:a16="http://schemas.microsoft.com/office/drawing/2014/main" id="{54269ACB-915F-414A-9742-8E4DA57BAE70}"/>
+              </a:ext>
+            </a:extLst>
+          </p:cNvPr>
           <p:cNvSpPr>
             <a:spLocks noGrp="1"/>
           </p:cNvSpPr>
@@ -2501,7 +3599,7 @@
     </p:spTree>
     <p:extLst>
       <p:ext uri="{BB962C8B-B14F-4D97-AF65-F5344CB8AC3E}">
-        <p14:creationId xmlns:p14="http://schemas.microsoft.com/office/powerpoint/2010/main" val="40739853"/>
+        <p14:creationId xmlns:p14="http://schemas.microsoft.com/office/powerpoint/2010/main" val="1317361621"/>
       </p:ext>
     </p:extLst>
   </p:cSld>
@@ -2513,16 +3611,8 @@
 </file>
 
 <file path=ppt/slideLayouts/slideLayout3.xml><?xml version="1.0" encoding="utf-8"?>
-<p:sldLayout xmlns:a="http://schemas.openxmlformats.org/drawingml/2006/main" xmlns:r="http://schemas.openxmlformats.org/officeDocument/2006/relationships" xmlns:p="http://schemas.openxmlformats.org/presentationml/2006/main" showMasterSp="0" type="secHead" preserve="1">
+<p:sldLayout xmlns:a="http://schemas.openxmlformats.org/drawingml/2006/main" xmlns:r="http://schemas.openxmlformats.org/officeDocument/2006/relationships" xmlns:p="http://schemas.openxmlformats.org/presentationml/2006/main" type="secHead" preserve="1">
   <p:cSld name="Section Header">
-    <p:bg>
-      <p:bgPr>
-        <a:solidFill>
-          <a:schemeClr val="bg2"/>
-        </a:solidFill>
-        <a:effectLst/>
-      </p:bgPr>
-    </p:bg>
     <p:spTree>
       <p:nvGrpSpPr>
         <p:cNvPr id="1" name=""/>
@@ -2539,207 +3629,13 @@
       </p:grpSpPr>
       <p:sp>
         <p:nvSpPr>
-          <p:cNvPr id="7" name="Freeform 6" title="Page Number Shape"/>
-          <p:cNvSpPr/>
-          <p:nvPr/>
-        </p:nvSpPr>
-        <p:spPr bwMode="auto">
-          <a:xfrm>
-            <a:off x="8838008" y="1045311"/>
-            <a:ext cx="305991" cy="614363"/>
-          </a:xfrm>
-          <a:custGeom>
-            <a:avLst/>
-            <a:gdLst/>
-            <a:ahLst/>
-            <a:cxnLst/>
-            <a:rect l="0" t="0" r="r" b="b"/>
-            <a:pathLst>
-              <a:path w="1799" h="3612">
-                <a:moveTo>
-                  <a:pt x="1799" y="0"/>
-                </a:moveTo>
-                <a:lnTo>
-                  <a:pt x="1799" y="3612"/>
-                </a:lnTo>
-                <a:lnTo>
-                  <a:pt x="1686" y="3609"/>
-                </a:lnTo>
-                <a:lnTo>
-                  <a:pt x="1574" y="3598"/>
-                </a:lnTo>
-                <a:lnTo>
-                  <a:pt x="1464" y="3581"/>
-                </a:lnTo>
-                <a:lnTo>
-                  <a:pt x="1357" y="3557"/>
-                </a:lnTo>
-                <a:lnTo>
-                  <a:pt x="1251" y="3527"/>
-                </a:lnTo>
-                <a:lnTo>
-                  <a:pt x="1150" y="3490"/>
-                </a:lnTo>
-                <a:lnTo>
-                  <a:pt x="1050" y="3448"/>
-                </a:lnTo>
-                <a:lnTo>
-                  <a:pt x="953" y="3401"/>
-                </a:lnTo>
-                <a:lnTo>
-                  <a:pt x="860" y="3347"/>
-                </a:lnTo>
-                <a:lnTo>
-                  <a:pt x="771" y="3289"/>
-                </a:lnTo>
-                <a:lnTo>
-                  <a:pt x="686" y="3224"/>
-                </a:lnTo>
-                <a:lnTo>
-                  <a:pt x="604" y="3156"/>
-                </a:lnTo>
-                <a:lnTo>
-                  <a:pt x="527" y="3083"/>
-                </a:lnTo>
-                <a:lnTo>
-                  <a:pt x="454" y="3005"/>
-                </a:lnTo>
-                <a:lnTo>
-                  <a:pt x="386" y="2923"/>
-                </a:lnTo>
-                <a:lnTo>
-                  <a:pt x="323" y="2838"/>
-                </a:lnTo>
-                <a:lnTo>
-                  <a:pt x="265" y="2748"/>
-                </a:lnTo>
-                <a:lnTo>
-                  <a:pt x="211" y="2655"/>
-                </a:lnTo>
-                <a:lnTo>
-                  <a:pt x="163" y="2559"/>
-                </a:lnTo>
-                <a:lnTo>
-                  <a:pt x="121" y="2459"/>
-                </a:lnTo>
-                <a:lnTo>
-                  <a:pt x="85" y="2356"/>
-                </a:lnTo>
-                <a:lnTo>
-                  <a:pt x="55" y="2251"/>
-                </a:lnTo>
-                <a:lnTo>
-                  <a:pt x="32" y="2143"/>
-                </a:lnTo>
-                <a:lnTo>
-                  <a:pt x="14" y="2033"/>
-                </a:lnTo>
-                <a:lnTo>
-                  <a:pt x="4" y="1920"/>
-                </a:lnTo>
-                <a:lnTo>
-                  <a:pt x="0" y="1806"/>
-                </a:lnTo>
-                <a:lnTo>
-                  <a:pt x="4" y="1692"/>
-                </a:lnTo>
-                <a:lnTo>
-                  <a:pt x="14" y="1580"/>
-                </a:lnTo>
-                <a:lnTo>
-                  <a:pt x="32" y="1469"/>
-                </a:lnTo>
-                <a:lnTo>
-                  <a:pt x="55" y="1362"/>
-                </a:lnTo>
-                <a:lnTo>
-                  <a:pt x="85" y="1256"/>
-                </a:lnTo>
-                <a:lnTo>
-                  <a:pt x="121" y="1154"/>
-                </a:lnTo>
-                <a:lnTo>
-                  <a:pt x="163" y="1054"/>
-                </a:lnTo>
-                <a:lnTo>
-                  <a:pt x="211" y="958"/>
-                </a:lnTo>
-                <a:lnTo>
-                  <a:pt x="265" y="864"/>
-                </a:lnTo>
-                <a:lnTo>
-                  <a:pt x="323" y="774"/>
-                </a:lnTo>
-                <a:lnTo>
-                  <a:pt x="386" y="689"/>
-                </a:lnTo>
-                <a:lnTo>
-                  <a:pt x="454" y="607"/>
-                </a:lnTo>
-                <a:lnTo>
-                  <a:pt x="527" y="529"/>
-                </a:lnTo>
-                <a:lnTo>
-                  <a:pt x="604" y="456"/>
-                </a:lnTo>
-                <a:lnTo>
-                  <a:pt x="686" y="388"/>
-                </a:lnTo>
-                <a:lnTo>
-                  <a:pt x="771" y="325"/>
-                </a:lnTo>
-                <a:lnTo>
-                  <a:pt x="860" y="266"/>
-                </a:lnTo>
-                <a:lnTo>
-                  <a:pt x="953" y="212"/>
-                </a:lnTo>
-                <a:lnTo>
-                  <a:pt x="1050" y="164"/>
-                </a:lnTo>
-                <a:lnTo>
-                  <a:pt x="1150" y="122"/>
-                </a:lnTo>
-                <a:lnTo>
-                  <a:pt x="1251" y="85"/>
-                </a:lnTo>
-                <a:lnTo>
-                  <a:pt x="1357" y="55"/>
-                </a:lnTo>
-                <a:lnTo>
-                  <a:pt x="1464" y="32"/>
-                </a:lnTo>
-                <a:lnTo>
-                  <a:pt x="1574" y="14"/>
-                </a:lnTo>
-                <a:lnTo>
-                  <a:pt x="1686" y="5"/>
-                </a:lnTo>
-                <a:lnTo>
-                  <a:pt x="1799" y="0"/>
-                </a:lnTo>
-                <a:close/>
-              </a:path>
-            </a:pathLst>
-          </a:custGeom>
-          <a:solidFill>
-            <a:schemeClr val="tx1">
-              <a:lumMod val="85000"/>
-              <a:lumOff val="15000"/>
-            </a:schemeClr>
-          </a:solidFill>
-          <a:ln w="0">
-            <a:noFill/>
-            <a:prstDash val="solid"/>
-            <a:round/>
-            <a:headEnd/>
-            <a:tailEnd/>
-          </a:ln>
-        </p:spPr>
-      </p:sp>
-      <p:sp>
-        <p:nvSpPr>
-          <p:cNvPr id="2" name="Title 1"/>
+          <p:cNvPr id="2" name="Title 1">
+            <a:extLst>
+              <a:ext uri="{FF2B5EF4-FFF2-40B4-BE49-F238E27FC236}">
+                <a16:creationId xmlns:a16="http://schemas.microsoft.com/office/drawing/2014/main" id="{46C355B5-7069-492E-9E94-5975A17F334E}"/>
+              </a:ext>
+            </a:extLst>
+          </p:cNvPr>
           <p:cNvSpPr>
             <a:spLocks noGrp="1"/>
           </p:cNvSpPr>
@@ -2749,27 +3645,15 @@
         </p:nvSpPr>
         <p:spPr>
           <a:xfrm>
-            <a:off x="1460755" y="1928792"/>
-            <a:ext cx="6222491" cy="2464615"/>
+            <a:off x="623888" y="1282304"/>
+            <a:ext cx="7886700" cy="2139553"/>
           </a:xfrm>
         </p:spPr>
         <p:txBody>
-          <a:bodyPr anchor="t">
-            <a:normAutofit/>
-          </a:bodyPr>
+          <a:bodyPr anchor="b"/>
           <a:lstStyle>
             <a:lvl1pPr>
-              <a:lnSpc>
-                <a:spcPct val="85000"/>
-              </a:lnSpc>
-              <a:defRPr sz="5775" cap="all" baseline="0">
-                <a:solidFill>
-                  <a:schemeClr val="tx1">
-                    <a:lumMod val="85000"/>
-                    <a:lumOff val="15000"/>
-                  </a:schemeClr>
-                </a:solidFill>
-              </a:defRPr>
+              <a:defRPr sz="4500"/>
             </a:lvl1pPr>
           </a:lstStyle>
           <a:p>
@@ -2777,13 +3661,18 @@
               <a:rPr lang="en-US"/>
               <a:t>Click to edit Master title style</a:t>
             </a:r>
-            <a:endParaRPr lang="en-US" dirty="0"/>
           </a:p>
         </p:txBody>
       </p:sp>
       <p:sp>
         <p:nvSpPr>
-          <p:cNvPr id="3" name="Text Placeholder 2"/>
+          <p:cNvPr id="3" name="Text Placeholder 2">
+            <a:extLst>
+              <a:ext uri="{FF2B5EF4-FFF2-40B4-BE49-F238E27FC236}">
+                <a16:creationId xmlns:a16="http://schemas.microsoft.com/office/drawing/2014/main" id="{D3469EFC-DB45-4645-8796-5CE7A936FE2E}"/>
+              </a:ext>
+            </a:extLst>
+          </p:cNvPr>
           <p:cNvSpPr>
             <a:spLocks noGrp="1"/>
           </p:cNvSpPr>
@@ -2793,28 +3682,19 @@
         </p:nvSpPr>
         <p:spPr>
           <a:xfrm>
-            <a:off x="1460755" y="1045311"/>
-            <a:ext cx="6301072" cy="614363"/>
+            <a:off x="623888" y="3442098"/>
+            <a:ext cx="7886700" cy="1125140"/>
           </a:xfrm>
         </p:spPr>
         <p:txBody>
-          <a:bodyPr anchor="ctr">
-            <a:normAutofit/>
-          </a:bodyPr>
+          <a:bodyPr/>
           <a:lstStyle>
-            <a:lvl1pPr marL="0" indent="0" algn="r">
-              <a:lnSpc>
-                <a:spcPct val="113000"/>
-              </a:lnSpc>
-              <a:spcBef>
-                <a:spcPts val="0"/>
-              </a:spcBef>
-              <a:buNone/>
-              <a:defRPr sz="1500" b="0" i="1" baseline="0">
+            <a:lvl1pPr marL="0" indent="0">
+              <a:buNone/>
+              <a:defRPr sz="1800">
                 <a:solidFill>
                   <a:schemeClr val="tx1">
-                    <a:lumMod val="85000"/>
-                    <a:lumOff val="15000"/>
+                    <a:tint val="75000"/>
                   </a:schemeClr>
                 </a:solidFill>
               </a:defRPr>
@@ -2911,7 +3791,13 @@
       </p:sp>
       <p:sp>
         <p:nvSpPr>
-          <p:cNvPr id="4" name="Date Placeholder 3"/>
+          <p:cNvPr id="4" name="Date Placeholder 3">
+            <a:extLst>
+              <a:ext uri="{FF2B5EF4-FFF2-40B4-BE49-F238E27FC236}">
+                <a16:creationId xmlns:a16="http://schemas.microsoft.com/office/drawing/2014/main" id="{0BBC214D-17A7-4E97-810C-07041965EB72}"/>
+              </a:ext>
+            </a:extLst>
+          </p:cNvPr>
           <p:cNvSpPr>
             <a:spLocks noGrp="1"/>
           </p:cNvSpPr>
@@ -2919,30 +3805,14 @@
             <p:ph type="dt" sz="half" idx="10"/>
           </p:nvPr>
         </p:nvSpPr>
-        <p:spPr>
-          <a:xfrm>
-            <a:off x="6557216" y="4735830"/>
-            <a:ext cx="1197467" cy="273844"/>
-          </a:xfrm>
-        </p:spPr>
+        <p:spPr/>
         <p:txBody>
           <a:bodyPr/>
-          <a:lstStyle>
-            <a:lvl1pPr>
-              <a:defRPr sz="900">
-                <a:solidFill>
-                  <a:schemeClr val="tx1">
-                    <a:lumMod val="85000"/>
-                    <a:lumOff val="15000"/>
-                  </a:schemeClr>
-                </a:solidFill>
-              </a:defRPr>
-            </a:lvl1pPr>
-          </a:lstStyle>
+          <a:lstStyle/>
           <a:p>
             <a:fld id="{9796027F-7875-4030-9381-8BD8C4F21935}" type="datetimeFigureOut">
               <a:rPr lang="en-US" smtClean="0"/>
-              <a:t>12/06/17</a:t>
+              <a:t>12/08/17</a:t>
             </a:fld>
             <a:endParaRPr lang="en-US" dirty="0"/>
           </a:p>
@@ -2950,7 +3820,13 @@
       </p:sp>
       <p:sp>
         <p:nvSpPr>
-          <p:cNvPr id="5" name="Footer Placeholder 4"/>
+          <p:cNvPr id="5" name="Footer Placeholder 4">
+            <a:extLst>
+              <a:ext uri="{FF2B5EF4-FFF2-40B4-BE49-F238E27FC236}">
+                <a16:creationId xmlns:a16="http://schemas.microsoft.com/office/drawing/2014/main" id="{FC6B8AA7-0ACD-4D17-9017-DB7EC6F514BC}"/>
+              </a:ext>
+            </a:extLst>
+          </p:cNvPr>
           <p:cNvSpPr>
             <a:spLocks noGrp="1"/>
           </p:cNvSpPr>
@@ -2958,26 +3834,10 @@
             <p:ph type="ftr" sz="quarter" idx="11"/>
           </p:nvPr>
         </p:nvSpPr>
-        <p:spPr>
-          <a:xfrm>
-            <a:off x="1460755" y="4735830"/>
-            <a:ext cx="4860170" cy="273844"/>
-          </a:xfrm>
-        </p:spPr>
+        <p:spPr/>
         <p:txBody>
           <a:bodyPr/>
-          <a:lstStyle>
-            <a:lvl1pPr>
-              <a:defRPr b="0">
-                <a:solidFill>
-                  <a:schemeClr val="tx1">
-                    <a:lumMod val="85000"/>
-                    <a:lumOff val="15000"/>
-                  </a:schemeClr>
-                </a:solidFill>
-              </a:defRPr>
-            </a:lvl1pPr>
-          </a:lstStyle>
+          <a:lstStyle/>
           <a:p>
             <a:endParaRPr lang="en-US" dirty="0"/>
           </a:p>
@@ -2985,7 +3845,13 @@
       </p:sp>
       <p:sp>
         <p:nvSpPr>
-          <p:cNvPr id="6" name="Slide Number Placeholder 5"/>
+          <p:cNvPr id="6" name="Slide Number Placeholder 5">
+            <a:extLst>
+              <a:ext uri="{FF2B5EF4-FFF2-40B4-BE49-F238E27FC236}">
+                <a16:creationId xmlns:a16="http://schemas.microsoft.com/office/drawing/2014/main" id="{6C9EF5A6-3769-43C1-A85E-310604861B93}"/>
+              </a:ext>
+            </a:extLst>
+          </p:cNvPr>
           <p:cNvSpPr>
             <a:spLocks noGrp="1"/>
           </p:cNvSpPr>
@@ -2993,23 +3859,10 @@
             <p:ph type="sldNum" sz="quarter" idx="12"/>
           </p:nvPr>
         </p:nvSpPr>
-        <p:spPr>
-          <a:xfrm>
-            <a:off x="8838008" y="1215570"/>
-            <a:ext cx="305991" cy="273844"/>
-          </a:xfrm>
-        </p:spPr>
+        <p:spPr/>
         <p:txBody>
           <a:bodyPr/>
-          <a:lstStyle>
-            <a:lvl1pPr>
-              <a:defRPr>
-                <a:solidFill>
-                  <a:schemeClr val="bg2"/>
-                </a:solidFill>
-              </a:defRPr>
-            </a:lvl1pPr>
-          </a:lstStyle>
+          <a:lstStyle/>
           <a:p>
             <a:pPr marL="0" lvl="0" indent="0" algn="r">
               <a:spcBef>
@@ -3033,48 +3886,10 @@
           </a:p>
         </p:txBody>
       </p:sp>
-      <p:cxnSp>
-        <p:nvCxnSpPr>
-          <p:cNvPr id="10" name="Straight Connector 9" title="Horizontal Rule Line"/>
-          <p:cNvCxnSpPr/>
-          <p:nvPr/>
-        </p:nvCxnSpPr>
-        <p:spPr>
-          <a:xfrm flipH="1">
-            <a:off x="1" y="4633625"/>
-            <a:ext cx="7683245" cy="0"/>
-          </a:xfrm>
-          <a:prstGeom prst="line">
-            <a:avLst/>
-          </a:prstGeom>
-          <a:ln w="25400">
-            <a:solidFill>
-              <a:schemeClr val="tx1">
-                <a:lumMod val="85000"/>
-                <a:lumOff val="15000"/>
-              </a:schemeClr>
-            </a:solidFill>
-          </a:ln>
-        </p:spPr>
-        <p:style>
-          <a:lnRef idx="1">
-            <a:schemeClr val="accent1"/>
-          </a:lnRef>
-          <a:fillRef idx="0">
-            <a:schemeClr val="accent1"/>
-          </a:fillRef>
-          <a:effectRef idx="0">
-            <a:schemeClr val="accent1"/>
-          </a:effectRef>
-          <a:fontRef idx="minor">
-            <a:schemeClr val="tx1"/>
-          </a:fontRef>
-        </p:style>
-      </p:cxnSp>
     </p:spTree>
     <p:extLst>
       <p:ext uri="{BB962C8B-B14F-4D97-AF65-F5344CB8AC3E}">
-        <p14:creationId xmlns:p14="http://schemas.microsoft.com/office/powerpoint/2010/main" val="3023626241"/>
+        <p14:creationId xmlns:p14="http://schemas.microsoft.com/office/powerpoint/2010/main" val="1882029565"/>
       </p:ext>
     </p:extLst>
   </p:cSld>
@@ -3082,15 +3897,9 @@
     <a:masterClrMapping/>
   </p:clrMapOvr>
   <p:hf sldNum="0" hdr="0" ftr="0" dt="0"/>
-  <p:extLst mod="1">
+  <p:extLst>
     <p:ext uri="{DCECCB84-F9BA-43D5-87BE-67443E8EF086}">
-      <p15:sldGuideLst xmlns:p15="http://schemas.microsoft.com/office/powerpoint/2012/main">
-        <p15:guide id="1" pos="6456">
-          <p15:clr>
-            <a:srgbClr val="FBAE40"/>
-          </p15:clr>
-        </p15:guide>
-      </p15:sldGuideLst>
+      <p15:sldGuideLst xmlns:p15="http://schemas.microsoft.com/office/powerpoint/2012/main"/>
     </p:ext>
   </p:extLst>
 </p:sldLayout>
@@ -3115,7 +3924,13 @@
       </p:grpSpPr>
       <p:sp>
         <p:nvSpPr>
-          <p:cNvPr id="2" name="Title 1"/>
+          <p:cNvPr id="2" name="Title 1">
+            <a:extLst>
+              <a:ext uri="{FF2B5EF4-FFF2-40B4-BE49-F238E27FC236}">
+                <a16:creationId xmlns:a16="http://schemas.microsoft.com/office/drawing/2014/main" id="{08EB4896-14D7-4E72-B06F-A1FD9796669B}"/>
+              </a:ext>
+            </a:extLst>
+          </p:cNvPr>
           <p:cNvSpPr>
             <a:spLocks noGrp="1"/>
           </p:cNvSpPr>
@@ -3132,13 +3947,18 @@
               <a:rPr lang="en-US"/>
               <a:t>Click to edit Master title style</a:t>
             </a:r>
-            <a:endParaRPr lang="en-US" dirty="0"/>
           </a:p>
         </p:txBody>
       </p:sp>
       <p:sp>
         <p:nvSpPr>
-          <p:cNvPr id="3" name="Content Placeholder 2"/>
+          <p:cNvPr id="3" name="Content Placeholder 2">
+            <a:extLst>
+              <a:ext uri="{FF2B5EF4-FFF2-40B4-BE49-F238E27FC236}">
+                <a16:creationId xmlns:a16="http://schemas.microsoft.com/office/drawing/2014/main" id="{EBDF1F31-CD01-4EFF-B713-83E5FE79D7E8}"/>
+              </a:ext>
+            </a:extLst>
+          </p:cNvPr>
           <p:cNvSpPr>
             <a:spLocks noGrp="1"/>
           </p:cNvSpPr>
@@ -3148,8 +3968,8 @@
         </p:nvSpPr>
         <p:spPr>
           <a:xfrm>
-            <a:off x="3886200" y="405471"/>
-            <a:ext cx="4686300" cy="1866710"/>
+            <a:off x="628650" y="1369219"/>
+            <a:ext cx="3886200" cy="3263504"/>
           </a:xfrm>
         </p:spPr>
         <p:txBody>
@@ -3189,13 +4009,18 @@
               <a:rPr lang="en-US"/>
               <a:t>Fifth level</a:t>
             </a:r>
-            <a:endParaRPr lang="en-US" dirty="0"/>
           </a:p>
         </p:txBody>
       </p:sp>
       <p:sp>
         <p:nvSpPr>
-          <p:cNvPr id="4" name="Content Placeholder 3"/>
+          <p:cNvPr id="4" name="Content Placeholder 3">
+            <a:extLst>
+              <a:ext uri="{FF2B5EF4-FFF2-40B4-BE49-F238E27FC236}">
+                <a16:creationId xmlns:a16="http://schemas.microsoft.com/office/drawing/2014/main" id="{B3DD9E7F-ED45-457F-BB13-D5E687359C01}"/>
+              </a:ext>
+            </a:extLst>
+          </p:cNvPr>
           <p:cNvSpPr>
             <a:spLocks noGrp="1"/>
           </p:cNvSpPr>
@@ -3205,8 +4030,8 @@
         </p:nvSpPr>
         <p:spPr>
           <a:xfrm>
-            <a:off x="3886200" y="2784350"/>
-            <a:ext cx="4686300" cy="1861671"/>
+            <a:off x="4629150" y="1369219"/>
+            <a:ext cx="3886200" cy="3263504"/>
           </a:xfrm>
         </p:spPr>
         <p:txBody>
@@ -3246,13 +4071,18 @@
               <a:rPr lang="en-US"/>
               <a:t>Fifth level</a:t>
             </a:r>
-            <a:endParaRPr lang="en-US" dirty="0"/>
           </a:p>
         </p:txBody>
       </p:sp>
       <p:sp>
         <p:nvSpPr>
-          <p:cNvPr id="5" name="Date Placeholder 4"/>
+          <p:cNvPr id="5" name="Date Placeholder 4">
+            <a:extLst>
+              <a:ext uri="{FF2B5EF4-FFF2-40B4-BE49-F238E27FC236}">
+                <a16:creationId xmlns:a16="http://schemas.microsoft.com/office/drawing/2014/main" id="{A81347D6-E56A-439C-8403-AE1D95449E74}"/>
+              </a:ext>
+            </a:extLst>
+          </p:cNvPr>
           <p:cNvSpPr>
             <a:spLocks noGrp="1"/>
           </p:cNvSpPr>
@@ -3267,7 +4097,7 @@
           <a:p>
             <a:fld id="{9796027F-7875-4030-9381-8BD8C4F21935}" type="datetimeFigureOut">
               <a:rPr lang="en-US" smtClean="0"/>
-              <a:t>12/06/17</a:t>
+              <a:t>12/08/17</a:t>
             </a:fld>
             <a:endParaRPr lang="en-US" dirty="0"/>
           </a:p>
@@ -3275,7 +4105,13 @@
       </p:sp>
       <p:sp>
         <p:nvSpPr>
-          <p:cNvPr id="6" name="Footer Placeholder 5"/>
+          <p:cNvPr id="6" name="Footer Placeholder 5">
+            <a:extLst>
+              <a:ext uri="{FF2B5EF4-FFF2-40B4-BE49-F238E27FC236}">
+                <a16:creationId xmlns:a16="http://schemas.microsoft.com/office/drawing/2014/main" id="{67E5F94F-26F1-44CC-8A9E-1962B501ED4C}"/>
+              </a:ext>
+            </a:extLst>
+          </p:cNvPr>
           <p:cNvSpPr>
             <a:spLocks noGrp="1"/>
           </p:cNvSpPr>
@@ -3294,7 +4130,13 @@
       </p:sp>
       <p:sp>
         <p:nvSpPr>
-          <p:cNvPr id="7" name="Slide Number Placeholder 6"/>
+          <p:cNvPr id="7" name="Slide Number Placeholder 6">
+            <a:extLst>
+              <a:ext uri="{FF2B5EF4-FFF2-40B4-BE49-F238E27FC236}">
+                <a16:creationId xmlns:a16="http://schemas.microsoft.com/office/drawing/2014/main" id="{E2F4A318-DBE8-4E91-B965-19BB3D388AE4}"/>
+              </a:ext>
+            </a:extLst>
+          </p:cNvPr>
           <p:cNvSpPr>
             <a:spLocks noGrp="1"/>
           </p:cNvSpPr>
@@ -3332,7 +4174,7 @@
     </p:spTree>
     <p:extLst>
       <p:ext uri="{BB962C8B-B14F-4D97-AF65-F5344CB8AC3E}">
-        <p14:creationId xmlns:p14="http://schemas.microsoft.com/office/powerpoint/2010/main" val="2086827799"/>
+        <p14:creationId xmlns:p14="http://schemas.microsoft.com/office/powerpoint/2010/main" val="2836342024"/>
       </p:ext>
     </p:extLst>
   </p:cSld>
@@ -3362,7 +4204,13 @@
       </p:grpSpPr>
       <p:sp>
         <p:nvSpPr>
-          <p:cNvPr id="2" name="Title 1"/>
+          <p:cNvPr id="2" name="Title 1">
+            <a:extLst>
+              <a:ext uri="{FF2B5EF4-FFF2-40B4-BE49-F238E27FC236}">
+                <a16:creationId xmlns:a16="http://schemas.microsoft.com/office/drawing/2014/main" id="{AF566D77-B859-4A95-893A-5F141363DBF3}"/>
+              </a:ext>
+            </a:extLst>
+          </p:cNvPr>
           <p:cNvSpPr>
             <a:spLocks noGrp="1"/>
           </p:cNvSpPr>
@@ -3372,8 +4220,8 @@
         </p:nvSpPr>
         <p:spPr>
           <a:xfrm>
-            <a:off x="571500" y="418338"/>
-            <a:ext cx="2873502" cy="3717036"/>
+            <a:off x="629841" y="273844"/>
+            <a:ext cx="7886700" cy="994172"/>
           </a:xfrm>
         </p:spPr>
         <p:txBody>
@@ -3384,13 +4232,18 @@
               <a:rPr lang="en-US"/>
               <a:t>Click to edit Master title style</a:t>
             </a:r>
-            <a:endParaRPr lang="en-US" dirty="0"/>
           </a:p>
         </p:txBody>
       </p:sp>
       <p:sp>
         <p:nvSpPr>
-          <p:cNvPr id="3" name="Text Placeholder 2"/>
+          <p:cNvPr id="3" name="Text Placeholder 2">
+            <a:extLst>
+              <a:ext uri="{FF2B5EF4-FFF2-40B4-BE49-F238E27FC236}">
+                <a16:creationId xmlns:a16="http://schemas.microsoft.com/office/drawing/2014/main" id="{8EC024BD-1F30-495B-88A1-A919B28D9744}"/>
+              </a:ext>
+            </a:extLst>
+          </p:cNvPr>
           <p:cNvSpPr>
             <a:spLocks noGrp="1"/>
           </p:cNvSpPr>
@@ -3400,31 +4253,16 @@
         </p:nvSpPr>
         <p:spPr>
           <a:xfrm>
-            <a:off x="3886200" y="418549"/>
-            <a:ext cx="4684014" cy="685800"/>
+            <a:off x="629842" y="1260872"/>
+            <a:ext cx="3868340" cy="617934"/>
           </a:xfrm>
         </p:spPr>
         <p:txBody>
-          <a:bodyPr anchor="b">
-            <a:normAutofit/>
-          </a:bodyPr>
+          <a:bodyPr anchor="b"/>
           <a:lstStyle>
             <a:lvl1pPr marL="0" indent="0">
-              <a:lnSpc>
-                <a:spcPct val="113000"/>
-              </a:lnSpc>
-              <a:spcBef>
-                <a:spcPts val="0"/>
-              </a:spcBef>
-              <a:buNone/>
-              <a:defRPr sz="1800" b="0" i="1" baseline="0">
-                <a:solidFill>
-                  <a:schemeClr val="tx1">
-                    <a:lumMod val="85000"/>
-                    <a:lumOff val="15000"/>
-                  </a:schemeClr>
-                </a:solidFill>
-              </a:defRPr>
+              <a:buNone/>
+              <a:defRPr sz="1800" b="1"/>
             </a:lvl1pPr>
             <a:lvl2pPr marL="342900" indent="0">
               <a:buNone/>
@@ -3470,7 +4308,13 @@
       </p:sp>
       <p:sp>
         <p:nvSpPr>
-          <p:cNvPr id="4" name="Content Placeholder 3"/>
+          <p:cNvPr id="4" name="Content Placeholder 3">
+            <a:extLst>
+              <a:ext uri="{FF2B5EF4-FFF2-40B4-BE49-F238E27FC236}">
+                <a16:creationId xmlns:a16="http://schemas.microsoft.com/office/drawing/2014/main" id="{EFE2257F-B7C8-4366-A177-772B1BC67839}"/>
+              </a:ext>
+            </a:extLst>
+          </p:cNvPr>
           <p:cNvSpPr>
             <a:spLocks noGrp="1"/>
           </p:cNvSpPr>
@@ -3480,8 +4324,8 @@
         </p:nvSpPr>
         <p:spPr>
           <a:xfrm>
-            <a:off x="3886200" y="1145003"/>
-            <a:ext cx="4684014" cy="1316736"/>
+            <a:off x="629842" y="1878806"/>
+            <a:ext cx="3868340" cy="2763441"/>
           </a:xfrm>
         </p:spPr>
         <p:txBody>
@@ -3521,13 +4365,18 @@
               <a:rPr lang="en-US"/>
               <a:t>Fifth level</a:t>
             </a:r>
-            <a:endParaRPr lang="en-US" dirty="0"/>
           </a:p>
         </p:txBody>
       </p:sp>
       <p:sp>
         <p:nvSpPr>
-          <p:cNvPr id="5" name="Text Placeholder 4"/>
+          <p:cNvPr id="5" name="Text Placeholder 4">
+            <a:extLst>
+              <a:ext uri="{FF2B5EF4-FFF2-40B4-BE49-F238E27FC236}">
+                <a16:creationId xmlns:a16="http://schemas.microsoft.com/office/drawing/2014/main" id="{A4750E9D-4421-4AB7-9B13-D58698BCCF27}"/>
+              </a:ext>
+            </a:extLst>
+          </p:cNvPr>
           <p:cNvSpPr>
             <a:spLocks noGrp="1"/>
           </p:cNvSpPr>
@@ -3537,25 +4386,16 @@
         </p:nvSpPr>
         <p:spPr>
           <a:xfrm>
-            <a:off x="3886200" y="2775620"/>
-            <a:ext cx="4686300" cy="685800"/>
+            <a:off x="4629150" y="1260872"/>
+            <a:ext cx="3887391" cy="617934"/>
           </a:xfrm>
         </p:spPr>
         <p:txBody>
-          <a:bodyPr anchor="b">
-            <a:normAutofit/>
-          </a:bodyPr>
+          <a:bodyPr anchor="b"/>
           <a:lstStyle>
             <a:lvl1pPr marL="0" indent="0">
               <a:buNone/>
-              <a:defRPr sz="1800" b="0" i="1" baseline="0">
-                <a:solidFill>
-                  <a:schemeClr val="tx1">
-                    <a:lumMod val="85000"/>
-                    <a:lumOff val="15000"/>
-                  </a:schemeClr>
-                </a:solidFill>
-              </a:defRPr>
+              <a:defRPr sz="1800" b="1"/>
             </a:lvl1pPr>
             <a:lvl2pPr marL="342900" indent="0">
               <a:buNone/>
@@ -3601,7 +4441,13 @@
       </p:sp>
       <p:sp>
         <p:nvSpPr>
-          <p:cNvPr id="6" name="Content Placeholder 5"/>
+          <p:cNvPr id="6" name="Content Placeholder 5">
+            <a:extLst>
+              <a:ext uri="{FF2B5EF4-FFF2-40B4-BE49-F238E27FC236}">
+                <a16:creationId xmlns:a16="http://schemas.microsoft.com/office/drawing/2014/main" id="{14104F13-668E-4135-BE2B-25B16EC8B5CE}"/>
+              </a:ext>
+            </a:extLst>
+          </p:cNvPr>
           <p:cNvSpPr>
             <a:spLocks noGrp="1"/>
           </p:cNvSpPr>
@@ -3611,8 +4457,8 @@
         </p:nvSpPr>
         <p:spPr>
           <a:xfrm>
-            <a:off x="3886200" y="3502074"/>
-            <a:ext cx="4684014" cy="1316736"/>
+            <a:off x="4629150" y="1878806"/>
+            <a:ext cx="3887391" cy="2763441"/>
           </a:xfrm>
         </p:spPr>
         <p:txBody>
@@ -3652,13 +4498,18 @@
               <a:rPr lang="en-US"/>
               <a:t>Fifth level</a:t>
             </a:r>
-            <a:endParaRPr lang="en-US" dirty="0"/>
           </a:p>
         </p:txBody>
       </p:sp>
       <p:sp>
         <p:nvSpPr>
-          <p:cNvPr id="7" name="Date Placeholder 6"/>
+          <p:cNvPr id="7" name="Date Placeholder 6">
+            <a:extLst>
+              <a:ext uri="{FF2B5EF4-FFF2-40B4-BE49-F238E27FC236}">
+                <a16:creationId xmlns:a16="http://schemas.microsoft.com/office/drawing/2014/main" id="{A1B2EB28-9CEF-474B-A74E-EF65473D4EFD}"/>
+              </a:ext>
+            </a:extLst>
+          </p:cNvPr>
           <p:cNvSpPr>
             <a:spLocks noGrp="1"/>
           </p:cNvSpPr>
@@ -3673,7 +4524,7 @@
           <a:p>
             <a:fld id="{9796027F-7875-4030-9381-8BD8C4F21935}" type="datetimeFigureOut">
               <a:rPr lang="en-US" smtClean="0"/>
-              <a:t>12/06/17</a:t>
+              <a:t>12/08/17</a:t>
             </a:fld>
             <a:endParaRPr lang="en-US" dirty="0"/>
           </a:p>
@@ -3681,7 +4532,13 @@
       </p:sp>
       <p:sp>
         <p:nvSpPr>
-          <p:cNvPr id="8" name="Footer Placeholder 7"/>
+          <p:cNvPr id="8" name="Footer Placeholder 7">
+            <a:extLst>
+              <a:ext uri="{FF2B5EF4-FFF2-40B4-BE49-F238E27FC236}">
+                <a16:creationId xmlns:a16="http://schemas.microsoft.com/office/drawing/2014/main" id="{A1C26070-BC7B-4D93-9371-011615E6EDC3}"/>
+              </a:ext>
+            </a:extLst>
+          </p:cNvPr>
           <p:cNvSpPr>
             <a:spLocks noGrp="1"/>
           </p:cNvSpPr>
@@ -3700,7 +4557,13 @@
       </p:sp>
       <p:sp>
         <p:nvSpPr>
-          <p:cNvPr id="9" name="Slide Number Placeholder 8"/>
+          <p:cNvPr id="9" name="Slide Number Placeholder 8">
+            <a:extLst>
+              <a:ext uri="{FF2B5EF4-FFF2-40B4-BE49-F238E27FC236}">
+                <a16:creationId xmlns:a16="http://schemas.microsoft.com/office/drawing/2014/main" id="{6069607A-94E1-4BF1-B1CA-2C2C4F21D666}"/>
+              </a:ext>
+            </a:extLst>
+          </p:cNvPr>
           <p:cNvSpPr>
             <a:spLocks noGrp="1"/>
           </p:cNvSpPr>
@@ -3738,7 +4601,7 @@
     </p:spTree>
     <p:extLst>
       <p:ext uri="{BB962C8B-B14F-4D97-AF65-F5344CB8AC3E}">
-        <p14:creationId xmlns:p14="http://schemas.microsoft.com/office/powerpoint/2010/main" val="849109598"/>
+        <p14:creationId xmlns:p14="http://schemas.microsoft.com/office/powerpoint/2010/main" val="2483801893"/>
       </p:ext>
     </p:extLst>
   </p:cSld>
@@ -3768,7 +4631,13 @@
       </p:grpSpPr>
       <p:sp>
         <p:nvSpPr>
-          <p:cNvPr id="2" name="Title 1"/>
+          <p:cNvPr id="2" name="Title 1">
+            <a:extLst>
+              <a:ext uri="{FF2B5EF4-FFF2-40B4-BE49-F238E27FC236}">
+                <a16:creationId xmlns:a16="http://schemas.microsoft.com/office/drawing/2014/main" id="{6F04BB25-F850-4389-AF6D-4F775F403A13}"/>
+              </a:ext>
+            </a:extLst>
+          </p:cNvPr>
           <p:cNvSpPr>
             <a:spLocks noGrp="1"/>
           </p:cNvSpPr>
@@ -3785,13 +4654,18 @@
               <a:rPr lang="en-US"/>
               <a:t>Click to edit Master title style</a:t>
             </a:r>
-            <a:endParaRPr lang="en-US" dirty="0"/>
           </a:p>
         </p:txBody>
       </p:sp>
       <p:sp>
         <p:nvSpPr>
-          <p:cNvPr id="3" name="Date Placeholder 2"/>
+          <p:cNvPr id="3" name="Date Placeholder 2">
+            <a:extLst>
+              <a:ext uri="{FF2B5EF4-FFF2-40B4-BE49-F238E27FC236}">
+                <a16:creationId xmlns:a16="http://schemas.microsoft.com/office/drawing/2014/main" id="{DE356FD1-39B2-462C-AA70-39616130DAB3}"/>
+              </a:ext>
+            </a:extLst>
+          </p:cNvPr>
           <p:cNvSpPr>
             <a:spLocks noGrp="1"/>
           </p:cNvSpPr>
@@ -3806,7 +4680,7 @@
           <a:p>
             <a:fld id="{4509A250-FF31-4206-8172-F9D3106AACB1}" type="datetimeFigureOut">
               <a:rPr lang="en-US" smtClean="0"/>
-              <a:t>12/06/17</a:t>
+              <a:t>12/08/17</a:t>
             </a:fld>
             <a:endParaRPr lang="en-US" dirty="0"/>
           </a:p>
@@ -3814,7 +4688,13 @@
       </p:sp>
       <p:sp>
         <p:nvSpPr>
-          <p:cNvPr id="4" name="Footer Placeholder 3"/>
+          <p:cNvPr id="4" name="Footer Placeholder 3">
+            <a:extLst>
+              <a:ext uri="{FF2B5EF4-FFF2-40B4-BE49-F238E27FC236}">
+                <a16:creationId xmlns:a16="http://schemas.microsoft.com/office/drawing/2014/main" id="{AF35A994-2DCB-45B1-B9D5-479CC60FFD73}"/>
+              </a:ext>
+            </a:extLst>
+          </p:cNvPr>
           <p:cNvSpPr>
             <a:spLocks noGrp="1"/>
           </p:cNvSpPr>
@@ -3833,7 +4713,13 @@
       </p:sp>
       <p:sp>
         <p:nvSpPr>
-          <p:cNvPr id="5" name="Slide Number Placeholder 4"/>
+          <p:cNvPr id="5" name="Slide Number Placeholder 4">
+            <a:extLst>
+              <a:ext uri="{FF2B5EF4-FFF2-40B4-BE49-F238E27FC236}">
+                <a16:creationId xmlns:a16="http://schemas.microsoft.com/office/drawing/2014/main" id="{5A4EF4AE-BDD5-4723-AF77-0467A15DFFD4}"/>
+              </a:ext>
+            </a:extLst>
+          </p:cNvPr>
           <p:cNvSpPr>
             <a:spLocks noGrp="1"/>
           </p:cNvSpPr>
@@ -3871,7 +4757,7 @@
     </p:spTree>
     <p:extLst>
       <p:ext uri="{BB962C8B-B14F-4D97-AF65-F5344CB8AC3E}">
-        <p14:creationId xmlns:p14="http://schemas.microsoft.com/office/powerpoint/2010/main" val="2898661866"/>
+        <p14:creationId xmlns:p14="http://schemas.microsoft.com/office/powerpoint/2010/main" val="2066581607"/>
       </p:ext>
     </p:extLst>
   </p:cSld>
@@ -3901,7 +4787,13 @@
       </p:grpSpPr>
       <p:sp>
         <p:nvSpPr>
-          <p:cNvPr id="2" name="Date Placeholder 1"/>
+          <p:cNvPr id="2" name="Date Placeholder 1">
+            <a:extLst>
+              <a:ext uri="{FF2B5EF4-FFF2-40B4-BE49-F238E27FC236}">
+                <a16:creationId xmlns:a16="http://schemas.microsoft.com/office/drawing/2014/main" id="{ECE13009-2B72-4B9D-936E-AC719EF535F9}"/>
+              </a:ext>
+            </a:extLst>
+          </p:cNvPr>
           <p:cNvSpPr>
             <a:spLocks noGrp="1"/>
           </p:cNvSpPr>
@@ -3916,7 +4808,7 @@
           <a:p>
             <a:fld id="{4509A250-FF31-4206-8172-F9D3106AACB1}" type="datetimeFigureOut">
               <a:rPr lang="en-US" smtClean="0"/>
-              <a:t>12/06/17</a:t>
+              <a:t>12/08/17</a:t>
             </a:fld>
             <a:endParaRPr lang="en-US" dirty="0"/>
           </a:p>
@@ -3924,7 +4816,13 @@
       </p:sp>
       <p:sp>
         <p:nvSpPr>
-          <p:cNvPr id="3" name="Footer Placeholder 2"/>
+          <p:cNvPr id="3" name="Footer Placeholder 2">
+            <a:extLst>
+              <a:ext uri="{FF2B5EF4-FFF2-40B4-BE49-F238E27FC236}">
+                <a16:creationId xmlns:a16="http://schemas.microsoft.com/office/drawing/2014/main" id="{ABA7AFB8-9950-4486-BA99-D046E965ACA3}"/>
+              </a:ext>
+            </a:extLst>
+          </p:cNvPr>
           <p:cNvSpPr>
             <a:spLocks noGrp="1"/>
           </p:cNvSpPr>
@@ -3943,7 +4841,13 @@
       </p:sp>
       <p:sp>
         <p:nvSpPr>
-          <p:cNvPr id="4" name="Slide Number Placeholder 3"/>
+          <p:cNvPr id="4" name="Slide Number Placeholder 3">
+            <a:extLst>
+              <a:ext uri="{FF2B5EF4-FFF2-40B4-BE49-F238E27FC236}">
+                <a16:creationId xmlns:a16="http://schemas.microsoft.com/office/drawing/2014/main" id="{2ABB8885-415E-4EA0-B438-773BD214A788}"/>
+              </a:ext>
+            </a:extLst>
+          </p:cNvPr>
           <p:cNvSpPr>
             <a:spLocks noGrp="1"/>
           </p:cNvSpPr>
@@ -3973,7 +4877,7 @@
     </p:spTree>
     <p:extLst>
       <p:ext uri="{BB962C8B-B14F-4D97-AF65-F5344CB8AC3E}">
-        <p14:creationId xmlns:p14="http://schemas.microsoft.com/office/powerpoint/2010/main" val="3155484517"/>
+        <p14:creationId xmlns:p14="http://schemas.microsoft.com/office/powerpoint/2010/main" val="2508195314"/>
       </p:ext>
     </p:extLst>
   </p:cSld>
@@ -4007,7 +4911,13 @@
       </p:grpSpPr>
       <p:sp>
         <p:nvSpPr>
-          <p:cNvPr id="2" name="Title 1"/>
+          <p:cNvPr id="2" name="Title 1">
+            <a:extLst>
+              <a:ext uri="{FF2B5EF4-FFF2-40B4-BE49-F238E27FC236}">
+                <a16:creationId xmlns:a16="http://schemas.microsoft.com/office/drawing/2014/main" id="{1735B4CE-3D02-49C0-A00F-EBF16AF755AD}"/>
+              </a:ext>
+            </a:extLst>
+          </p:cNvPr>
           <p:cNvSpPr>
             <a:spLocks noGrp="1"/>
           </p:cNvSpPr>
@@ -4017,20 +4927,15 @@
         </p:nvSpPr>
         <p:spPr>
           <a:xfrm>
-            <a:off x="571500" y="416609"/>
-            <a:ext cx="2879082" cy="1440767"/>
+            <a:off x="629841" y="342900"/>
+            <a:ext cx="2949178" cy="1200150"/>
           </a:xfrm>
         </p:spPr>
         <p:txBody>
-          <a:bodyPr anchor="t">
-            <a:noAutofit/>
-          </a:bodyPr>
+          <a:bodyPr anchor="b"/>
           <a:lstStyle>
             <a:lvl1pPr>
-              <a:lnSpc>
-                <a:spcPct val="93000"/>
-              </a:lnSpc>
-              <a:defRPr sz="3000"/>
+              <a:defRPr sz="2400"/>
             </a:lvl1pPr>
           </a:lstStyle>
           <a:p>
@@ -4038,13 +4943,18 @@
               <a:rPr lang="en-US"/>
               <a:t>Click to edit Master title style</a:t>
             </a:r>
-            <a:endParaRPr lang="en-US" dirty="0"/>
           </a:p>
         </p:txBody>
       </p:sp>
       <p:sp>
         <p:nvSpPr>
-          <p:cNvPr id="3" name="Content Placeholder 2"/>
+          <p:cNvPr id="3" name="Content Placeholder 2">
+            <a:extLst>
+              <a:ext uri="{FF2B5EF4-FFF2-40B4-BE49-F238E27FC236}">
+                <a16:creationId xmlns:a16="http://schemas.microsoft.com/office/drawing/2014/main" id="{13ABC7EB-698B-4428-BFFD-7A0206AB36F8}"/>
+              </a:ext>
+            </a:extLst>
+          </p:cNvPr>
           <p:cNvSpPr>
             <a:spLocks noGrp="1"/>
           </p:cNvSpPr>
@@ -4054,54 +4964,39 @@
         </p:nvSpPr>
         <p:spPr>
           <a:xfrm>
-            <a:off x="3886200" y="423110"/>
-            <a:ext cx="4686300" cy="4216983"/>
+            <a:off x="3887391" y="740569"/>
+            <a:ext cx="4629150" cy="3655219"/>
           </a:xfrm>
         </p:spPr>
         <p:txBody>
           <a:bodyPr/>
           <a:lstStyle>
             <a:lvl1pPr>
-              <a:lnSpc>
-                <a:spcPct val="112000"/>
-              </a:lnSpc>
-              <a:defRPr sz="1500"/>
+              <a:defRPr sz="2400"/>
             </a:lvl1pPr>
             <a:lvl2pPr>
-              <a:lnSpc>
-                <a:spcPct val="112000"/>
-              </a:lnSpc>
-              <a:defRPr sz="1350"/>
+              <a:defRPr sz="2100"/>
             </a:lvl2pPr>
             <a:lvl3pPr>
-              <a:lnSpc>
-                <a:spcPct val="112000"/>
-              </a:lnSpc>
-              <a:defRPr sz="1200"/>
+              <a:defRPr sz="1800"/>
             </a:lvl3pPr>
             <a:lvl4pPr>
-              <a:lnSpc>
-                <a:spcPct val="112000"/>
-              </a:lnSpc>
-              <a:defRPr sz="1050"/>
+              <a:defRPr sz="1500"/>
             </a:lvl4pPr>
             <a:lvl5pPr>
-              <a:lnSpc>
-                <a:spcPct val="112000"/>
-              </a:lnSpc>
-              <a:defRPr sz="1050"/>
+              <a:defRPr sz="1500"/>
             </a:lvl5pPr>
             <a:lvl6pPr>
-              <a:defRPr sz="1050"/>
+              <a:defRPr sz="1500"/>
             </a:lvl6pPr>
             <a:lvl7pPr>
-              <a:defRPr sz="1050"/>
+              <a:defRPr sz="1500"/>
             </a:lvl7pPr>
             <a:lvl8pPr>
-              <a:defRPr sz="1050"/>
+              <a:defRPr sz="1500"/>
             </a:lvl8pPr>
             <a:lvl9pPr>
-              <a:defRPr sz="1050"/>
+              <a:defRPr sz="1500"/>
             </a:lvl9pPr>
           </a:lstStyle>
           <a:p>
@@ -4138,13 +5033,18 @@
               <a:rPr lang="en-US"/>
               <a:t>Fifth level</a:t>
             </a:r>
-            <a:endParaRPr lang="en-US" dirty="0"/>
           </a:p>
         </p:txBody>
       </p:sp>
       <p:sp>
         <p:nvSpPr>
-          <p:cNvPr id="4" name="Text Placeholder 3"/>
+          <p:cNvPr id="4" name="Text Placeholder 3">
+            <a:extLst>
+              <a:ext uri="{FF2B5EF4-FFF2-40B4-BE49-F238E27FC236}">
+                <a16:creationId xmlns:a16="http://schemas.microsoft.com/office/drawing/2014/main" id="{86D55255-8AB4-4F5A-A0A0-D855EDA67C85}"/>
+              </a:ext>
+            </a:extLst>
+          </p:cNvPr>
           <p:cNvSpPr>
             <a:spLocks noGrp="1"/>
           </p:cNvSpPr>
@@ -4154,17 +5054,14 @@
         </p:nvSpPr>
         <p:spPr>
           <a:xfrm>
-            <a:off x="571500" y="1966134"/>
-            <a:ext cx="2879082" cy="2429653"/>
+            <a:off x="629841" y="1543050"/>
+            <a:ext cx="2949178" cy="2858691"/>
           </a:xfrm>
         </p:spPr>
         <p:txBody>
           <a:bodyPr/>
           <a:lstStyle>
-            <a:lvl1pPr marL="0" indent="0" algn="r">
-              <a:lnSpc>
-                <a:spcPct val="125000"/>
-              </a:lnSpc>
+            <a:lvl1pPr marL="0" indent="0">
               <a:buNone/>
               <a:defRPr sz="1200"/>
             </a:lvl1pPr>
@@ -4212,7 +5109,13 @@
       </p:sp>
       <p:sp>
         <p:nvSpPr>
-          <p:cNvPr id="5" name="Date Placeholder 4"/>
+          <p:cNvPr id="5" name="Date Placeholder 4">
+            <a:extLst>
+              <a:ext uri="{FF2B5EF4-FFF2-40B4-BE49-F238E27FC236}">
+                <a16:creationId xmlns:a16="http://schemas.microsoft.com/office/drawing/2014/main" id="{25A63CF9-3ABA-43C0-A2AD-791CDC93D6DB}"/>
+              </a:ext>
+            </a:extLst>
+          </p:cNvPr>
           <p:cNvSpPr>
             <a:spLocks noGrp="1"/>
           </p:cNvSpPr>
@@ -4227,7 +5130,7 @@
           <a:p>
             <a:fld id="{4509A250-FF31-4206-8172-F9D3106AACB1}" type="datetimeFigureOut">
               <a:rPr lang="en-US" smtClean="0"/>
-              <a:t>12/06/17</a:t>
+              <a:t>12/08/17</a:t>
             </a:fld>
             <a:endParaRPr lang="en-US" dirty="0"/>
           </a:p>
@@ -4235,7 +5138,13 @@
       </p:sp>
       <p:sp>
         <p:nvSpPr>
-          <p:cNvPr id="6" name="Footer Placeholder 5"/>
+          <p:cNvPr id="6" name="Footer Placeholder 5">
+            <a:extLst>
+              <a:ext uri="{FF2B5EF4-FFF2-40B4-BE49-F238E27FC236}">
+                <a16:creationId xmlns:a16="http://schemas.microsoft.com/office/drawing/2014/main" id="{4D5AFF9D-A02A-4D7C-B434-CDFF164B2507}"/>
+              </a:ext>
+            </a:extLst>
+          </p:cNvPr>
           <p:cNvSpPr>
             <a:spLocks noGrp="1"/>
           </p:cNvSpPr>
@@ -4254,7 +5163,13 @@
       </p:sp>
       <p:sp>
         <p:nvSpPr>
-          <p:cNvPr id="7" name="Slide Number Placeholder 6"/>
+          <p:cNvPr id="7" name="Slide Number Placeholder 6">
+            <a:extLst>
+              <a:ext uri="{FF2B5EF4-FFF2-40B4-BE49-F238E27FC236}">
+                <a16:creationId xmlns:a16="http://schemas.microsoft.com/office/drawing/2014/main" id="{5E2F6E95-BB25-4770-9DC1-08463CCA87AB}"/>
+              </a:ext>
+            </a:extLst>
+          </p:cNvPr>
           <p:cNvSpPr>
             <a:spLocks noGrp="1"/>
           </p:cNvSpPr>
@@ -4292,7 +5207,7 @@
     </p:spTree>
     <p:extLst>
       <p:ext uri="{BB962C8B-B14F-4D97-AF65-F5344CB8AC3E}">
-        <p14:creationId xmlns:p14="http://schemas.microsoft.com/office/powerpoint/2010/main" val="674019247"/>
+        <p14:creationId xmlns:p14="http://schemas.microsoft.com/office/powerpoint/2010/main" val="2338268545"/>
       </p:ext>
     </p:extLst>
   </p:cSld>
@@ -4327,7 +5242,13 @@
       </p:grpSpPr>
       <p:sp>
         <p:nvSpPr>
-          <p:cNvPr id="2" name="Title 1"/>
+          <p:cNvPr id="2" name="Title 1">
+            <a:extLst>
+              <a:ext uri="{FF2B5EF4-FFF2-40B4-BE49-F238E27FC236}">
+                <a16:creationId xmlns:a16="http://schemas.microsoft.com/office/drawing/2014/main" id="{71A9B3C0-8005-4FFA-B1F0-7F5BF54154B8}"/>
+              </a:ext>
+            </a:extLst>
+          </p:cNvPr>
           <p:cNvSpPr>
             <a:spLocks noGrp="1"/>
           </p:cNvSpPr>
@@ -4337,20 +5258,15 @@
         </p:nvSpPr>
         <p:spPr>
           <a:xfrm>
-            <a:off x="569214" y="417946"/>
-            <a:ext cx="2880360" cy="1439429"/>
+            <a:off x="629841" y="342900"/>
+            <a:ext cx="2949178" cy="1200150"/>
           </a:xfrm>
         </p:spPr>
         <p:txBody>
-          <a:bodyPr anchor="t">
-            <a:noAutofit/>
-          </a:bodyPr>
+          <a:bodyPr anchor="b"/>
           <a:lstStyle>
             <a:lvl1pPr>
-              <a:lnSpc>
-                <a:spcPct val="93000"/>
-              </a:lnSpc>
-              <a:defRPr sz="3000" baseline="0"/>
+              <a:defRPr sz="2400"/>
             </a:lvl1pPr>
           </a:lstStyle>
           <a:p>
@@ -4358,15 +5274,20 @@
               <a:rPr lang="en-US"/>
               <a:t>Click to edit Master title style</a:t>
             </a:r>
-            <a:endParaRPr lang="en-US" dirty="0"/>
           </a:p>
         </p:txBody>
       </p:sp>
       <p:sp>
         <p:nvSpPr>
-          <p:cNvPr id="3" name="Picture Placeholder 2"/>
+          <p:cNvPr id="3" name="Picture Placeholder 2">
+            <a:extLst>
+              <a:ext uri="{FF2B5EF4-FFF2-40B4-BE49-F238E27FC236}">
+                <a16:creationId xmlns:a16="http://schemas.microsoft.com/office/drawing/2014/main" id="{1163C069-609A-4524-8A95-7008B5508D3B}"/>
+              </a:ext>
+            </a:extLst>
+          </p:cNvPr>
           <p:cNvSpPr>
-            <a:spLocks noGrp="1" noChangeAspect="1"/>
+            <a:spLocks noGrp="1"/>
           </p:cNvSpPr>
           <p:nvPr>
             <p:ph type="pic" idx="1"/>
@@ -4374,12 +5295,12 @@
         </p:nvSpPr>
         <p:spPr>
           <a:xfrm>
-            <a:off x="3943350" y="1"/>
-            <a:ext cx="4629150" cy="5143499"/>
+            <a:off x="3887391" y="740569"/>
+            <a:ext cx="4629150" cy="3655219"/>
           </a:xfrm>
         </p:spPr>
         <p:txBody>
-          <a:bodyPr anchor="t"/>
+          <a:bodyPr/>
           <a:lstStyle>
             <a:lvl1pPr marL="0" indent="0">
               <a:buNone/>
@@ -4419,17 +5340,19 @@
             </a:lvl9pPr>
           </a:lstStyle>
           <a:p>
-            <a:r>
-              <a:rPr lang="en-US"/>
-              <a:t>Click icon to add picture</a:t>
-            </a:r>
-            <a:endParaRPr lang="en-US" dirty="0"/>
+            <a:endParaRPr lang="en-US"/>
           </a:p>
         </p:txBody>
       </p:sp>
       <p:sp>
         <p:nvSpPr>
-          <p:cNvPr id="4" name="Text Placeholder 3"/>
+          <p:cNvPr id="4" name="Text Placeholder 3">
+            <a:extLst>
+              <a:ext uri="{FF2B5EF4-FFF2-40B4-BE49-F238E27FC236}">
+                <a16:creationId xmlns:a16="http://schemas.microsoft.com/office/drawing/2014/main" id="{DB6773B2-025F-4C8B-B2A7-D538F42BE8FB}"/>
+              </a:ext>
+            </a:extLst>
+          </p:cNvPr>
           <p:cNvSpPr>
             <a:spLocks noGrp="1"/>
           </p:cNvSpPr>
@@ -4439,17 +5362,14 @@
         </p:nvSpPr>
         <p:spPr>
           <a:xfrm>
-            <a:off x="569214" y="1966134"/>
-            <a:ext cx="2880360" cy="2427732"/>
+            <a:off x="629841" y="1543050"/>
+            <a:ext cx="2949178" cy="2858691"/>
           </a:xfrm>
         </p:spPr>
         <p:txBody>
           <a:bodyPr/>
           <a:lstStyle>
-            <a:lvl1pPr marL="0" indent="0" algn="r">
-              <a:lnSpc>
-                <a:spcPct val="125000"/>
-              </a:lnSpc>
+            <a:lvl1pPr marL="0" indent="0">
               <a:buNone/>
               <a:defRPr sz="1200"/>
             </a:lvl1pPr>
@@ -4497,7 +5417,13 @@
       </p:sp>
       <p:sp>
         <p:nvSpPr>
-          <p:cNvPr id="5" name="Date Placeholder 4"/>
+          <p:cNvPr id="5" name="Date Placeholder 4">
+            <a:extLst>
+              <a:ext uri="{FF2B5EF4-FFF2-40B4-BE49-F238E27FC236}">
+                <a16:creationId xmlns:a16="http://schemas.microsoft.com/office/drawing/2014/main" id="{CD3EA87A-3C35-4781-A142-0D5EDF6A54DF}"/>
+              </a:ext>
+            </a:extLst>
+          </p:cNvPr>
           <p:cNvSpPr>
             <a:spLocks noGrp="1"/>
           </p:cNvSpPr>
@@ -4512,7 +5438,7 @@
           <a:p>
             <a:fld id="{4509A250-FF31-4206-8172-F9D3106AACB1}" type="datetimeFigureOut">
               <a:rPr lang="en-US" smtClean="0"/>
-              <a:t>12/06/17</a:t>
+              <a:t>12/08/17</a:t>
             </a:fld>
             <a:endParaRPr lang="en-US" dirty="0"/>
           </a:p>
@@ -4520,7 +5446,13 @@
       </p:sp>
       <p:sp>
         <p:nvSpPr>
-          <p:cNvPr id="6" name="Footer Placeholder 5"/>
+          <p:cNvPr id="6" name="Footer Placeholder 5">
+            <a:extLst>
+              <a:ext uri="{FF2B5EF4-FFF2-40B4-BE49-F238E27FC236}">
+                <a16:creationId xmlns:a16="http://schemas.microsoft.com/office/drawing/2014/main" id="{378A38C9-2EB8-4C0D-967B-2E6548E55D24}"/>
+              </a:ext>
+            </a:extLst>
+          </p:cNvPr>
           <p:cNvSpPr>
             <a:spLocks noGrp="1"/>
           </p:cNvSpPr>
@@ -4539,7 +5471,13 @@
       </p:sp>
       <p:sp>
         <p:nvSpPr>
-          <p:cNvPr id="7" name="Slide Number Placeholder 6"/>
+          <p:cNvPr id="7" name="Slide Number Placeholder 6">
+            <a:extLst>
+              <a:ext uri="{FF2B5EF4-FFF2-40B4-BE49-F238E27FC236}">
+                <a16:creationId xmlns:a16="http://schemas.microsoft.com/office/drawing/2014/main" id="{DE978BEB-9E61-4CF0-9604-A485FDE7320D}"/>
+              </a:ext>
+            </a:extLst>
+          </p:cNvPr>
           <p:cNvSpPr>
             <a:spLocks noGrp="1"/>
           </p:cNvSpPr>
@@ -4577,7 +5515,7 @@
     </p:spTree>
     <p:extLst>
       <p:ext uri="{BB962C8B-B14F-4D97-AF65-F5344CB8AC3E}">
-        <p14:creationId xmlns:p14="http://schemas.microsoft.com/office/powerpoint/2010/main" val="2058377143"/>
+        <p14:creationId xmlns:p14="http://schemas.microsoft.com/office/powerpoint/2010/main" val="4072481477"/>
       </p:ext>
     </p:extLst>
   </p:cSld>
@@ -4592,12 +5530,9 @@
 <p:sldMaster xmlns:a="http://schemas.openxmlformats.org/drawingml/2006/main" xmlns:r="http://schemas.openxmlformats.org/officeDocument/2006/relationships" xmlns:p="http://schemas.openxmlformats.org/presentationml/2006/main">
   <p:cSld>
     <p:bg>
-      <p:bgPr>
-        <a:solidFill>
-          <a:schemeClr val="bg2"/>
-        </a:solidFill>
-        <a:effectLst/>
-      </p:bgPr>
+      <p:bgRef idx="1001">
+        <a:schemeClr val="bg1"/>
+      </p:bgRef>
     </p:bg>
     <p:spTree>
       <p:nvGrpSpPr>
@@ -4615,207 +5550,13 @@
       </p:grpSpPr>
       <p:sp>
         <p:nvSpPr>
-          <p:cNvPr id="20" name="Freeform 6" title="Page Number Shape"/>
-          <p:cNvSpPr/>
-          <p:nvPr/>
-        </p:nvSpPr>
-        <p:spPr bwMode="auto">
-          <a:xfrm>
-            <a:off x="8838008" y="4035435"/>
-            <a:ext cx="305991" cy="614363"/>
-          </a:xfrm>
-          <a:custGeom>
-            <a:avLst/>
-            <a:gdLst/>
-            <a:ahLst/>
-            <a:cxnLst/>
-            <a:rect l="0" t="0" r="r" b="b"/>
-            <a:pathLst>
-              <a:path w="1799" h="3612">
-                <a:moveTo>
-                  <a:pt x="1799" y="0"/>
-                </a:moveTo>
-                <a:lnTo>
-                  <a:pt x="1799" y="3612"/>
-                </a:lnTo>
-                <a:lnTo>
-                  <a:pt x="1686" y="3609"/>
-                </a:lnTo>
-                <a:lnTo>
-                  <a:pt x="1574" y="3598"/>
-                </a:lnTo>
-                <a:lnTo>
-                  <a:pt x="1464" y="3581"/>
-                </a:lnTo>
-                <a:lnTo>
-                  <a:pt x="1357" y="3557"/>
-                </a:lnTo>
-                <a:lnTo>
-                  <a:pt x="1251" y="3527"/>
-                </a:lnTo>
-                <a:lnTo>
-                  <a:pt x="1150" y="3490"/>
-                </a:lnTo>
-                <a:lnTo>
-                  <a:pt x="1050" y="3448"/>
-                </a:lnTo>
-                <a:lnTo>
-                  <a:pt x="953" y="3401"/>
-                </a:lnTo>
-                <a:lnTo>
-                  <a:pt x="860" y="3347"/>
-                </a:lnTo>
-                <a:lnTo>
-                  <a:pt x="771" y="3289"/>
-                </a:lnTo>
-                <a:lnTo>
-                  <a:pt x="686" y="3224"/>
-                </a:lnTo>
-                <a:lnTo>
-                  <a:pt x="604" y="3156"/>
-                </a:lnTo>
-                <a:lnTo>
-                  <a:pt x="527" y="3083"/>
-                </a:lnTo>
-                <a:lnTo>
-                  <a:pt x="454" y="3005"/>
-                </a:lnTo>
-                <a:lnTo>
-                  <a:pt x="386" y="2923"/>
-                </a:lnTo>
-                <a:lnTo>
-                  <a:pt x="323" y="2838"/>
-                </a:lnTo>
-                <a:lnTo>
-                  <a:pt x="265" y="2748"/>
-                </a:lnTo>
-                <a:lnTo>
-                  <a:pt x="211" y="2655"/>
-                </a:lnTo>
-                <a:lnTo>
-                  <a:pt x="163" y="2559"/>
-                </a:lnTo>
-                <a:lnTo>
-                  <a:pt x="121" y="2459"/>
-                </a:lnTo>
-                <a:lnTo>
-                  <a:pt x="85" y="2356"/>
-                </a:lnTo>
-                <a:lnTo>
-                  <a:pt x="55" y="2251"/>
-                </a:lnTo>
-                <a:lnTo>
-                  <a:pt x="32" y="2143"/>
-                </a:lnTo>
-                <a:lnTo>
-                  <a:pt x="14" y="2033"/>
-                </a:lnTo>
-                <a:lnTo>
-                  <a:pt x="4" y="1920"/>
-                </a:lnTo>
-                <a:lnTo>
-                  <a:pt x="0" y="1806"/>
-                </a:lnTo>
-                <a:lnTo>
-                  <a:pt x="4" y="1692"/>
-                </a:lnTo>
-                <a:lnTo>
-                  <a:pt x="14" y="1580"/>
-                </a:lnTo>
-                <a:lnTo>
-                  <a:pt x="32" y="1469"/>
-                </a:lnTo>
-                <a:lnTo>
-                  <a:pt x="55" y="1362"/>
-                </a:lnTo>
-                <a:lnTo>
-                  <a:pt x="85" y="1256"/>
-                </a:lnTo>
-                <a:lnTo>
-                  <a:pt x="121" y="1154"/>
-                </a:lnTo>
-                <a:lnTo>
-                  <a:pt x="163" y="1054"/>
-                </a:lnTo>
-                <a:lnTo>
-                  <a:pt x="211" y="958"/>
-                </a:lnTo>
-                <a:lnTo>
-                  <a:pt x="265" y="864"/>
-                </a:lnTo>
-                <a:lnTo>
-                  <a:pt x="323" y="774"/>
-                </a:lnTo>
-                <a:lnTo>
-                  <a:pt x="386" y="689"/>
-                </a:lnTo>
-                <a:lnTo>
-                  <a:pt x="454" y="607"/>
-                </a:lnTo>
-                <a:lnTo>
-                  <a:pt x="527" y="529"/>
-                </a:lnTo>
-                <a:lnTo>
-                  <a:pt x="604" y="456"/>
-                </a:lnTo>
-                <a:lnTo>
-                  <a:pt x="686" y="388"/>
-                </a:lnTo>
-                <a:lnTo>
-                  <a:pt x="771" y="325"/>
-                </a:lnTo>
-                <a:lnTo>
-                  <a:pt x="860" y="266"/>
-                </a:lnTo>
-                <a:lnTo>
-                  <a:pt x="953" y="212"/>
-                </a:lnTo>
-                <a:lnTo>
-                  <a:pt x="1050" y="164"/>
-                </a:lnTo>
-                <a:lnTo>
-                  <a:pt x="1150" y="122"/>
-                </a:lnTo>
-                <a:lnTo>
-                  <a:pt x="1251" y="85"/>
-                </a:lnTo>
-                <a:lnTo>
-                  <a:pt x="1357" y="55"/>
-                </a:lnTo>
-                <a:lnTo>
-                  <a:pt x="1464" y="32"/>
-                </a:lnTo>
-                <a:lnTo>
-                  <a:pt x="1574" y="14"/>
-                </a:lnTo>
-                <a:lnTo>
-                  <a:pt x="1686" y="5"/>
-                </a:lnTo>
-                <a:lnTo>
-                  <a:pt x="1799" y="0"/>
-                </a:lnTo>
-                <a:close/>
-              </a:path>
-            </a:pathLst>
-          </a:custGeom>
-          <a:solidFill>
-            <a:schemeClr val="tx1">
-              <a:lumMod val="85000"/>
-              <a:lumOff val="15000"/>
-            </a:schemeClr>
-          </a:solidFill>
-          <a:ln w="0">
-            <a:noFill/>
-            <a:prstDash val="solid"/>
-            <a:round/>
-            <a:headEnd/>
-            <a:tailEnd/>
-          </a:ln>
-        </p:spPr>
-      </p:sp>
-      <p:sp>
-        <p:nvSpPr>
-          <p:cNvPr id="2" name="Title Placeholder 1"/>
+          <p:cNvPr id="2" name="Title Placeholder 1">
+            <a:extLst>
+              <a:ext uri="{FF2B5EF4-FFF2-40B4-BE49-F238E27FC236}">
+                <a16:creationId xmlns:a16="http://schemas.microsoft.com/office/drawing/2014/main" id="{E2EFEC7B-FAC1-44E9-89A5-F73C0986F8E9}"/>
+              </a:ext>
+            </a:extLst>
+          </p:cNvPr>
           <p:cNvSpPr>
             <a:spLocks noGrp="1"/>
           </p:cNvSpPr>
@@ -4825,15 +5566,15 @@
         </p:nvSpPr>
         <p:spPr>
           <a:xfrm>
-            <a:off x="571500" y="419759"/>
-            <a:ext cx="2875430" cy="3714369"/>
+            <a:off x="628650" y="273844"/>
+            <a:ext cx="7886700" cy="994172"/>
           </a:xfrm>
           <a:prstGeom prst="rect">
             <a:avLst/>
           </a:prstGeom>
         </p:spPr>
         <p:txBody>
-          <a:bodyPr vert="horz" lIns="91440" tIns="45720" rIns="91440" bIns="45720" rtlCol="0" anchor="t">
+          <a:bodyPr vert="horz" lIns="91440" tIns="45720" rIns="91440" bIns="45720" rtlCol="0" anchor="ctr">
             <a:normAutofit/>
           </a:bodyPr>
           <a:lstStyle/>
@@ -4842,13 +5583,18 @@
               <a:rPr lang="en-US"/>
               <a:t>Click to edit Master title style</a:t>
             </a:r>
-            <a:endParaRPr lang="en-US" dirty="0"/>
           </a:p>
         </p:txBody>
       </p:sp>
       <p:sp>
         <p:nvSpPr>
-          <p:cNvPr id="3" name="Text Placeholder 2"/>
+          <p:cNvPr id="3" name="Text Placeholder 2">
+            <a:extLst>
+              <a:ext uri="{FF2B5EF4-FFF2-40B4-BE49-F238E27FC236}">
+                <a16:creationId xmlns:a16="http://schemas.microsoft.com/office/drawing/2014/main" id="{73C3103A-4AD9-4EFB-A76F-36D72944AD60}"/>
+              </a:ext>
+            </a:extLst>
+          </p:cNvPr>
           <p:cNvSpPr>
             <a:spLocks noGrp="1"/>
           </p:cNvSpPr>
@@ -4858,8 +5604,8 @@
         </p:nvSpPr>
         <p:spPr>
           <a:xfrm>
-            <a:off x="3886200" y="426800"/>
-            <a:ext cx="4686299" cy="4241367"/>
+            <a:off x="628650" y="1369219"/>
+            <a:ext cx="7886700" cy="3263504"/>
           </a:xfrm>
           <a:prstGeom prst="rect">
             <a:avLst/>
@@ -4904,13 +5650,18 @@
               <a:rPr lang="en-US"/>
               <a:t>Fifth level</a:t>
             </a:r>
-            <a:endParaRPr lang="en-US" dirty="0"/>
           </a:p>
         </p:txBody>
       </p:sp>
       <p:sp>
         <p:nvSpPr>
-          <p:cNvPr id="4" name="Date Placeholder 3"/>
+          <p:cNvPr id="4" name="Date Placeholder 3">
+            <a:extLst>
+              <a:ext uri="{FF2B5EF4-FFF2-40B4-BE49-F238E27FC236}">
+                <a16:creationId xmlns:a16="http://schemas.microsoft.com/office/drawing/2014/main" id="{542898CC-D338-4086-B0CB-262ADB058BD1}"/>
+              </a:ext>
+            </a:extLst>
+          </p:cNvPr>
           <p:cNvSpPr>
             <a:spLocks noGrp="1"/>
           </p:cNvSpPr>
@@ -4920,32 +5671,30 @@
         </p:nvSpPr>
         <p:spPr>
           <a:xfrm>
-            <a:off x="571501" y="4447545"/>
-            <a:ext cx="2861142" cy="273844"/>
+            <a:off x="628650" y="4767263"/>
+            <a:ext cx="2057400" cy="273844"/>
           </a:xfrm>
           <a:prstGeom prst="rect">
             <a:avLst/>
           </a:prstGeom>
         </p:spPr>
         <p:txBody>
-          <a:bodyPr vert="horz" lIns="91440" tIns="45720" rIns="91440" bIns="45720" rtlCol="0" anchor="t"/>
+          <a:bodyPr vert="horz" lIns="91440" tIns="45720" rIns="91440" bIns="45720" rtlCol="0" anchor="ctr"/>
           <a:lstStyle>
-            <a:lvl1pPr algn="r">
-              <a:defRPr sz="750" b="0" i="1" baseline="0">
+            <a:lvl1pPr algn="l">
+              <a:defRPr sz="900">
                 <a:solidFill>
                   <a:schemeClr val="tx1">
-                    <a:lumMod val="85000"/>
-                    <a:lumOff val="15000"/>
+                    <a:tint val="75000"/>
                   </a:schemeClr>
                 </a:solidFill>
-                <a:latin typeface="+mj-lt"/>
               </a:defRPr>
             </a:lvl1pPr>
           </a:lstStyle>
           <a:p>
             <a:fld id="{4AAD347D-5ACD-4C99-B74B-A9C85AD731AF}" type="datetimeFigureOut">
               <a:rPr lang="en-US" smtClean="0"/>
-              <a:t>12/06/17</a:t>
+              <a:t>12/08/17</a:t>
             </a:fld>
             <a:endParaRPr lang="en-US" dirty="0"/>
           </a:p>
@@ -4953,7 +5702,13 @@
       </p:sp>
       <p:sp>
         <p:nvSpPr>
-          <p:cNvPr id="5" name="Footer Placeholder 4"/>
+          <p:cNvPr id="5" name="Footer Placeholder 4">
+            <a:extLst>
+              <a:ext uri="{FF2B5EF4-FFF2-40B4-BE49-F238E27FC236}">
+                <a16:creationId xmlns:a16="http://schemas.microsoft.com/office/drawing/2014/main" id="{E86F2276-7573-4C41-B60A-B5246FAA023D}"/>
+              </a:ext>
+            </a:extLst>
+          </p:cNvPr>
           <p:cNvSpPr>
             <a:spLocks noGrp="1"/>
           </p:cNvSpPr>
@@ -4963,25 +5718,23 @@
         </p:nvSpPr>
         <p:spPr>
           <a:xfrm>
-            <a:off x="571501" y="4735830"/>
-            <a:ext cx="2861142" cy="273844"/>
+            <a:off x="3028950" y="4767263"/>
+            <a:ext cx="3086100" cy="273844"/>
           </a:xfrm>
           <a:prstGeom prst="rect">
             <a:avLst/>
           </a:prstGeom>
         </p:spPr>
         <p:txBody>
-          <a:bodyPr vert="horz" lIns="91440" tIns="45720" rIns="91440" bIns="45720" rtlCol="0" anchor="t"/>
+          <a:bodyPr vert="horz" lIns="91440" tIns="45720" rIns="91440" bIns="45720" rtlCol="0" anchor="ctr"/>
           <a:lstStyle>
-            <a:lvl1pPr algn="r">
-              <a:defRPr sz="900" b="1" i="1" baseline="0">
+            <a:lvl1pPr algn="ctr">
+              <a:defRPr sz="900">
                 <a:solidFill>
                   <a:schemeClr val="tx1">
-                    <a:lumMod val="85000"/>
-                    <a:lumOff val="15000"/>
+                    <a:tint val="75000"/>
                   </a:schemeClr>
                 </a:solidFill>
-                <a:latin typeface="+mj-lt"/>
               </a:defRPr>
             </a:lvl1pPr>
           </a:lstStyle>
@@ -4992,7 +5745,13 @@
       </p:sp>
       <p:sp>
         <p:nvSpPr>
-          <p:cNvPr id="6" name="Slide Number Placeholder 5"/>
+          <p:cNvPr id="6" name="Slide Number Placeholder 5">
+            <a:extLst>
+              <a:ext uri="{FF2B5EF4-FFF2-40B4-BE49-F238E27FC236}">
+                <a16:creationId xmlns:a16="http://schemas.microsoft.com/office/drawing/2014/main" id="{F16D8357-7583-432A-81F4-904FB071C537}"/>
+              </a:ext>
+            </a:extLst>
+          </p:cNvPr>
           <p:cNvSpPr>
             <a:spLocks noGrp="1"/>
           </p:cNvSpPr>
@@ -5002,8 +5761,8 @@
         </p:nvSpPr>
         <p:spPr>
           <a:xfrm>
-            <a:off x="8838008" y="4205694"/>
-            <a:ext cx="305991" cy="273844"/>
+            <a:off x="6457950" y="4767263"/>
+            <a:ext cx="2057400" cy="273844"/>
           </a:xfrm>
           <a:prstGeom prst="rect">
             <a:avLst/>
@@ -5013,11 +5772,12 @@
           <a:bodyPr vert="horz" lIns="91440" tIns="45720" rIns="91440" bIns="45720" rtlCol="0" anchor="ctr"/>
           <a:lstStyle>
             <a:lvl1pPr algn="r">
-              <a:defRPr sz="900" b="0" i="1" baseline="0">
+              <a:defRPr sz="900">
                 <a:solidFill>
-                  <a:schemeClr val="bg2"/>
+                  <a:schemeClr val="tx1">
+                    <a:tint val="75000"/>
+                  </a:schemeClr>
                 </a:solidFill>
-                <a:latin typeface="+mj-lt"/>
               </a:defRPr>
             </a:lvl1pPr>
           </a:lstStyle>
@@ -5044,70 +5804,32 @@
           </a:p>
         </p:txBody>
       </p:sp>
-      <p:cxnSp>
-        <p:nvCxnSpPr>
-          <p:cNvPr id="10" name="Straight Connector 9" title="Horizontal Rule Line"/>
-          <p:cNvCxnSpPr/>
-          <p:nvPr/>
-        </p:nvCxnSpPr>
-        <p:spPr>
-          <a:xfrm>
-            <a:off x="0" y="4649798"/>
-            <a:ext cx="3371850" cy="0"/>
-          </a:xfrm>
-          <a:prstGeom prst="line">
-            <a:avLst/>
-          </a:prstGeom>
-          <a:ln w="25400">
-            <a:solidFill>
-              <a:schemeClr val="tx1">
-                <a:lumMod val="85000"/>
-                <a:lumOff val="15000"/>
-              </a:schemeClr>
-            </a:solidFill>
-          </a:ln>
-        </p:spPr>
-        <p:style>
-          <a:lnRef idx="1">
-            <a:schemeClr val="accent1"/>
-          </a:lnRef>
-          <a:fillRef idx="0">
-            <a:schemeClr val="accent1"/>
-          </a:fillRef>
-          <a:effectRef idx="0">
-            <a:schemeClr val="accent1"/>
-          </a:effectRef>
-          <a:fontRef idx="minor">
-            <a:schemeClr val="tx1"/>
-          </a:fontRef>
-        </p:style>
-      </p:cxnSp>
     </p:spTree>
     <p:extLst>
       <p:ext uri="{BB962C8B-B14F-4D97-AF65-F5344CB8AC3E}">
-        <p14:creationId xmlns:p14="http://schemas.microsoft.com/office/powerpoint/2010/main" val="1351145280"/>
+        <p14:creationId xmlns:p14="http://schemas.microsoft.com/office/powerpoint/2010/main" val="2730296343"/>
       </p:ext>
     </p:extLst>
   </p:cSld>
   <p:clrMap bg1="lt1" tx1="dk1" bg2="lt2" tx2="dk2" accent1="accent1" accent2="accent2" accent3="accent3" accent4="accent4" accent5="accent5" accent6="accent6" hlink="hlink" folHlink="folHlink"/>
   <p:sldLayoutIdLst>
-    <p:sldLayoutId id="2147483783" r:id="rId1"/>
-    <p:sldLayoutId id="2147483784" r:id="rId2"/>
-    <p:sldLayoutId id="2147483785" r:id="rId3"/>
-    <p:sldLayoutId id="2147483786" r:id="rId4"/>
-    <p:sldLayoutId id="2147483787" r:id="rId5"/>
-    <p:sldLayoutId id="2147483788" r:id="rId6"/>
-    <p:sldLayoutId id="2147483789" r:id="rId7"/>
-    <p:sldLayoutId id="2147483790" r:id="rId8"/>
-    <p:sldLayoutId id="2147483791" r:id="rId9"/>
-    <p:sldLayoutId id="2147483792" r:id="rId10"/>
-    <p:sldLayoutId id="2147483793" r:id="rId11"/>
-    <p:sldLayoutId id="2147483794" r:id="rId12"/>
+    <p:sldLayoutId id="2147483796" r:id="rId1"/>
+    <p:sldLayoutId id="2147483797" r:id="rId2"/>
+    <p:sldLayoutId id="2147483798" r:id="rId3"/>
+    <p:sldLayoutId id="2147483799" r:id="rId4"/>
+    <p:sldLayoutId id="2147483800" r:id="rId5"/>
+    <p:sldLayoutId id="2147483801" r:id="rId6"/>
+    <p:sldLayoutId id="2147483802" r:id="rId7"/>
+    <p:sldLayoutId id="2147483803" r:id="rId8"/>
+    <p:sldLayoutId id="2147483804" r:id="rId9"/>
+    <p:sldLayoutId id="2147483805" r:id="rId10"/>
+    <p:sldLayoutId id="2147483806" r:id="rId11"/>
+    <p:sldLayoutId id="2147483807" r:id="rId12"/>
   </p:sldLayoutIdLst>
   <p:hf sldNum="0" hdr="0" ftr="0" dt="0"/>
   <p:txStyles>
     <p:titleStyle>
-      <a:lvl1pPr algn="r" defTabSz="685800" rtl="0" eaLnBrk="1" latinLnBrk="0" hangingPunct="1">
+      <a:lvl1pPr algn="l" defTabSz="685800" rtl="0" eaLnBrk="1" latinLnBrk="0" hangingPunct="1">
         <a:lnSpc>
           <a:spcPct val="90000"/>
         </a:lnSpc>
@@ -5115,12 +5837,9 @@
           <a:spcPct val="0"/>
         </a:spcBef>
         <a:buNone/>
-        <a:defRPr sz="3750" b="0" i="1" kern="1200" baseline="0">
+        <a:defRPr sz="3300" kern="1200">
           <a:solidFill>
-            <a:schemeClr val="tx1">
-              <a:lumMod val="85000"/>
-              <a:lumOff val="15000"/>
-            </a:schemeClr>
+            <a:schemeClr val="tx1"/>
           </a:solidFill>
           <a:latin typeface="+mj-lt"/>
           <a:ea typeface="+mj-ea"/>
@@ -5129,189 +5848,162 @@
       </a:lvl1pPr>
     </p:titleStyle>
     <p:bodyStyle>
-      <a:lvl1pPr marL="212598" indent="-212598" algn="l" defTabSz="685800" rtl="0" eaLnBrk="1" latinLnBrk="0" hangingPunct="1">
+      <a:lvl1pPr marL="171450" indent="-171450" algn="l" defTabSz="685800" rtl="0" eaLnBrk="1" latinLnBrk="0" hangingPunct="1">
         <a:lnSpc>
-          <a:spcPct val="112000"/>
+          <a:spcPct val="90000"/>
         </a:lnSpc>
         <a:spcBef>
-          <a:spcPts val="675"/>
+          <a:spcPts val="750"/>
         </a:spcBef>
         <a:buFont typeface="Arial" panose="020B0604020202020204" pitchFamily="34" charset="0"/>
         <a:buChar char="•"/>
-        <a:defRPr sz="1500" kern="1200" baseline="0">
+        <a:defRPr sz="2100" kern="1200">
           <a:solidFill>
-            <a:schemeClr val="tx1">
-              <a:lumMod val="85000"/>
-              <a:lumOff val="15000"/>
-            </a:schemeClr>
+            <a:schemeClr val="tx1"/>
           </a:solidFill>
           <a:latin typeface="+mn-lt"/>
           <a:ea typeface="+mn-ea"/>
           <a:cs typeface="+mn-cs"/>
         </a:defRPr>
       </a:lvl1pPr>
-      <a:lvl2pPr marL="514350" indent="-212598" algn="l" defTabSz="685800" rtl="0" eaLnBrk="1" latinLnBrk="0" hangingPunct="1">
+      <a:lvl2pPr marL="514350" indent="-171450" algn="l" defTabSz="685800" rtl="0" eaLnBrk="1" latinLnBrk="0" hangingPunct="1">
         <a:lnSpc>
-          <a:spcPct val="112000"/>
+          <a:spcPct val="90000"/>
         </a:lnSpc>
         <a:spcBef>
-          <a:spcPts val="675"/>
+          <a:spcPts val="375"/>
         </a:spcBef>
-        <a:buFont typeface="Corbel" panose="020B0503020204020204" pitchFamily="34" charset="0"/>
-        <a:buChar char="–"/>
-        <a:defRPr sz="1350" kern="1200" baseline="0">
+        <a:buFont typeface="Arial" panose="020B0604020202020204" pitchFamily="34" charset="0"/>
+        <a:buChar char="•"/>
+        <a:defRPr sz="1800" kern="1200">
           <a:solidFill>
-            <a:schemeClr val="tx1">
-              <a:lumMod val="85000"/>
-              <a:lumOff val="15000"/>
-            </a:schemeClr>
+            <a:schemeClr val="tx1"/>
           </a:solidFill>
           <a:latin typeface="+mn-lt"/>
           <a:ea typeface="+mn-ea"/>
           <a:cs typeface="+mn-cs"/>
         </a:defRPr>
       </a:lvl2pPr>
-      <a:lvl3pPr marL="857250" indent="-212598" algn="l" defTabSz="685800" rtl="0" eaLnBrk="1" latinLnBrk="0" hangingPunct="1">
+      <a:lvl3pPr marL="857250" indent="-171450" algn="l" defTabSz="685800" rtl="0" eaLnBrk="1" latinLnBrk="0" hangingPunct="1">
         <a:lnSpc>
-          <a:spcPct val="112000"/>
+          <a:spcPct val="90000"/>
         </a:lnSpc>
         <a:spcBef>
-          <a:spcPts val="675"/>
+          <a:spcPts val="375"/>
         </a:spcBef>
         <a:buFont typeface="Arial" panose="020B0604020202020204" pitchFamily="34" charset="0"/>
         <a:buChar char="•"/>
-        <a:defRPr sz="1200" kern="1200" baseline="0">
+        <a:defRPr sz="1500" kern="1200">
           <a:solidFill>
-            <a:schemeClr val="tx1">
-              <a:lumMod val="85000"/>
-              <a:lumOff val="15000"/>
-            </a:schemeClr>
+            <a:schemeClr val="tx1"/>
           </a:solidFill>
           <a:latin typeface="+mn-lt"/>
           <a:ea typeface="+mn-ea"/>
           <a:cs typeface="+mn-cs"/>
         </a:defRPr>
       </a:lvl3pPr>
-      <a:lvl4pPr marL="1200150" indent="-212598" algn="l" defTabSz="685800" rtl="0" eaLnBrk="1" latinLnBrk="0" hangingPunct="1">
+      <a:lvl4pPr marL="1200150" indent="-171450" algn="l" defTabSz="685800" rtl="0" eaLnBrk="1" latinLnBrk="0" hangingPunct="1">
         <a:lnSpc>
-          <a:spcPct val="112000"/>
+          <a:spcPct val="90000"/>
         </a:lnSpc>
         <a:spcBef>
-          <a:spcPts val="675"/>
+          <a:spcPts val="375"/>
         </a:spcBef>
-        <a:buFont typeface="Corbel" panose="020B0503020204020204" pitchFamily="34" charset="0"/>
-        <a:buChar char="–"/>
-        <a:defRPr sz="1050" kern="1200" baseline="0">
+        <a:buFont typeface="Arial" panose="020B0604020202020204" pitchFamily="34" charset="0"/>
+        <a:buChar char="•"/>
+        <a:defRPr sz="1350" kern="1200">
           <a:solidFill>
-            <a:schemeClr val="tx1">
-              <a:lumMod val="85000"/>
-              <a:lumOff val="15000"/>
-            </a:schemeClr>
+            <a:schemeClr val="tx1"/>
           </a:solidFill>
           <a:latin typeface="+mn-lt"/>
           <a:ea typeface="+mn-ea"/>
           <a:cs typeface="+mn-cs"/>
         </a:defRPr>
       </a:lvl4pPr>
-      <a:lvl5pPr marL="1543050" indent="-212598" algn="l" defTabSz="685800" rtl="0" eaLnBrk="1" latinLnBrk="0" hangingPunct="1">
+      <a:lvl5pPr marL="1543050" indent="-171450" algn="l" defTabSz="685800" rtl="0" eaLnBrk="1" latinLnBrk="0" hangingPunct="1">
         <a:lnSpc>
-          <a:spcPct val="112000"/>
+          <a:spcPct val="90000"/>
         </a:lnSpc>
         <a:spcBef>
-          <a:spcPts val="675"/>
+          <a:spcPts val="375"/>
         </a:spcBef>
         <a:buFont typeface="Arial" panose="020B0604020202020204" pitchFamily="34" charset="0"/>
         <a:buChar char="•"/>
-        <a:defRPr sz="1050" i="1" kern="1200" baseline="0">
+        <a:defRPr sz="1350" kern="1200">
           <a:solidFill>
-            <a:schemeClr val="tx1">
-              <a:lumMod val="85000"/>
-              <a:lumOff val="15000"/>
-            </a:schemeClr>
+            <a:schemeClr val="tx1"/>
           </a:solidFill>
           <a:latin typeface="+mn-lt"/>
           <a:ea typeface="+mn-ea"/>
           <a:cs typeface="+mn-cs"/>
         </a:defRPr>
       </a:lvl5pPr>
-      <a:lvl6pPr marL="1885950" indent="-212598" algn="l" defTabSz="685800" rtl="0" eaLnBrk="1" latinLnBrk="0" hangingPunct="1">
+      <a:lvl6pPr marL="1885950" indent="-171450" algn="l" defTabSz="685800" rtl="0" eaLnBrk="1" latinLnBrk="0" hangingPunct="1">
         <a:lnSpc>
-          <a:spcPct val="112000"/>
+          <a:spcPct val="90000"/>
         </a:lnSpc>
         <a:spcBef>
-          <a:spcPts val="975"/>
+          <a:spcPts val="375"/>
         </a:spcBef>
-        <a:buFont typeface="Corbel" panose="020B0503020204020204" pitchFamily="34" charset="0"/>
-        <a:buChar char="–"/>
-        <a:defRPr sz="1050" kern="1200">
+        <a:buFont typeface="Arial" panose="020B0604020202020204" pitchFamily="34" charset="0"/>
+        <a:buChar char="•"/>
+        <a:defRPr sz="1350" kern="1200">
           <a:solidFill>
-            <a:schemeClr val="tx1">
-              <a:lumMod val="85000"/>
-              <a:lumOff val="15000"/>
-            </a:schemeClr>
+            <a:schemeClr val="tx1"/>
           </a:solidFill>
           <a:latin typeface="+mn-lt"/>
           <a:ea typeface="+mn-ea"/>
           <a:cs typeface="+mn-cs"/>
         </a:defRPr>
       </a:lvl6pPr>
-      <a:lvl7pPr marL="2228850" indent="-212598" algn="l" defTabSz="685800" rtl="0" eaLnBrk="1" latinLnBrk="0" hangingPunct="1">
+      <a:lvl7pPr marL="2228850" indent="-171450" algn="l" defTabSz="685800" rtl="0" eaLnBrk="1" latinLnBrk="0" hangingPunct="1">
         <a:lnSpc>
-          <a:spcPct val="112000"/>
+          <a:spcPct val="90000"/>
         </a:lnSpc>
         <a:spcBef>
-          <a:spcPts val="975"/>
+          <a:spcPts val="375"/>
         </a:spcBef>
         <a:buFont typeface="Arial" panose="020B0604020202020204" pitchFamily="34" charset="0"/>
         <a:buChar char="•"/>
-        <a:defRPr sz="1050" i="1" kern="1200">
+        <a:defRPr sz="1350" kern="1200">
           <a:solidFill>
-            <a:schemeClr val="tx1">
-              <a:lumMod val="85000"/>
-              <a:lumOff val="15000"/>
-            </a:schemeClr>
+            <a:schemeClr val="tx1"/>
           </a:solidFill>
           <a:latin typeface="+mn-lt"/>
           <a:ea typeface="+mn-ea"/>
           <a:cs typeface="+mn-cs"/>
         </a:defRPr>
       </a:lvl7pPr>
-      <a:lvl8pPr marL="2571750" indent="-212598" algn="l" defTabSz="685800" rtl="0" eaLnBrk="1" latinLnBrk="0" hangingPunct="1">
+      <a:lvl8pPr marL="2571750" indent="-171450" algn="l" defTabSz="685800" rtl="0" eaLnBrk="1" latinLnBrk="0" hangingPunct="1">
         <a:lnSpc>
-          <a:spcPct val="112000"/>
+          <a:spcPct val="90000"/>
         </a:lnSpc>
         <a:spcBef>
-          <a:spcPts val="975"/>
+          <a:spcPts val="375"/>
         </a:spcBef>
-        <a:buFont typeface="Corbel" panose="020B0503020204020204" pitchFamily="34" charset="0"/>
-        <a:buChar char="–"/>
-        <a:defRPr sz="1050" kern="1200">
+        <a:buFont typeface="Arial" panose="020B0604020202020204" pitchFamily="34" charset="0"/>
+        <a:buChar char="•"/>
+        <a:defRPr sz="1350" kern="1200">
           <a:solidFill>
-            <a:schemeClr val="tx1">
-              <a:lumMod val="85000"/>
-              <a:lumOff val="15000"/>
-            </a:schemeClr>
+            <a:schemeClr val="tx1"/>
           </a:solidFill>
           <a:latin typeface="+mn-lt"/>
           <a:ea typeface="+mn-ea"/>
           <a:cs typeface="+mn-cs"/>
         </a:defRPr>
       </a:lvl8pPr>
-      <a:lvl9pPr marL="2914650" indent="-212598" algn="l" defTabSz="685800" rtl="0" eaLnBrk="1" latinLnBrk="0" hangingPunct="1">
+      <a:lvl9pPr marL="2914650" indent="-171450" algn="l" defTabSz="685800" rtl="0" eaLnBrk="1" latinLnBrk="0" hangingPunct="1">
         <a:lnSpc>
-          <a:spcPct val="112000"/>
+          <a:spcPct val="90000"/>
         </a:lnSpc>
         <a:spcBef>
-          <a:spcPts val="975"/>
+          <a:spcPts val="375"/>
         </a:spcBef>
         <a:buFont typeface="Arial" panose="020B0604020202020204" pitchFamily="34" charset="0"/>
         <a:buChar char="•"/>
-        <a:defRPr sz="1050" i="1" kern="1200" baseline="0">
+        <a:defRPr sz="1350" kern="1200">
           <a:solidFill>
-            <a:schemeClr val="tx1">
-              <a:lumMod val="85000"/>
-              <a:lumOff val="15000"/>
-            </a:schemeClr>
+            <a:schemeClr val="tx1"/>
           </a:solidFill>
           <a:latin typeface="+mn-lt"/>
           <a:ea typeface="+mn-ea"/>
@@ -5415,35 +6107,9 @@
       </a:lvl9pPr>
     </p:otherStyle>
   </p:txStyles>
-  <p:extLst mod="1">
+  <p:extLst>
     <p:ext uri="{27BBF7A9-308A-43DC-89C8-2F10F3537804}">
-      <p15:sldGuideLst xmlns:p15="http://schemas.microsoft.com/office/powerpoint/2012/main">
-        <p15:guide id="1" pos="2832">
-          <p15:clr>
-            <a:srgbClr val="F26B43"/>
-          </p15:clr>
-        </p15:guide>
-        <p15:guide id="2" pos="480">
-          <p15:clr>
-            <a:srgbClr val="F26B43"/>
-          </p15:clr>
-        </p15:guide>
-        <p15:guide id="3" orient="horz" pos="432">
-          <p15:clr>
-            <a:srgbClr val="F26B43"/>
-          </p15:clr>
-        </p15:guide>
-        <p15:guide id="4" pos="7200">
-          <p15:clr>
-            <a:srgbClr val="F26B43"/>
-          </p15:clr>
-        </p15:guide>
-        <p15:guide id="5" pos="3264">
-          <p15:clr>
-            <a:srgbClr val="F26B43"/>
-          </p15:clr>
-        </p15:guide>
-      </p15:sldGuideLst>
+      <p15:sldGuideLst xmlns:p15="http://schemas.microsoft.com/office/powerpoint/2012/main"/>
     </p:ext>
   </p:extLst>
 </p:sldMaster>
@@ -5915,7 +6581,7 @@
         </p:blipFill>
         <p:spPr>
           <a:xfrm>
-            <a:off x="3459125" y="2707758"/>
+            <a:off x="3459125" y="3622158"/>
             <a:ext cx="4636869" cy="1655554"/>
           </a:xfrm>
           <a:prstGeom prst="rect">
@@ -5936,6 +6602,1128 @@
 </file>
 
 <file path=ppt/slides/slide4.xml><?xml version="1.0" encoding="utf-8"?>
+<p:sld xmlns:a="http://schemas.openxmlformats.org/drawingml/2006/main" xmlns:r="http://schemas.openxmlformats.org/officeDocument/2006/relationships" xmlns:p="http://schemas.openxmlformats.org/presentationml/2006/main">
+  <p:cSld>
+    <p:spTree>
+      <p:nvGrpSpPr>
+        <p:cNvPr id="1" name=""/>
+        <p:cNvGrpSpPr/>
+        <p:nvPr/>
+      </p:nvGrpSpPr>
+      <p:grpSpPr>
+        <a:xfrm>
+          <a:off x="0" y="0"/>
+          <a:ext cx="0" cy="0"/>
+          <a:chOff x="0" y="0"/>
+          <a:chExt cx="0" cy="0"/>
+        </a:xfrm>
+      </p:grpSpPr>
+      <mc:AlternateContent xmlns:mc="http://schemas.openxmlformats.org/markup-compatibility/2006">
+        <mc:Choice xmlns:a14="http://schemas.microsoft.com/office/drawing/2010/main" Requires="a14">
+          <p:sp>
+            <p:nvSpPr>
+              <p:cNvPr id="3" name="Text Placeholder 2">
+                <a:extLst>
+                  <a:ext uri="{FF2B5EF4-FFF2-40B4-BE49-F238E27FC236}">
+                    <a16:creationId xmlns:a16="http://schemas.microsoft.com/office/drawing/2014/main" id="{8E687938-E1B7-44E2-AA38-41D203D4218D}"/>
+                  </a:ext>
+                </a:extLst>
+              </p:cNvPr>
+              <p:cNvSpPr>
+                <a:spLocks noGrp="1"/>
+              </p:cNvSpPr>
+              <p:nvPr>
+                <p:ph type="body" idx="1"/>
+              </p:nvPr>
+            </p:nvSpPr>
+            <p:spPr>
+              <a:xfrm>
+                <a:off x="311700" y="633984"/>
+                <a:ext cx="8520600" cy="3934891"/>
+              </a:xfrm>
+            </p:spPr>
+            <p:txBody>
+              <a:bodyPr/>
+              <a:lstStyle/>
+              <a:p>
+                <a:pPr marL="0" indent="0">
+                  <a:buNone/>
+                </a:pPr>
+                <a:r>
+                  <a:rPr lang="en-US" dirty="0">
+                    <a:latin typeface="Times New Roman" panose="02020603050405020304" pitchFamily="18" charset="0"/>
+                    <a:cs typeface="Times New Roman" panose="02020603050405020304" pitchFamily="18" charset="0"/>
+                  </a:rPr>
+                  <a:t>For every sentence </a:t>
+                </a:r>
+                <a14:m>
+                  <m:oMath xmlns:m="http://schemas.openxmlformats.org/officeDocument/2006/math">
+                    <m:r>
+                      <a:rPr lang="en-US" i="1"/>
+                      <m:t>𝑠</m:t>
+                    </m:r>
+                  </m:oMath>
+                </a14:m>
+                <a:r>
+                  <a:rPr lang="en-US" dirty="0">
+                    <a:latin typeface="Times New Roman" panose="02020603050405020304" pitchFamily="18" charset="0"/>
+                    <a:cs typeface="Times New Roman" panose="02020603050405020304" pitchFamily="18" charset="0"/>
+                  </a:rPr>
+                  <a:t> with length </a:t>
+                </a:r>
+                <a14:m>
+                  <m:oMath xmlns:m="http://schemas.openxmlformats.org/officeDocument/2006/math">
+                    <m:r>
+                      <a:rPr lang="en-US" i="1"/>
+                      <m:t>𝑛</m:t>
+                    </m:r>
+                  </m:oMath>
+                </a14:m>
+                <a:r>
+                  <a:rPr lang="en-US" dirty="0">
+                    <a:latin typeface="Times New Roman" panose="02020603050405020304" pitchFamily="18" charset="0"/>
+                    <a:cs typeface="Times New Roman" panose="02020603050405020304" pitchFamily="18" charset="0"/>
+                  </a:rPr>
+                  <a:t>, and </a:t>
+                </a:r>
+                <a14:m>
+                  <m:oMath xmlns:m="http://schemas.openxmlformats.org/officeDocument/2006/math">
+                    <m:sSub>
+                      <m:sSubPr>
+                        <m:ctrlPr>
+                          <a:rPr lang="en-US" i="1"/>
+                        </m:ctrlPr>
+                      </m:sSubPr>
+                      <m:e>
+                        <m:r>
+                          <a:rPr lang="en-US" i="1"/>
+                          <m:t>𝑥</m:t>
+                        </m:r>
+                      </m:e>
+                      <m:sub>
+                        <m:r>
+                          <a:rPr lang="en-US" i="1"/>
+                          <m:t>𝑖</m:t>
+                        </m:r>
+                      </m:sub>
+                    </m:sSub>
+                    <m:r>
+                      <a:rPr lang="en-US" i="1"/>
+                      <m:t>∈</m:t>
+                    </m:r>
+                    <m:sSup>
+                      <m:sSupPr>
+                        <m:ctrlPr>
+                          <a:rPr lang="en-US" b="1" i="1"/>
+                        </m:ctrlPr>
+                      </m:sSupPr>
+                      <m:e>
+                        <m:r>
+                          <a:rPr lang="en-US" b="1" i="1"/>
+                          <m:t>𝑹</m:t>
+                        </m:r>
+                      </m:e>
+                      <m:sup>
+                        <m:r>
+                          <a:rPr lang="en-US" i="1"/>
+                          <m:t>𝑘</m:t>
+                        </m:r>
+                      </m:sup>
+                    </m:sSup>
+                  </m:oMath>
+                </a14:m>
+                <a:r>
+                  <a:rPr lang="en-US" dirty="0">
+                    <a:latin typeface="Times New Roman" panose="02020603050405020304" pitchFamily="18" charset="0"/>
+                    <a:cs typeface="Times New Roman" panose="02020603050405020304" pitchFamily="18" charset="0"/>
+                  </a:rPr>
+                  <a:t> be the </a:t>
+                </a:r>
+                <a14:m>
+                  <m:oMath xmlns:m="http://schemas.openxmlformats.org/officeDocument/2006/math">
+                    <m:r>
+                      <a:rPr lang="en-US" i="1"/>
+                      <m:t>𝑘</m:t>
+                    </m:r>
+                  </m:oMath>
+                </a14:m>
+                <a:r>
+                  <a:rPr lang="en-US" dirty="0">
+                    <a:latin typeface="Times New Roman" panose="02020603050405020304" pitchFamily="18" charset="0"/>
+                    <a:cs typeface="Times New Roman" panose="02020603050405020304" pitchFamily="18" charset="0"/>
+                  </a:rPr>
+                  <a:t>-dimensional word vector for </a:t>
+                </a:r>
+                <a14:m>
+                  <m:oMath xmlns:m="http://schemas.openxmlformats.org/officeDocument/2006/math">
+                    <m:r>
+                      <a:rPr lang="en-US" i="1"/>
+                      <m:t>𝑖</m:t>
+                    </m:r>
+                    <m:r>
+                      <a:rPr lang="en-US" i="1"/>
+                      <m:t>=1,2, ⋯</m:t>
+                    </m:r>
+                    <m:r>
+                      <a:rPr lang="en-US" i="1"/>
+                      <m:t>𝑛</m:t>
+                    </m:r>
+                  </m:oMath>
+                </a14:m>
+                <a:r>
+                  <a:rPr lang="en-US" dirty="0">
+                    <a:latin typeface="Times New Roman" panose="02020603050405020304" pitchFamily="18" charset="0"/>
+                    <a:cs typeface="Times New Roman" panose="02020603050405020304" pitchFamily="18" charset="0"/>
+                  </a:rPr>
+                  <a:t>. we can represent the sentence as </a:t>
+                </a:r>
+              </a:p>
+              <a:p>
+                <a:pPr marL="0" indent="0">
+                  <a:buNone/>
+                </a:pPr>
+                <a14:m>
+                  <m:oMathPara xmlns:m="http://schemas.openxmlformats.org/officeDocument/2006/math">
+                    <m:oMathParaPr>
+                      <m:jc m:val="centerGroup"/>
+                    </m:oMathParaPr>
+                    <m:oMath xmlns:m="http://schemas.openxmlformats.org/officeDocument/2006/math">
+                      <m:sSub>
+                        <m:sSubPr>
+                          <m:ctrlPr>
+                            <a:rPr lang="en-US" i="1"/>
+                          </m:ctrlPr>
+                        </m:sSubPr>
+                        <m:e>
+                          <m:r>
+                            <a:rPr lang="en-US" i="1"/>
+                            <m:t>𝑥</m:t>
+                          </m:r>
+                        </m:e>
+                        <m:sub>
+                          <m:r>
+                            <a:rPr lang="en-US" i="1"/>
+                            <m:t>1:</m:t>
+                          </m:r>
+                          <m:r>
+                            <a:rPr lang="en-US" i="1"/>
+                            <m:t>𝑛</m:t>
+                          </m:r>
+                        </m:sub>
+                      </m:sSub>
+                      <m:r>
+                        <a:rPr lang="en-US" i="1"/>
+                        <m:t>=</m:t>
+                      </m:r>
+                      <m:sSub>
+                        <m:sSubPr>
+                          <m:ctrlPr>
+                            <a:rPr lang="en-US" i="1"/>
+                          </m:ctrlPr>
+                        </m:sSubPr>
+                        <m:e>
+                          <m:r>
+                            <a:rPr lang="en-US" i="1"/>
+                            <m:t>𝑥</m:t>
+                          </m:r>
+                        </m:e>
+                        <m:sub>
+                          <m:r>
+                            <a:rPr lang="en-US" i="1"/>
+                            <m:t>1</m:t>
+                          </m:r>
+                        </m:sub>
+                      </m:sSub>
+                      <m:r>
+                        <a:rPr lang="en-US" i="1"/>
+                        <m:t>⊕</m:t>
+                      </m:r>
+                      <m:sSub>
+                        <m:sSubPr>
+                          <m:ctrlPr>
+                            <a:rPr lang="en-US" i="1"/>
+                          </m:ctrlPr>
+                        </m:sSubPr>
+                        <m:e>
+                          <m:r>
+                            <a:rPr lang="en-US" i="1"/>
+                            <m:t>𝑥</m:t>
+                          </m:r>
+                        </m:e>
+                        <m:sub>
+                          <m:r>
+                            <a:rPr lang="en-US" i="1"/>
+                            <m:t>2</m:t>
+                          </m:r>
+                        </m:sub>
+                      </m:sSub>
+                      <m:r>
+                        <a:rPr lang="en-US" i="1"/>
+                        <m:t>⊕⋯⊕</m:t>
+                      </m:r>
+                      <m:sSub>
+                        <m:sSubPr>
+                          <m:ctrlPr>
+                            <a:rPr lang="en-US" i="1"/>
+                          </m:ctrlPr>
+                        </m:sSubPr>
+                        <m:e>
+                          <m:r>
+                            <a:rPr lang="en-US" i="1"/>
+                            <m:t>𝑥</m:t>
+                          </m:r>
+                        </m:e>
+                        <m:sub>
+                          <m:r>
+                            <a:rPr lang="en-US" i="1"/>
+                            <m:t>𝑛</m:t>
+                          </m:r>
+                        </m:sub>
+                      </m:sSub>
+                    </m:oMath>
+                  </m:oMathPara>
+                </a14:m>
+                <a:endParaRPr lang="en-US" dirty="0">
+                  <a:latin typeface="Times New Roman" panose="02020603050405020304" pitchFamily="18" charset="0"/>
+                  <a:cs typeface="Times New Roman" panose="02020603050405020304" pitchFamily="18" charset="0"/>
+                </a:endParaRPr>
+              </a:p>
+              <a:p>
+                <a:pPr marL="0" indent="0">
+                  <a:buNone/>
+                </a:pPr>
+                <a:r>
+                  <a:rPr lang="en-US" dirty="0">
+                    <a:latin typeface="Times New Roman" panose="02020603050405020304" pitchFamily="18" charset="0"/>
+                    <a:cs typeface="Times New Roman" panose="02020603050405020304" pitchFamily="18" charset="0"/>
+                  </a:rPr>
+                  <a:t>where </a:t>
+                </a:r>
+                <a14:m>
+                  <m:oMath xmlns:m="http://schemas.openxmlformats.org/officeDocument/2006/math">
+                    <m:r>
+                      <a:rPr lang="en-US" i="1"/>
+                      <m:t>⊕</m:t>
+                    </m:r>
+                  </m:oMath>
+                </a14:m>
+                <a:r>
+                  <a:rPr lang="en-US" dirty="0">
+                    <a:latin typeface="Times New Roman" panose="02020603050405020304" pitchFamily="18" charset="0"/>
+                    <a:cs typeface="Times New Roman" panose="02020603050405020304" pitchFamily="18" charset="0"/>
+                  </a:rPr>
+                  <a:t> is the concatenation operator. Let </a:t>
+                </a:r>
+                <a14:m>
+                  <m:oMath xmlns:m="http://schemas.openxmlformats.org/officeDocument/2006/math">
+                    <m:sSub>
+                      <m:sSubPr>
+                        <m:ctrlPr>
+                          <a:rPr lang="en-US" i="1"/>
+                        </m:ctrlPr>
+                      </m:sSubPr>
+                      <m:e>
+                        <m:r>
+                          <a:rPr lang="en-US" i="1"/>
+                          <m:t>𝑥</m:t>
+                        </m:r>
+                      </m:e>
+                      <m:sub>
+                        <m:r>
+                          <a:rPr lang="en-US" i="1"/>
+                          <m:t>𝑖</m:t>
+                        </m:r>
+                        <m:r>
+                          <a:rPr lang="en-US" i="1"/>
+                          <m:t>:</m:t>
+                        </m:r>
+                        <m:r>
+                          <a:rPr lang="en-US" i="1"/>
+                          <m:t>𝑖</m:t>
+                        </m:r>
+                        <m:r>
+                          <a:rPr lang="en-US" i="1"/>
+                          <m:t>+</m:t>
+                        </m:r>
+                        <m:r>
+                          <a:rPr lang="en-US" i="1"/>
+                          <m:t>𝑗</m:t>
+                        </m:r>
+                      </m:sub>
+                    </m:sSub>
+                  </m:oMath>
+                </a14:m>
+                <a:r>
+                  <a:rPr lang="en-US" dirty="0">
+                    <a:latin typeface="Times New Roman" panose="02020603050405020304" pitchFamily="18" charset="0"/>
+                    <a:cs typeface="Times New Roman" panose="02020603050405020304" pitchFamily="18" charset="0"/>
+                  </a:rPr>
+                  <a:t> refer to the concatenation of words </a:t>
+                </a:r>
+                <a14:m>
+                  <m:oMath xmlns:m="http://schemas.openxmlformats.org/officeDocument/2006/math">
+                    <m:sSub>
+                      <m:sSubPr>
+                        <m:ctrlPr>
+                          <a:rPr lang="en-US" i="1"/>
+                        </m:ctrlPr>
+                      </m:sSubPr>
+                      <m:e>
+                        <m:r>
+                          <a:rPr lang="en-US" i="1"/>
+                          <m:t>𝑥</m:t>
+                        </m:r>
+                      </m:e>
+                      <m:sub>
+                        <m:r>
+                          <a:rPr lang="en-US" i="1"/>
+                          <m:t>𝑖</m:t>
+                        </m:r>
+                      </m:sub>
+                    </m:sSub>
+                    <m:r>
+                      <a:rPr lang="en-US" i="1"/>
+                      <m:t>, </m:t>
+                    </m:r>
+                    <m:sSub>
+                      <m:sSubPr>
+                        <m:ctrlPr>
+                          <a:rPr lang="en-US" i="1"/>
+                        </m:ctrlPr>
+                      </m:sSubPr>
+                      <m:e>
+                        <m:r>
+                          <a:rPr lang="en-US" i="1"/>
+                          <m:t>𝑥</m:t>
+                        </m:r>
+                      </m:e>
+                      <m:sub>
+                        <m:r>
+                          <a:rPr lang="en-US" i="1"/>
+                          <m:t>𝑖</m:t>
+                        </m:r>
+                        <m:r>
+                          <a:rPr lang="en-US" i="1"/>
+                          <m:t>+1</m:t>
+                        </m:r>
+                      </m:sub>
+                    </m:sSub>
+                    <m:r>
+                      <a:rPr lang="en-US" i="1"/>
+                      <m:t>⋯</m:t>
+                    </m:r>
+                    <m:sSub>
+                      <m:sSubPr>
+                        <m:ctrlPr>
+                          <a:rPr lang="en-US" i="1"/>
+                        </m:ctrlPr>
+                      </m:sSubPr>
+                      <m:e>
+                        <m:r>
+                          <a:rPr lang="en-US" i="1"/>
+                          <m:t>𝑥</m:t>
+                        </m:r>
+                      </m:e>
+                      <m:sub>
+                        <m:r>
+                          <a:rPr lang="en-US" i="1"/>
+                          <m:t>𝑖</m:t>
+                        </m:r>
+                      </m:sub>
+                    </m:sSub>
+                  </m:oMath>
+                </a14:m>
+                <a:r>
+                  <a:rPr lang="en-US" dirty="0">
+                    <a:latin typeface="Times New Roman" panose="02020603050405020304" pitchFamily="18" charset="0"/>
+                    <a:cs typeface="Times New Roman" panose="02020603050405020304" pitchFamily="18" charset="0"/>
+                  </a:rPr>
+                  <a:t>. A 1-D convolution involves a filter </a:t>
+                </a:r>
+                <a14:m>
+                  <m:oMath xmlns:m="http://schemas.openxmlformats.org/officeDocument/2006/math">
+                    <m:r>
+                      <a:rPr lang="en-US" i="1"/>
+                      <m:t>𝑤</m:t>
+                    </m:r>
+                    <m:r>
+                      <a:rPr lang="en-US" i="1"/>
+                      <m:t>∈</m:t>
+                    </m:r>
+                    <m:sSup>
+                      <m:sSupPr>
+                        <m:ctrlPr>
+                          <a:rPr lang="en-US" b="1" i="1"/>
+                        </m:ctrlPr>
+                      </m:sSupPr>
+                      <m:e>
+                        <m:r>
+                          <a:rPr lang="en-US" b="1" i="1"/>
+                          <m:t>𝑹</m:t>
+                        </m:r>
+                      </m:e>
+                      <m:sup>
+                        <m:r>
+                          <a:rPr lang="en-US" i="1"/>
+                          <m:t>h𝑘</m:t>
+                        </m:r>
+                      </m:sup>
+                    </m:sSup>
+                  </m:oMath>
+                </a14:m>
+                <a:r>
+                  <a:rPr lang="en-US" dirty="0">
+                    <a:latin typeface="Times New Roman" panose="02020603050405020304" pitchFamily="18" charset="0"/>
+                    <a:cs typeface="Times New Roman" panose="02020603050405020304" pitchFamily="18" charset="0"/>
+                  </a:rPr>
+                  <a:t>, which is applied to a window of </a:t>
+                </a:r>
+                <a14:m>
+                  <m:oMath xmlns:m="http://schemas.openxmlformats.org/officeDocument/2006/math">
+                    <m:r>
+                      <a:rPr lang="en-US" i="1"/>
+                      <m:t>h</m:t>
+                    </m:r>
+                  </m:oMath>
+                </a14:m>
+                <a:r>
+                  <a:rPr lang="en-US" dirty="0">
+                    <a:latin typeface="Times New Roman" panose="02020603050405020304" pitchFamily="18" charset="0"/>
+                    <a:cs typeface="Times New Roman" panose="02020603050405020304" pitchFamily="18" charset="0"/>
+                  </a:rPr>
+                  <a:t> words to produce a new feature </a:t>
+                </a:r>
+                <a14:m>
+                  <m:oMath xmlns:m="http://schemas.openxmlformats.org/officeDocument/2006/math">
+                    <m:sSub>
+                      <m:sSubPr>
+                        <m:ctrlPr>
+                          <a:rPr lang="en-US" i="1"/>
+                        </m:ctrlPr>
+                      </m:sSubPr>
+                      <m:e>
+                        <m:r>
+                          <a:rPr lang="en-US" i="1"/>
+                          <m:t>𝑐</m:t>
+                        </m:r>
+                      </m:e>
+                      <m:sub>
+                        <m:r>
+                          <a:rPr lang="en-US" i="1"/>
+                          <m:t>𝑖</m:t>
+                        </m:r>
+                      </m:sub>
+                    </m:sSub>
+                  </m:oMath>
+                </a14:m>
+                <a:r>
+                  <a:rPr lang="en-US" dirty="0">
+                    <a:latin typeface="Times New Roman" panose="02020603050405020304" pitchFamily="18" charset="0"/>
+                    <a:cs typeface="Times New Roman" panose="02020603050405020304" pitchFamily="18" charset="0"/>
+                  </a:rPr>
+                  <a:t>, where </a:t>
+                </a:r>
+              </a:p>
+              <a:p>
+                <a:pPr marL="0" indent="0">
+                  <a:buNone/>
+                </a:pPr>
+                <a14:m>
+                  <m:oMathPara xmlns:m="http://schemas.openxmlformats.org/officeDocument/2006/math">
+                    <m:oMathParaPr>
+                      <m:jc m:val="centerGroup"/>
+                    </m:oMathParaPr>
+                    <m:oMath xmlns:m="http://schemas.openxmlformats.org/officeDocument/2006/math">
+                      <m:sSub>
+                        <m:sSubPr>
+                          <m:ctrlPr>
+                            <a:rPr lang="en-US" i="1"/>
+                          </m:ctrlPr>
+                        </m:sSubPr>
+                        <m:e>
+                          <m:r>
+                            <a:rPr lang="en-US" i="1"/>
+                            <m:t>𝑐</m:t>
+                          </m:r>
+                        </m:e>
+                        <m:sub>
+                          <m:r>
+                            <a:rPr lang="en-US" i="1"/>
+                            <m:t>𝑖</m:t>
+                          </m:r>
+                        </m:sub>
+                      </m:sSub>
+                      <m:r>
+                        <a:rPr lang="en-US" i="1"/>
+                        <m:t>=</m:t>
+                      </m:r>
+                      <m:r>
+                        <a:rPr lang="en-US" i="1"/>
+                        <m:t>𝑓</m:t>
+                      </m:r>
+                      <m:r>
+                        <a:rPr lang="en-US" i="1"/>
+                        <m:t>(</m:t>
+                      </m:r>
+                      <m:r>
+                        <a:rPr lang="en-US" i="1"/>
+                        <m:t>𝑤</m:t>
+                      </m:r>
+                      <m:r>
+                        <a:rPr lang="en-US" i="1"/>
+                        <m:t>∙</m:t>
+                      </m:r>
+                      <m:sSub>
+                        <m:sSubPr>
+                          <m:ctrlPr>
+                            <a:rPr lang="en-US" i="1"/>
+                          </m:ctrlPr>
+                        </m:sSubPr>
+                        <m:e>
+                          <m:r>
+                            <a:rPr lang="en-US" i="1"/>
+                            <m:t>𝑥</m:t>
+                          </m:r>
+                        </m:e>
+                        <m:sub>
+                          <m:r>
+                            <a:rPr lang="en-US" i="1"/>
+                            <m:t>𝑖</m:t>
+                          </m:r>
+                          <m:r>
+                            <a:rPr lang="en-US" i="1"/>
+                            <m:t>:</m:t>
+                          </m:r>
+                          <m:r>
+                            <a:rPr lang="en-US" i="1"/>
+                            <m:t>𝑖</m:t>
+                          </m:r>
+                          <m:r>
+                            <a:rPr lang="en-US" i="1"/>
+                            <m:t>+</m:t>
+                          </m:r>
+                          <m:r>
+                            <a:rPr lang="en-US" i="1"/>
+                            <m:t>h</m:t>
+                          </m:r>
+                          <m:r>
+                            <a:rPr lang="en-US" i="1"/>
+                            <m:t>−1</m:t>
+                          </m:r>
+                        </m:sub>
+                      </m:sSub>
+                      <m:r>
+                        <a:rPr lang="en-US" i="1"/>
+                        <m:t>+</m:t>
+                      </m:r>
+                      <m:r>
+                        <a:rPr lang="en-US" i="1"/>
+                        <m:t>𝑏</m:t>
+                      </m:r>
+                      <m:r>
+                        <a:rPr lang="en-US" i="1"/>
+                        <m:t>)</m:t>
+                      </m:r>
+                    </m:oMath>
+                  </m:oMathPara>
+                </a14:m>
+                <a:endParaRPr lang="en-US" dirty="0">
+                  <a:latin typeface="Times New Roman" panose="02020603050405020304" pitchFamily="18" charset="0"/>
+                  <a:cs typeface="Times New Roman" panose="02020603050405020304" pitchFamily="18" charset="0"/>
+                </a:endParaRPr>
+              </a:p>
+              <a:p>
+                <a:pPr marL="0" indent="0">
+                  <a:buNone/>
+                </a:pPr>
+                <a:r>
+                  <a:rPr lang="en-US" dirty="0">
+                    <a:latin typeface="Times New Roman" panose="02020603050405020304" pitchFamily="18" charset="0"/>
+                    <a:cs typeface="Times New Roman" panose="02020603050405020304" pitchFamily="18" charset="0"/>
+                  </a:rPr>
+                  <a:t>This filter is applied to each possible window of words </a:t>
+                </a:r>
+                <a14:m>
+                  <m:oMath xmlns:m="http://schemas.openxmlformats.org/officeDocument/2006/math">
+                    <m:d>
+                      <m:dPr>
+                        <m:begChr m:val="{"/>
+                        <m:endChr m:val="}"/>
+                        <m:ctrlPr>
+                          <a:rPr lang="en-US" i="1"/>
+                        </m:ctrlPr>
+                      </m:dPr>
+                      <m:e>
+                        <m:sSub>
+                          <m:sSubPr>
+                            <m:ctrlPr>
+                              <a:rPr lang="en-US" i="1"/>
+                            </m:ctrlPr>
+                          </m:sSubPr>
+                          <m:e>
+                            <m:r>
+                              <a:rPr lang="en-US" i="1"/>
+                              <m:t>𝑥</m:t>
+                            </m:r>
+                          </m:e>
+                          <m:sub>
+                            <m:r>
+                              <a:rPr lang="en-US" i="1"/>
+                              <m:t>1:</m:t>
+                            </m:r>
+                            <m:r>
+                              <a:rPr lang="en-US" i="1"/>
+                              <m:t>h</m:t>
+                            </m:r>
+                          </m:sub>
+                        </m:sSub>
+                        <m:r>
+                          <a:rPr lang="en-US" i="1"/>
+                          <m:t>,</m:t>
+                        </m:r>
+                        <m:sSub>
+                          <m:sSubPr>
+                            <m:ctrlPr>
+                              <a:rPr lang="en-US" i="1"/>
+                            </m:ctrlPr>
+                          </m:sSubPr>
+                          <m:e>
+                            <m:r>
+                              <a:rPr lang="en-US" i="1"/>
+                              <m:t>𝑥</m:t>
+                            </m:r>
+                          </m:e>
+                          <m:sub>
+                            <m:r>
+                              <a:rPr lang="en-US" i="1"/>
+                              <m:t>2:</m:t>
+                            </m:r>
+                            <m:r>
+                              <a:rPr lang="en-US" i="1"/>
+                              <m:t>h</m:t>
+                            </m:r>
+                            <m:r>
+                              <a:rPr lang="en-US" i="1"/>
+                              <m:t>+1</m:t>
+                            </m:r>
+                          </m:sub>
+                        </m:sSub>
+                        <m:r>
+                          <a:rPr lang="en-US" i="1"/>
+                          <m:t>,…,</m:t>
+                        </m:r>
+                        <m:sSub>
+                          <m:sSubPr>
+                            <m:ctrlPr>
+                              <a:rPr lang="en-US" i="1"/>
+                            </m:ctrlPr>
+                          </m:sSubPr>
+                          <m:e>
+                            <m:r>
+                              <a:rPr lang="en-US" i="1"/>
+                              <m:t>𝑥</m:t>
+                            </m:r>
+                          </m:e>
+                          <m:sub>
+                            <m:r>
+                              <a:rPr lang="en-US" i="1"/>
+                              <m:t>𝑛</m:t>
+                            </m:r>
+                            <m:r>
+                              <a:rPr lang="en-US" i="1"/>
+                              <m:t>−</m:t>
+                            </m:r>
+                            <m:r>
+                              <a:rPr lang="en-US" i="1"/>
+                              <m:t>h</m:t>
+                            </m:r>
+                            <m:r>
+                              <a:rPr lang="en-US" i="1"/>
+                              <m:t>+1:</m:t>
+                            </m:r>
+                            <m:r>
+                              <a:rPr lang="en-US" i="1"/>
+                              <m:t>𝑛</m:t>
+                            </m:r>
+                          </m:sub>
+                        </m:sSub>
+                      </m:e>
+                    </m:d>
+                  </m:oMath>
+                </a14:m>
+                <a:r>
+                  <a:rPr lang="en-US" dirty="0">
+                    <a:latin typeface="Times New Roman" panose="02020603050405020304" pitchFamily="18" charset="0"/>
+                    <a:cs typeface="Times New Roman" panose="02020603050405020304" pitchFamily="18" charset="0"/>
+                  </a:rPr>
+                  <a:t> to produce a feature map</a:t>
+                </a:r>
+              </a:p>
+              <a:p>
+                <a:pPr marL="0" indent="0">
+                  <a:buNone/>
+                </a:pPr>
+                <a14:m>
+                  <m:oMathPara xmlns:m="http://schemas.openxmlformats.org/officeDocument/2006/math">
+                    <m:oMathParaPr>
+                      <m:jc m:val="centerGroup"/>
+                    </m:oMathParaPr>
+                    <m:oMath xmlns:m="http://schemas.openxmlformats.org/officeDocument/2006/math">
+                      <m:r>
+                        <a:rPr lang="en-US" b="1" i="1"/>
+                        <m:t>𝒄</m:t>
+                      </m:r>
+                      <m:r>
+                        <a:rPr lang="en-US" i="1"/>
+                        <m:t>=</m:t>
+                      </m:r>
+                      <m:d>
+                        <m:dPr>
+                          <m:begChr m:val="["/>
+                          <m:endChr m:val="]"/>
+                          <m:ctrlPr>
+                            <a:rPr lang="en-US" i="1"/>
+                          </m:ctrlPr>
+                        </m:dPr>
+                        <m:e>
+                          <m:sSub>
+                            <m:sSubPr>
+                              <m:ctrlPr>
+                                <a:rPr lang="en-US" i="1"/>
+                              </m:ctrlPr>
+                            </m:sSubPr>
+                            <m:e>
+                              <m:r>
+                                <a:rPr lang="en-US" i="1"/>
+                                <m:t>𝑐</m:t>
+                              </m:r>
+                            </m:e>
+                            <m:sub>
+                              <m:r>
+                                <a:rPr lang="en-US" i="1"/>
+                                <m:t>1</m:t>
+                              </m:r>
+                            </m:sub>
+                          </m:sSub>
+                          <m:r>
+                            <a:rPr lang="en-US" i="1"/>
+                            <m:t>, </m:t>
+                          </m:r>
+                          <m:sSub>
+                            <m:sSubPr>
+                              <m:ctrlPr>
+                                <a:rPr lang="en-US" i="1"/>
+                              </m:ctrlPr>
+                            </m:sSubPr>
+                            <m:e>
+                              <m:r>
+                                <a:rPr lang="en-US" i="1"/>
+                                <m:t>𝑐</m:t>
+                              </m:r>
+                            </m:e>
+                            <m:sub>
+                              <m:r>
+                                <a:rPr lang="en-US" i="1"/>
+                                <m:t>2</m:t>
+                              </m:r>
+                            </m:sub>
+                          </m:sSub>
+                          <m:r>
+                            <a:rPr lang="en-US" i="1"/>
+                            <m:t>, …, </m:t>
+                          </m:r>
+                          <m:sSub>
+                            <m:sSubPr>
+                              <m:ctrlPr>
+                                <a:rPr lang="en-US" i="1"/>
+                              </m:ctrlPr>
+                            </m:sSubPr>
+                            <m:e>
+                              <m:r>
+                                <a:rPr lang="en-US" i="1"/>
+                                <m:t>𝑐</m:t>
+                              </m:r>
+                            </m:e>
+                            <m:sub>
+                              <m:r>
+                                <a:rPr lang="en-US" i="1"/>
+                                <m:t>𝑛</m:t>
+                              </m:r>
+                              <m:r>
+                                <a:rPr lang="en-US" i="1"/>
+                                <m:t>−</m:t>
+                              </m:r>
+                              <m:r>
+                                <a:rPr lang="en-US" i="1"/>
+                                <m:t>h</m:t>
+                              </m:r>
+                              <m:r>
+                                <a:rPr lang="en-US" i="1"/>
+                                <m:t>+1</m:t>
+                              </m:r>
+                            </m:sub>
+                          </m:sSub>
+                        </m:e>
+                      </m:d>
+                    </m:oMath>
+                  </m:oMathPara>
+                </a14:m>
+                <a:endParaRPr lang="en-US" dirty="0">
+                  <a:latin typeface="Times New Roman" panose="02020603050405020304" pitchFamily="18" charset="0"/>
+                  <a:cs typeface="Times New Roman" panose="02020603050405020304" pitchFamily="18" charset="0"/>
+                </a:endParaRPr>
+              </a:p>
+              <a:p>
+                <a:pPr marL="0" indent="0">
+                  <a:buNone/>
+                </a:pPr>
+                <a:r>
+                  <a:rPr lang="en-US" dirty="0">
+                    <a:latin typeface="Times New Roman" panose="02020603050405020304" pitchFamily="18" charset="0"/>
+                    <a:cs typeface="Times New Roman" panose="02020603050405020304" pitchFamily="18" charset="0"/>
+                  </a:rPr>
+                  <a:t>Finally, we applied </a:t>
+                </a:r>
+                <a14:m>
+                  <m:oMath xmlns:m="http://schemas.openxmlformats.org/officeDocument/2006/math">
+                    <m:r>
+                      <a:rPr lang="en-US" b="1" i="1"/>
+                      <m:t>𝒄</m:t>
+                    </m:r>
+                  </m:oMath>
+                </a14:m>
+                <a:r>
+                  <a:rPr lang="en-US" b="1" dirty="0">
+                    <a:latin typeface="Times New Roman" panose="02020603050405020304" pitchFamily="18" charset="0"/>
+                    <a:cs typeface="Times New Roman" panose="02020603050405020304" pitchFamily="18" charset="0"/>
+                  </a:rPr>
+                  <a:t> </a:t>
+                </a:r>
+                <a:r>
+                  <a:rPr lang="en-US" dirty="0">
+                    <a:latin typeface="Times New Roman" panose="02020603050405020304" pitchFamily="18" charset="0"/>
+                    <a:cs typeface="Times New Roman" panose="02020603050405020304" pitchFamily="18" charset="0"/>
+                  </a:rPr>
+                  <a:t>to the max-pooling component.</a:t>
+                </a:r>
+              </a:p>
+              <a:p>
+                <a:pPr marL="0" indent="0">
+                  <a:buNone/>
+                </a:pPr>
+                <a14:m>
+                  <m:oMathPara xmlns:m="http://schemas.openxmlformats.org/officeDocument/2006/math">
+                    <m:oMathParaPr>
+                      <m:jc m:val="centerGroup"/>
+                    </m:oMathParaPr>
+                    <m:oMath xmlns:m="http://schemas.openxmlformats.org/officeDocument/2006/math">
+                      <m:acc>
+                        <m:accPr>
+                          <m:chr m:val="̂"/>
+                          <m:ctrlPr>
+                            <a:rPr lang="en-US" i="1"/>
+                          </m:ctrlPr>
+                        </m:accPr>
+                        <m:e>
+                          <m:r>
+                            <a:rPr lang="en-US" i="1"/>
+                            <m:t>𝑐</m:t>
+                          </m:r>
+                        </m:e>
+                      </m:acc>
+                      <m:r>
+                        <a:rPr lang="en-US" i="1"/>
+                        <m:t>=</m:t>
+                      </m:r>
+                      <m:func>
+                        <m:funcPr>
+                          <m:ctrlPr>
+                            <a:rPr lang="en-US" i="1"/>
+                          </m:ctrlPr>
+                        </m:funcPr>
+                        <m:fName>
+                          <m:limLow>
+                            <m:limLowPr>
+                              <m:ctrlPr>
+                                <a:rPr lang="en-US" i="1"/>
+                              </m:ctrlPr>
+                            </m:limLowPr>
+                            <m:e>
+                              <m:r>
+                                <m:rPr>
+                                  <m:sty m:val="p"/>
+                                </m:rPr>
+                                <a:rPr lang="en-US"/>
+                                <m:t>max</m:t>
+                              </m:r>
+                            </m:e>
+                            <m:lim/>
+                          </m:limLow>
+                        </m:fName>
+                        <m:e>
+                          <m:r>
+                            <a:rPr lang="en-US" b="1" i="1"/>
+                            <m:t>𝒄</m:t>
+                          </m:r>
+                        </m:e>
+                      </m:func>
+                    </m:oMath>
+                  </m:oMathPara>
+                </a14:m>
+                <a:endParaRPr lang="en-US" dirty="0">
+                  <a:latin typeface="Times New Roman" panose="02020603050405020304" pitchFamily="18" charset="0"/>
+                  <a:cs typeface="Times New Roman" panose="02020603050405020304" pitchFamily="18" charset="0"/>
+                </a:endParaRPr>
+              </a:p>
+            </p:txBody>
+          </p:sp>
+        </mc:Choice>
+        <mc:Fallback>
+          <p:sp>
+            <p:nvSpPr>
+              <p:cNvPr id="3" name="Text Placeholder 2">
+                <a:extLst>
+                  <a:ext uri="{FF2B5EF4-FFF2-40B4-BE49-F238E27FC236}">
+                    <a16:creationId xmlns:a16="http://schemas.microsoft.com/office/drawing/2014/main" id="{8E687938-E1B7-44E2-AA38-41D203D4218D}"/>
+                  </a:ext>
+                </a:extLst>
+              </p:cNvPr>
+              <p:cNvSpPr>
+                <a:spLocks noGrp="1" noRot="1" noChangeAspect="1" noMove="1" noResize="1" noEditPoints="1" noAdjustHandles="1" noChangeArrowheads="1" noChangeShapeType="1" noTextEdit="1"/>
+              </p:cNvSpPr>
+              <p:nvPr>
+                <p:ph type="body" idx="1"/>
+              </p:nvPr>
+            </p:nvSpPr>
+            <p:spPr>
+              <a:xfrm>
+                <a:off x="311700" y="633984"/>
+                <a:ext cx="8520600" cy="3934891"/>
+              </a:xfrm>
+              <a:blipFill>
+                <a:blip r:embed="rId2"/>
+                <a:stretch>
+                  <a:fillRect l="-858" t="-310" r="-1288"/>
+                </a:stretch>
+              </a:blipFill>
+            </p:spPr>
+            <p:txBody>
+              <a:bodyPr/>
+              <a:lstStyle/>
+              <a:p>
+                <a:r>
+                  <a:rPr lang="en-US">
+                    <a:noFill/>
+                  </a:rPr>
+                  <a:t> </a:t>
+                </a:r>
+              </a:p>
+            </p:txBody>
+          </p:sp>
+        </mc:Fallback>
+      </mc:AlternateContent>
+    </p:spTree>
+    <p:extLst>
+      <p:ext uri="{BB962C8B-B14F-4D97-AF65-F5344CB8AC3E}">
+        <p14:creationId xmlns:p14="http://schemas.microsoft.com/office/powerpoint/2010/main" val="3436045475"/>
+      </p:ext>
+    </p:extLst>
+  </p:cSld>
+  <p:clrMapOvr>
+    <a:masterClrMapping/>
+  </p:clrMapOvr>
+</p:sld>
+</file>
+
+<file path=ppt/slides/slide5.xml><?xml version="1.0" encoding="utf-8"?>
+<p:sld xmlns:a="http://schemas.openxmlformats.org/drawingml/2006/main" xmlns:r="http://schemas.openxmlformats.org/officeDocument/2006/relationships" xmlns:p="http://schemas.openxmlformats.org/presentationml/2006/main">
+  <p:cSld>
+    <p:spTree>
+      <p:nvGrpSpPr>
+        <p:cNvPr id="1" name=""/>
+        <p:cNvGrpSpPr/>
+        <p:nvPr/>
+      </p:nvGrpSpPr>
+      <p:grpSpPr>
+        <a:xfrm>
+          <a:off x="0" y="0"/>
+          <a:ext cx="0" cy="0"/>
+          <a:chOff x="0" y="0"/>
+          <a:chExt cx="0" cy="0"/>
+        </a:xfrm>
+      </p:grpSpPr>
+      <p:graphicFrame>
+        <p:nvGraphicFramePr>
+          <p:cNvPr id="8" name="Chart 7">
+            <a:extLst>
+              <a:ext uri="{FF2B5EF4-FFF2-40B4-BE49-F238E27FC236}">
+                <a16:creationId xmlns:a16="http://schemas.microsoft.com/office/drawing/2014/main" id="{E0D96FF4-83F1-4F55-90B8-F538278DA4AC}"/>
+              </a:ext>
+            </a:extLst>
+          </p:cNvPr>
+          <p:cNvGraphicFramePr/>
+          <p:nvPr>
+            <p:extLst>
+              <p:ext uri="{D42A27DB-BD31-4B8C-83A1-F6EECF244321}">
+                <p14:modId xmlns:p14="http://schemas.microsoft.com/office/powerpoint/2010/main" val="635777437"/>
+              </p:ext>
+            </p:extLst>
+          </p:nvPr>
+        </p:nvGraphicFramePr>
+        <p:xfrm>
+          <a:off x="0" y="0"/>
+          <a:ext cx="9144000" cy="5143499"/>
+        </p:xfrm>
+        <a:graphic>
+          <a:graphicData uri="http://schemas.openxmlformats.org/drawingml/2006/chart">
+            <c:chart xmlns:c="http://schemas.openxmlformats.org/drawingml/2006/chart" xmlns:r="http://schemas.openxmlformats.org/officeDocument/2006/relationships" r:id="rId2"/>
+          </a:graphicData>
+        </a:graphic>
+      </p:graphicFrame>
+    </p:spTree>
+    <p:extLst>
+      <p:ext uri="{BB962C8B-B14F-4D97-AF65-F5344CB8AC3E}">
+        <p14:creationId xmlns:p14="http://schemas.microsoft.com/office/powerpoint/2010/main" val="3210655509"/>
+      </p:ext>
+    </p:extLst>
+  </p:cSld>
+  <p:clrMapOvr>
+    <a:masterClrMapping/>
+  </p:clrMapOvr>
+</p:sld>
+</file>
+
+<file path=ppt/slides/slide6.xml><?xml version="1.0" encoding="utf-8"?>
+<p:sld xmlns:a="http://schemas.openxmlformats.org/drawingml/2006/main" xmlns:r="http://schemas.openxmlformats.org/officeDocument/2006/relationships" xmlns:p="http://schemas.openxmlformats.org/presentationml/2006/main">
+  <p:cSld>
+    <p:spTree>
+      <p:nvGrpSpPr>
+        <p:cNvPr id="1" name=""/>
+        <p:cNvGrpSpPr/>
+        <p:nvPr/>
+      </p:nvGrpSpPr>
+      <p:grpSpPr>
+        <a:xfrm>
+          <a:off x="0" y="0"/>
+          <a:ext cx="0" cy="0"/>
+          <a:chOff x="0" y="0"/>
+          <a:chExt cx="0" cy="0"/>
+        </a:xfrm>
+      </p:grpSpPr>
+    </p:spTree>
+    <p:extLst>
+      <p:ext uri="{BB962C8B-B14F-4D97-AF65-F5344CB8AC3E}">
+        <p14:creationId xmlns:p14="http://schemas.microsoft.com/office/powerpoint/2010/main" val="1607070842"/>
+      </p:ext>
+    </p:extLst>
+  </p:cSld>
+  <p:clrMapOvr>
+    <a:masterClrMapping/>
+  </p:clrMapOvr>
+</p:sld>
+</file>
+
+<file path=ppt/slides/slide7.xml><?xml version="1.0" encoding="utf-8"?>
 <p:sld xmlns:a="http://schemas.openxmlformats.org/drawingml/2006/main" xmlns:r="http://schemas.openxmlformats.org/officeDocument/2006/relationships" xmlns:p="http://schemas.openxmlformats.org/presentationml/2006/main">
   <p:cSld>
     <p:spTree>
@@ -6196,9 +7984,9 @@
 </file>
 
 <file path=ppt/theme/theme1.xml><?xml version="1.0" encoding="utf-8"?>
-<a:theme xmlns:a="http://schemas.openxmlformats.org/drawingml/2006/main" name="Headlines">
+<a:theme xmlns:a="http://schemas.openxmlformats.org/drawingml/2006/main" name="Office Theme">
   <a:themeElements>
-    <a:clrScheme name="Headlines">
+    <a:clrScheme name="Office">
       <a:dk1>
         <a:sysClr val="windowText" lastClr="000000"/>
       </a:dk1>
@@ -6206,52 +7994,52 @@
         <a:sysClr val="window" lastClr="FFFFFF"/>
       </a:lt1>
       <a:dk2>
-        <a:srgbClr val="1D1A1D"/>
+        <a:srgbClr val="44546A"/>
       </a:dk2>
       <a:lt2>
-        <a:srgbClr val="F5F5F5"/>
+        <a:srgbClr val="E7E6E6"/>
       </a:lt2>
       <a:accent1>
-        <a:srgbClr val="439EB7"/>
+        <a:srgbClr val="4472C4"/>
       </a:accent1>
       <a:accent2>
-        <a:srgbClr val="E28B55"/>
+        <a:srgbClr val="ED7D31"/>
       </a:accent2>
       <a:accent3>
-        <a:srgbClr val="DCB64D"/>
+        <a:srgbClr val="A5A5A5"/>
       </a:accent3>
       <a:accent4>
-        <a:srgbClr val="4CA198"/>
+        <a:srgbClr val="FFC000"/>
       </a:accent4>
       <a:accent5>
-        <a:srgbClr val="835B82"/>
+        <a:srgbClr val="5B9BD5"/>
       </a:accent5>
       <a:accent6>
-        <a:srgbClr val="645135"/>
+        <a:srgbClr val="70AD47"/>
       </a:accent6>
       <a:hlink>
-        <a:srgbClr val="439EB7"/>
+        <a:srgbClr val="0563C1"/>
       </a:hlink>
       <a:folHlink>
-        <a:srgbClr val="835B82"/>
+        <a:srgbClr val="954F72"/>
       </a:folHlink>
     </a:clrScheme>
-    <a:fontScheme name="Headlines">
+    <a:fontScheme name="Office">
       <a:majorFont>
-        <a:latin typeface="Century Schoolbook" panose="02040604050505020304"/>
+        <a:latin typeface="Calibri Light" panose="020F0302020204030204"/>
         <a:ea typeface=""/>
         <a:cs typeface=""/>
-        <a:font script="Jpan" typeface="メイリオ"/>
+        <a:font script="Jpan" typeface="游ゴシック Light"/>
         <a:font script="Hang" typeface="맑은 고딕"/>
-        <a:font script="Hans" typeface="宋体"/>
+        <a:font script="Hans" typeface="等线 Light"/>
         <a:font script="Hant" typeface="新細明體"/>
-        <a:font script="Arab" typeface="Tahoma"/>
-        <a:font script="Hebr" typeface="Gisha"/>
-        <a:font script="Thai" typeface="DilleniaUPC"/>
+        <a:font script="Arab" typeface="Times New Roman"/>
+        <a:font script="Hebr" typeface="Times New Roman"/>
+        <a:font script="Thai" typeface="Angsana New"/>
         <a:font script="Ethi" typeface="Nyala"/>
         <a:font script="Beng" typeface="Vrinda"/>
         <a:font script="Gujr" typeface="Shruti"/>
-        <a:font script="Khmr" typeface="DaunPenh"/>
+        <a:font script="Khmr" typeface="MoolBoran"/>
         <a:font script="Knda" typeface="Tunga"/>
         <a:font script="Guru" typeface="Raavi"/>
         <a:font script="Cans" typeface="Euphemia"/>
@@ -6268,21 +8056,38 @@
         <a:font script="Laoo" typeface="DokChampa"/>
         <a:font script="Sinh" typeface="Iskoola Pota"/>
         <a:font script="Mong" typeface="Mongolian Baiti"/>
-        <a:font script="Viet" typeface="Tahoma"/>
+        <a:font script="Viet" typeface="Times New Roman"/>
         <a:font script="Uigh" typeface="Microsoft Uighur"/>
         <a:font script="Geor" typeface="Sylfaen"/>
+        <a:font script="Armn" typeface="Arial"/>
+        <a:font script="Bugi" typeface="Leelawadee UI"/>
+        <a:font script="Bopo" typeface="Microsoft JhengHei"/>
+        <a:font script="Java" typeface="Javanese Text"/>
+        <a:font script="Lisu" typeface="Segoe UI"/>
+        <a:font script="Mymr" typeface="Myanmar Text"/>
+        <a:font script="Nkoo" typeface="Ebrima"/>
+        <a:font script="Olck" typeface="Nirmala UI"/>
+        <a:font script="Osma" typeface="Ebrima"/>
+        <a:font script="Phag" typeface="Phagspa"/>
+        <a:font script="Syrn" typeface="Estrangelo Edessa"/>
+        <a:font script="Syrj" typeface="Estrangelo Edessa"/>
+        <a:font script="Syre" typeface="Estrangelo Edessa"/>
+        <a:font script="Sora" typeface="Nirmala UI"/>
+        <a:font script="Tale" typeface="Microsoft Tai Le"/>
+        <a:font script="Talu" typeface="Microsoft New Tai Lue"/>
+        <a:font script="Tfng" typeface="Ebrima"/>
       </a:majorFont>
       <a:minorFont>
-        <a:latin typeface="Corbel" panose="020B0503020204020204"/>
+        <a:latin typeface="Calibri" panose="020F0502020204030204"/>
         <a:ea typeface=""/>
         <a:cs typeface=""/>
-        <a:font script="Jpan" typeface="メイリオ"/>
-        <a:font script="Hang" typeface="HY엽서L"/>
-        <a:font script="Hans" typeface="华文楷体"/>
+        <a:font script="Jpan" typeface="游ゴシック"/>
+        <a:font script="Hang" typeface="맑은 고딕"/>
+        <a:font script="Hans" typeface="等线"/>
         <a:font script="Hant" typeface="新細明體"/>
-        <a:font script="Arab" typeface="Tahoma"/>
-        <a:font script="Hebr" typeface="Miriam"/>
-        <a:font script="Thai" typeface="DilleniaUPC"/>
+        <a:font script="Arab" typeface="Arial"/>
+        <a:font script="Hebr" typeface="Arial"/>
+        <a:font script="Thai" typeface="Cordia New"/>
         <a:font script="Ethi" typeface="Nyala"/>
         <a:font script="Beng" typeface="Vrinda"/>
         <a:font script="Gujr" typeface="Shruti"/>
@@ -6306,68 +8111,104 @@
         <a:font script="Viet" typeface="Arial"/>
         <a:font script="Uigh" typeface="Microsoft Uighur"/>
         <a:font script="Geor" typeface="Sylfaen"/>
+        <a:font script="Armn" typeface="Arial"/>
+        <a:font script="Bugi" typeface="Leelawadee UI"/>
+        <a:font script="Bopo" typeface="Microsoft JhengHei"/>
+        <a:font script="Java" typeface="Javanese Text"/>
+        <a:font script="Lisu" typeface="Segoe UI"/>
+        <a:font script="Mymr" typeface="Myanmar Text"/>
+        <a:font script="Nkoo" typeface="Ebrima"/>
+        <a:font script="Olck" typeface="Nirmala UI"/>
+        <a:font script="Osma" typeface="Ebrima"/>
+        <a:font script="Phag" typeface="Phagspa"/>
+        <a:font script="Syrn" typeface="Estrangelo Edessa"/>
+        <a:font script="Syrj" typeface="Estrangelo Edessa"/>
+        <a:font script="Syre" typeface="Estrangelo Edessa"/>
+        <a:font script="Sora" typeface="Nirmala UI"/>
+        <a:font script="Tale" typeface="Microsoft Tai Le"/>
+        <a:font script="Talu" typeface="Microsoft New Tai Lue"/>
+        <a:font script="Tfng" typeface="Ebrima"/>
       </a:minorFont>
     </a:fontScheme>
-    <a:fmtScheme name="Headlines">
+    <a:fmtScheme name="Office">
       <a:fillStyleLst>
         <a:solidFill>
           <a:schemeClr val="phClr"/>
-        </a:solidFill>
-        <a:solidFill>
-          <a:schemeClr val="phClr">
-            <a:tint val="67000"/>
-            <a:satMod val="105000"/>
-          </a:schemeClr>
         </a:solidFill>
         <a:gradFill rotWithShape="1">
           <a:gsLst>
             <a:gs pos="0">
               <a:schemeClr val="phClr">
-                <a:tint val="100000"/>
-                <a:satMod val="103000"/>
-                <a:lumMod val="102000"/>
+                <a:lumMod val="110000"/>
+                <a:satMod val="105000"/>
+                <a:tint val="67000"/>
               </a:schemeClr>
             </a:gs>
             <a:gs pos="50000">
               <a:schemeClr val="phClr">
-                <a:shade val="100000"/>
-                <a:satMod val="110000"/>
-                <a:lumMod val="100000"/>
+                <a:lumMod val="105000"/>
+                <a:satMod val="103000"/>
+                <a:tint val="73000"/>
               </a:schemeClr>
             </a:gs>
             <a:gs pos="100000">
               <a:schemeClr val="phClr">
-                <a:shade val="70000"/>
-                <a:satMod val="120000"/>
-                <a:lumMod val="99000"/>
+                <a:lumMod val="105000"/>
+                <a:satMod val="109000"/>
+                <a:tint val="81000"/>
               </a:schemeClr>
             </a:gs>
           </a:gsLst>
-          <a:path path="circle">
-            <a:fillToRect l="100000" t="100000" r="100000" b="100000"/>
-          </a:path>
+          <a:lin ang="5400000" scaled="0"/>
+        </a:gradFill>
+        <a:gradFill rotWithShape="1">
+          <a:gsLst>
+            <a:gs pos="0">
+              <a:schemeClr val="phClr">
+                <a:satMod val="103000"/>
+                <a:lumMod val="102000"/>
+                <a:tint val="94000"/>
+              </a:schemeClr>
+            </a:gs>
+            <a:gs pos="50000">
+              <a:schemeClr val="phClr">
+                <a:satMod val="110000"/>
+                <a:lumMod val="100000"/>
+                <a:shade val="100000"/>
+              </a:schemeClr>
+            </a:gs>
+            <a:gs pos="100000">
+              <a:schemeClr val="phClr">
+                <a:lumMod val="99000"/>
+                <a:satMod val="120000"/>
+                <a:shade val="78000"/>
+              </a:schemeClr>
+            </a:gs>
+          </a:gsLst>
+          <a:lin ang="5400000" scaled="0"/>
         </a:gradFill>
       </a:fillStyleLst>
       <a:lnStyleLst>
-        <a:ln w="6350" cap="flat" cmpd="sng" algn="in">
+        <a:ln w="6350" cap="flat" cmpd="sng" algn="ctr">
           <a:solidFill>
             <a:schemeClr val="phClr"/>
           </a:solidFill>
           <a:prstDash val="solid"/>
+          <a:miter lim="800000"/>
         </a:ln>
-        <a:ln w="12700" cap="flat" cmpd="sng" algn="in">
+        <a:ln w="12700" cap="flat" cmpd="sng" algn="ctr">
           <a:solidFill>
             <a:schemeClr val="phClr"/>
           </a:solidFill>
           <a:prstDash val="solid"/>
+          <a:miter lim="800000"/>
         </a:ln>
-        <a:ln w="19050" cap="flat" cmpd="sng" algn="in">
+        <a:ln w="19050" cap="flat" cmpd="sng" algn="ctr">
           <a:solidFill>
-            <a:schemeClr val="phClr">
-              <a:satMod val="150000"/>
-            </a:schemeClr>
+            <a:schemeClr val="phClr"/>
           </a:solidFill>
           <a:prstDash val="solid"/>
+          <a:miter lim="800000"/>
         </a:ln>
       </a:lnStyleLst>
       <a:effectStyleLst>
@@ -6379,14 +8220,9 @@
         </a:effectStyle>
         <a:effectStyle>
           <a:effectLst>
-            <a:innerShdw blurRad="88900" dist="25400" dir="10800000">
+            <a:outerShdw blurRad="57150" dist="19050" dir="5400000" algn="ctr" rotWithShape="0">
               <a:srgbClr val="000000">
-                <a:alpha val="25000"/>
-              </a:srgbClr>
-            </a:innerShdw>
-            <a:outerShdw blurRad="25400" dist="25400" dir="5400000" rotWithShape="0">
-              <a:srgbClr val="FFFFFF">
-                <a:alpha val="10000"/>
+                <a:alpha val="63000"/>
               </a:srgbClr>
             </a:outerShdw>
           </a:effectLst>
@@ -6407,16 +8243,16 @@
             <a:gs pos="0">
               <a:schemeClr val="phClr">
                 <a:tint val="93000"/>
+                <a:satMod val="150000"/>
                 <a:shade val="98000"/>
-                <a:satMod val="150000"/>
                 <a:lumMod val="102000"/>
               </a:schemeClr>
             </a:gs>
             <a:gs pos="50000">
               <a:schemeClr val="phClr">
                 <a:tint val="98000"/>
+                <a:satMod val="130000"/>
                 <a:shade val="90000"/>
-                <a:satMod val="130000"/>
                 <a:lumMod val="103000"/>
               </a:schemeClr>
             </a:gs>
@@ -6436,7 +8272,7 @@
   <a:extraClrSchemeLst/>
   <a:extLst>
     <a:ext uri="{05A4C25C-085E-4340-85A3-A5531E510DB2}">
-      <thm15:themeFamily xmlns:thm15="http://schemas.microsoft.com/office/thememl/2012/main" name="Headlines" id="{3841520A-25F2-4EB8-BE4C-611DB5ABEED9}" vid="{ECD25A4C-D97E-4C12-84B1-63580BFFAEEB}"/>
+      <thm15:themeFamily xmlns:thm15="http://schemas.microsoft.com/office/thememl/2012/main" name="Office Theme" id="{62F939B6-93AF-4DB8-9C6B-D6C7DFDC589F}" vid="{4A3C46E8-61CC-4603-A589-7422A47A8E4A}"/>
     </a:ext>
   </a:extLst>
 </a:theme>
